--- a/presentations/problem_presentation.pptx
+++ b/presentations/problem_presentation.pptx
@@ -2,10 +2,17 @@
 <file path=ppt/presentation.xml><?xml version="1.0" encoding="utf-8"?>
 <p:presentation xmlns:a="http://schemas.openxmlformats.org/drawingml/2006/main" xmlns:r="http://schemas.openxmlformats.org/officeDocument/2006/relationships" xmlns:p="http://schemas.openxmlformats.org/presentationml/2006/main" saveSubsetFonts="1">
   <p:sldMasterIdLst>
-    <p:sldMasterId id="2147483648" r:id="rId1"/>
+    <p:sldMasterId id="2147483744" r:id="rId1"/>
   </p:sldMasterIdLst>
   <p:sldIdLst>
     <p:sldId id="256" r:id="rId2"/>
+    <p:sldId id="258" r:id="rId3"/>
+    <p:sldId id="259" r:id="rId4"/>
+    <p:sldId id="264" r:id="rId5"/>
+    <p:sldId id="260" r:id="rId6"/>
+    <p:sldId id="262" r:id="rId7"/>
+    <p:sldId id="265" r:id="rId8"/>
+    <p:sldId id="263" r:id="rId9"/>
   </p:sldIdLst>
   <p:sldSz cx="12192000" cy="6858000"/>
   <p:notesSz cx="6858000" cy="9144000"/>
@@ -13,7 +20,7 @@
     <a:defPPr>
       <a:defRPr lang="en-US"/>
     </a:defPPr>
-    <a:lvl1pPr marL="0" algn="l" defTabSz="914400" rtl="0" eaLnBrk="1" latinLnBrk="0" hangingPunct="1">
+    <a:lvl1pPr marL="0" algn="l" defTabSz="457200" rtl="0" eaLnBrk="1" latinLnBrk="0" hangingPunct="1">
       <a:defRPr sz="1800" kern="1200">
         <a:solidFill>
           <a:schemeClr val="tx1"/>
@@ -23,7 +30,7 @@
         <a:cs typeface="+mn-cs"/>
       </a:defRPr>
     </a:lvl1pPr>
-    <a:lvl2pPr marL="457200" algn="l" defTabSz="914400" rtl="0" eaLnBrk="1" latinLnBrk="0" hangingPunct="1">
+    <a:lvl2pPr marL="457200" algn="l" defTabSz="457200" rtl="0" eaLnBrk="1" latinLnBrk="0" hangingPunct="1">
       <a:defRPr sz="1800" kern="1200">
         <a:solidFill>
           <a:schemeClr val="tx1"/>
@@ -33,7 +40,7 @@
         <a:cs typeface="+mn-cs"/>
       </a:defRPr>
     </a:lvl2pPr>
-    <a:lvl3pPr marL="914400" algn="l" defTabSz="914400" rtl="0" eaLnBrk="1" latinLnBrk="0" hangingPunct="1">
+    <a:lvl3pPr marL="914400" algn="l" defTabSz="457200" rtl="0" eaLnBrk="1" latinLnBrk="0" hangingPunct="1">
       <a:defRPr sz="1800" kern="1200">
         <a:solidFill>
           <a:schemeClr val="tx1"/>
@@ -43,7 +50,7 @@
         <a:cs typeface="+mn-cs"/>
       </a:defRPr>
     </a:lvl3pPr>
-    <a:lvl4pPr marL="1371600" algn="l" defTabSz="914400" rtl="0" eaLnBrk="1" latinLnBrk="0" hangingPunct="1">
+    <a:lvl4pPr marL="1371600" algn="l" defTabSz="457200" rtl="0" eaLnBrk="1" latinLnBrk="0" hangingPunct="1">
       <a:defRPr sz="1800" kern="1200">
         <a:solidFill>
           <a:schemeClr val="tx1"/>
@@ -53,7 +60,7 @@
         <a:cs typeface="+mn-cs"/>
       </a:defRPr>
     </a:lvl4pPr>
-    <a:lvl5pPr marL="1828800" algn="l" defTabSz="914400" rtl="0" eaLnBrk="1" latinLnBrk="0" hangingPunct="1">
+    <a:lvl5pPr marL="1828800" algn="l" defTabSz="457200" rtl="0" eaLnBrk="1" latinLnBrk="0" hangingPunct="1">
       <a:defRPr sz="1800" kern="1200">
         <a:solidFill>
           <a:schemeClr val="tx1"/>
@@ -63,7 +70,7 @@
         <a:cs typeface="+mn-cs"/>
       </a:defRPr>
     </a:lvl5pPr>
-    <a:lvl6pPr marL="2286000" algn="l" defTabSz="914400" rtl="0" eaLnBrk="1" latinLnBrk="0" hangingPunct="1">
+    <a:lvl6pPr marL="2286000" algn="l" defTabSz="457200" rtl="0" eaLnBrk="1" latinLnBrk="0" hangingPunct="1">
       <a:defRPr sz="1800" kern="1200">
         <a:solidFill>
           <a:schemeClr val="tx1"/>
@@ -73,7 +80,7 @@
         <a:cs typeface="+mn-cs"/>
       </a:defRPr>
     </a:lvl6pPr>
-    <a:lvl7pPr marL="2743200" algn="l" defTabSz="914400" rtl="0" eaLnBrk="1" latinLnBrk="0" hangingPunct="1">
+    <a:lvl7pPr marL="2743200" algn="l" defTabSz="457200" rtl="0" eaLnBrk="1" latinLnBrk="0" hangingPunct="1">
       <a:defRPr sz="1800" kern="1200">
         <a:solidFill>
           <a:schemeClr val="tx1"/>
@@ -83,7 +90,7 @@
         <a:cs typeface="+mn-cs"/>
       </a:defRPr>
     </a:lvl7pPr>
-    <a:lvl8pPr marL="3200400" algn="l" defTabSz="914400" rtl="0" eaLnBrk="1" latinLnBrk="0" hangingPunct="1">
+    <a:lvl8pPr marL="3200400" algn="l" defTabSz="457200" rtl="0" eaLnBrk="1" latinLnBrk="0" hangingPunct="1">
       <a:defRPr sz="1800" kern="1200">
         <a:solidFill>
           <a:schemeClr val="tx1"/>
@@ -93,7 +100,7 @@
         <a:cs typeface="+mn-cs"/>
       </a:defRPr>
     </a:lvl8pPr>
-    <a:lvl9pPr marL="3657600" algn="l" defTabSz="914400" rtl="0" eaLnBrk="1" latinLnBrk="0" hangingPunct="1">
+    <a:lvl9pPr marL="3657600" algn="l" defTabSz="457200" rtl="0" eaLnBrk="1" latinLnBrk="0" hangingPunct="1">
       <a:defRPr sz="1800" kern="1200">
         <a:solidFill>
           <a:schemeClr val="tx1"/>
@@ -104,11 +111,1177 @@
       </a:defRPr>
     </a:lvl9pPr>
   </p:defaultTextStyle>
+  <p:extLst>
+    <p:ext uri="{EFAFB233-063F-42B5-8137-9DF3F51BA10A}">
+      <p15:sldGuideLst xmlns:p15="http://schemas.microsoft.com/office/powerpoint/2012/main"/>
+    </p:ext>
+  </p:extLst>
 </p:presentation>
 </file>
 
+<file path=ppt/charts/chart1.xml><?xml version="1.0" encoding="utf-8"?>
+<c:chartSpace xmlns:c="http://schemas.openxmlformats.org/drawingml/2006/chart" xmlns:a="http://schemas.openxmlformats.org/drawingml/2006/main" xmlns:r="http://schemas.openxmlformats.org/officeDocument/2006/relationships" xmlns:c16r2="http://schemas.microsoft.com/office/drawing/2015/06/chart">
+  <c:date1904 val="0"/>
+  <c:lang val="en-US"/>
+  <c:roundedCorners val="0"/>
+  <mc:AlternateContent xmlns:mc="http://schemas.openxmlformats.org/markup-compatibility/2006">
+    <mc:Choice xmlns:c14="http://schemas.microsoft.com/office/drawing/2007/8/2/chart" Requires="c14">
+      <c14:style val="102"/>
+    </mc:Choice>
+    <mc:Fallback>
+      <c:style val="2"/>
+    </mc:Fallback>
+  </mc:AlternateContent>
+  <c:chart>
+    <c:title>
+      <c:tx>
+        <c:rich>
+          <a:bodyPr rot="0" spcFirstLastPara="1" vertOverflow="ellipsis" vert="horz" wrap="square" anchor="ctr" anchorCtr="1"/>
+          <a:lstStyle/>
+          <a:p>
+            <a:pPr>
+              <a:defRPr sz="1400" b="0" i="0" u="none" strike="noStrike" kern="1200" spc="0" baseline="0">
+                <a:solidFill>
+                  <a:schemeClr val="tx1">
+                    <a:lumMod val="65000"/>
+                    <a:lumOff val="35000"/>
+                  </a:schemeClr>
+                </a:solidFill>
+                <a:latin typeface="+mn-lt"/>
+                <a:ea typeface="+mn-ea"/>
+                <a:cs typeface="+mn-cs"/>
+              </a:defRPr>
+            </a:pPr>
+            <a:r>
+              <a:rPr lang="en-US"/>
+              <a:t>Min Graph Coloring Exact Solution Runtime</a:t>
+            </a:r>
+          </a:p>
+        </c:rich>
+      </c:tx>
+      <c:overlay val="0"/>
+      <c:spPr>
+        <a:noFill/>
+        <a:ln>
+          <a:noFill/>
+        </a:ln>
+        <a:effectLst/>
+      </c:spPr>
+      <c:txPr>
+        <a:bodyPr rot="0" spcFirstLastPara="1" vertOverflow="ellipsis" vert="horz" wrap="square" anchor="ctr" anchorCtr="1"/>
+        <a:lstStyle/>
+        <a:p>
+          <a:pPr>
+            <a:defRPr sz="1400" b="0" i="0" u="none" strike="noStrike" kern="1200" spc="0" baseline="0">
+              <a:solidFill>
+                <a:schemeClr val="tx1">
+                  <a:lumMod val="65000"/>
+                  <a:lumOff val="35000"/>
+                </a:schemeClr>
+              </a:solidFill>
+              <a:latin typeface="+mn-lt"/>
+              <a:ea typeface="+mn-ea"/>
+              <a:cs typeface="+mn-cs"/>
+            </a:defRPr>
+          </a:pPr>
+          <a:endParaRPr lang="en-US"/>
+        </a:p>
+      </c:txPr>
+    </c:title>
+    <c:autoTitleDeleted val="0"/>
+    <c:view3D>
+      <c:rotX val="15"/>
+      <c:rotY val="20"/>
+      <c:depthPercent val="100"/>
+      <c:rAngAx val="1"/>
+    </c:view3D>
+    <c:floor>
+      <c:thickness val="0"/>
+      <c:spPr>
+        <a:noFill/>
+        <a:ln>
+          <a:noFill/>
+        </a:ln>
+        <a:effectLst/>
+        <a:sp3d/>
+      </c:spPr>
+    </c:floor>
+    <c:sideWall>
+      <c:thickness val="0"/>
+      <c:spPr>
+        <a:noFill/>
+        <a:ln>
+          <a:noFill/>
+        </a:ln>
+        <a:effectLst/>
+        <a:sp3d/>
+      </c:spPr>
+    </c:sideWall>
+    <c:backWall>
+      <c:thickness val="0"/>
+      <c:spPr>
+        <a:noFill/>
+        <a:ln>
+          <a:noFill/>
+        </a:ln>
+        <a:effectLst/>
+        <a:sp3d/>
+      </c:spPr>
+    </c:backWall>
+    <c:plotArea>
+      <c:layout/>
+      <c:bar3DChart>
+        <c:barDir val="col"/>
+        <c:grouping val="clustered"/>
+        <c:varyColors val="0"/>
+        <c:ser>
+          <c:idx val="0"/>
+          <c:order val="0"/>
+          <c:tx>
+            <c:strRef>
+              <c:f>Sheet1!$B$1</c:f>
+              <c:strCache>
+                <c:ptCount val="1"/>
+                <c:pt idx="0">
+                  <c:v>Time</c:v>
+                </c:pt>
+              </c:strCache>
+            </c:strRef>
+          </c:tx>
+          <c:spPr>
+            <a:solidFill>
+              <a:schemeClr val="accent1"/>
+            </a:solidFill>
+            <a:ln>
+              <a:noFill/>
+            </a:ln>
+            <a:effectLst/>
+            <a:sp3d/>
+          </c:spPr>
+          <c:invertIfNegative val="0"/>
+          <c:dLbls>
+            <c:dLbl>
+              <c:idx val="0"/>
+              <c:layout>
+                <c:manualLayout>
+                  <c:x val="7.3868887029693662E-3"/>
+                  <c:y val="-4.2535792800450056E-2"/>
+                </c:manualLayout>
+              </c:layout>
+              <c:showLegendKey val="0"/>
+              <c:showVal val="1"/>
+              <c:showCatName val="0"/>
+              <c:showSerName val="0"/>
+              <c:showPercent val="0"/>
+              <c:showBubbleSize val="0"/>
+              <c:extLst>
+                <c:ext xmlns:c15="http://schemas.microsoft.com/office/drawing/2012/chart" uri="{CE6537A1-D6FC-4f65-9D91-7224C49458BB}"/>
+                <c:ext xmlns:c16="http://schemas.microsoft.com/office/drawing/2014/chart" uri="{C3380CC4-5D6E-409C-BE32-E72D297353CC}">
+                  <c16:uniqueId val="{00000006-194E-46EB-9D4A-639DF7143889}"/>
+                </c:ext>
+              </c:extLst>
+            </c:dLbl>
+            <c:dLbl>
+              <c:idx val="1"/>
+              <c:layout>
+                <c:manualLayout>
+                  <c:x val="5.9095109623754933E-3"/>
+                  <c:y val="-4.2535792800449938E-2"/>
+                </c:manualLayout>
+              </c:layout>
+              <c:showLegendKey val="0"/>
+              <c:showVal val="1"/>
+              <c:showCatName val="0"/>
+              <c:showSerName val="0"/>
+              <c:showPercent val="0"/>
+              <c:showBubbleSize val="0"/>
+              <c:extLst>
+                <c:ext xmlns:c15="http://schemas.microsoft.com/office/drawing/2012/chart" uri="{CE6537A1-D6FC-4f65-9D91-7224C49458BB}"/>
+                <c:ext xmlns:c16="http://schemas.microsoft.com/office/drawing/2014/chart" uri="{C3380CC4-5D6E-409C-BE32-E72D297353CC}">
+                  <c16:uniqueId val="{00000005-194E-46EB-9D4A-639DF7143889}"/>
+                </c:ext>
+              </c:extLst>
+            </c:dLbl>
+            <c:dLbl>
+              <c:idx val="2"/>
+              <c:layout>
+                <c:manualLayout>
+                  <c:x val="4.4321332217816195E-3"/>
+                  <c:y val="-2.9447856554157648E-2"/>
+                </c:manualLayout>
+              </c:layout>
+              <c:showLegendKey val="0"/>
+              <c:showVal val="1"/>
+              <c:showCatName val="0"/>
+              <c:showSerName val="0"/>
+              <c:showPercent val="0"/>
+              <c:showBubbleSize val="0"/>
+              <c:extLst>
+                <c:ext xmlns:c15="http://schemas.microsoft.com/office/drawing/2012/chart" uri="{CE6537A1-D6FC-4f65-9D91-7224C49458BB}"/>
+                <c:ext xmlns:c16="http://schemas.microsoft.com/office/drawing/2014/chart" uri="{C3380CC4-5D6E-409C-BE32-E72D297353CC}">
+                  <c16:uniqueId val="{00000004-194E-46EB-9D4A-639DF7143889}"/>
+                </c:ext>
+              </c:extLst>
+            </c:dLbl>
+            <c:dLbl>
+              <c:idx val="3"/>
+              <c:layout>
+                <c:manualLayout>
+                  <c:x val="1.4773777405938733E-3"/>
+                  <c:y val="-2.9447856554157648E-2"/>
+                </c:manualLayout>
+              </c:layout>
+              <c:showLegendKey val="0"/>
+              <c:showVal val="1"/>
+              <c:showCatName val="0"/>
+              <c:showSerName val="0"/>
+              <c:showPercent val="0"/>
+              <c:showBubbleSize val="0"/>
+              <c:extLst>
+                <c:ext xmlns:c15="http://schemas.microsoft.com/office/drawing/2012/chart" uri="{CE6537A1-D6FC-4f65-9D91-7224C49458BB}"/>
+                <c:ext xmlns:c16="http://schemas.microsoft.com/office/drawing/2014/chart" uri="{C3380CC4-5D6E-409C-BE32-E72D297353CC}">
+                  <c16:uniqueId val="{00000002-194E-46EB-9D4A-639DF7143889}"/>
+                </c:ext>
+              </c:extLst>
+            </c:dLbl>
+            <c:dLbl>
+              <c:idx val="4"/>
+              <c:layout>
+                <c:manualLayout>
+                  <c:x val="-1.0833978275980194E-16"/>
+                  <c:y val="-2.9447856554157662E-2"/>
+                </c:manualLayout>
+              </c:layout>
+              <c:showLegendKey val="0"/>
+              <c:showVal val="1"/>
+              <c:showCatName val="0"/>
+              <c:showSerName val="0"/>
+              <c:showPercent val="0"/>
+              <c:showBubbleSize val="0"/>
+              <c:extLst>
+                <c:ext xmlns:c15="http://schemas.microsoft.com/office/drawing/2012/chart" uri="{CE6537A1-D6FC-4f65-9D91-7224C49458BB}"/>
+                <c:ext xmlns:c16="http://schemas.microsoft.com/office/drawing/2014/chart" uri="{C3380CC4-5D6E-409C-BE32-E72D297353CC}">
+                  <c16:uniqueId val="{00000003-194E-46EB-9D4A-639DF7143889}"/>
+                </c:ext>
+              </c:extLst>
+            </c:dLbl>
+            <c:spPr>
+              <a:noFill/>
+              <a:ln>
+                <a:noFill/>
+              </a:ln>
+              <a:effectLst/>
+            </c:spPr>
+            <c:txPr>
+              <a:bodyPr rot="0" spcFirstLastPara="1" vertOverflow="ellipsis" vert="horz" wrap="square" lIns="38100" tIns="19050" rIns="38100" bIns="19050" anchor="ctr" anchorCtr="1">
+                <a:spAutoFit/>
+              </a:bodyPr>
+              <a:lstStyle/>
+              <a:p>
+                <a:pPr>
+                  <a:defRPr sz="900" b="0" i="0" u="none" strike="noStrike" kern="1200" baseline="0">
+                    <a:solidFill>
+                      <a:schemeClr val="tx1">
+                        <a:lumMod val="75000"/>
+                        <a:lumOff val="25000"/>
+                      </a:schemeClr>
+                    </a:solidFill>
+                    <a:latin typeface="+mn-lt"/>
+                    <a:ea typeface="+mn-ea"/>
+                    <a:cs typeface="+mn-cs"/>
+                  </a:defRPr>
+                </a:pPr>
+                <a:endParaRPr lang="en-US"/>
+              </a:p>
+            </c:txPr>
+            <c:showLegendKey val="0"/>
+            <c:showVal val="1"/>
+            <c:showCatName val="0"/>
+            <c:showSerName val="0"/>
+            <c:showPercent val="0"/>
+            <c:showBubbleSize val="0"/>
+            <c:showLeaderLines val="0"/>
+            <c:extLst>
+              <c:ext xmlns:c15="http://schemas.microsoft.com/office/drawing/2012/chart" uri="{CE6537A1-D6FC-4f65-9D91-7224C49458BB}">
+                <c15:showLeaderLines val="1"/>
+                <c15:leaderLines>
+                  <c:spPr>
+                    <a:ln w="9525" cap="flat" cmpd="sng" algn="ctr">
+                      <a:solidFill>
+                        <a:schemeClr val="tx1">
+                          <a:lumMod val="35000"/>
+                          <a:lumOff val="65000"/>
+                        </a:schemeClr>
+                      </a:solidFill>
+                      <a:round/>
+                    </a:ln>
+                    <a:effectLst/>
+                  </c:spPr>
+                </c15:leaderLines>
+              </c:ext>
+            </c:extLst>
+          </c:dLbls>
+          <c:cat>
+            <c:strRef>
+              <c:f>Sheet1!$A$2:$A$6</c:f>
+              <c:strCache>
+                <c:ptCount val="5"/>
+                <c:pt idx="0">
+                  <c:v>4, 3</c:v>
+                </c:pt>
+                <c:pt idx="1">
+                  <c:v>5, 10</c:v>
+                </c:pt>
+                <c:pt idx="2">
+                  <c:v>20, 20</c:v>
+                </c:pt>
+                <c:pt idx="3">
+                  <c:v>12, 29</c:v>
+                </c:pt>
+                <c:pt idx="4">
+                  <c:v>20, 30</c:v>
+                </c:pt>
+              </c:strCache>
+            </c:strRef>
+          </c:cat>
+          <c:val>
+            <c:numRef>
+              <c:f>Sheet1!$B$2:$B$6</c:f>
+              <c:numCache>
+                <c:formatCode>General</c:formatCode>
+                <c:ptCount val="5"/>
+                <c:pt idx="0">
+                  <c:v>1.9E-3</c:v>
+                </c:pt>
+                <c:pt idx="1">
+                  <c:v>4.8999999999999998E-3</c:v>
+                </c:pt>
+                <c:pt idx="2">
+                  <c:v>425</c:v>
+                </c:pt>
+                <c:pt idx="3">
+                  <c:v>4656</c:v>
+                </c:pt>
+                <c:pt idx="4">
+                  <c:v>5992</c:v>
+                </c:pt>
+              </c:numCache>
+            </c:numRef>
+          </c:val>
+          <c:extLst>
+            <c:ext xmlns:c16="http://schemas.microsoft.com/office/drawing/2014/chart" uri="{C3380CC4-5D6E-409C-BE32-E72D297353CC}">
+              <c16:uniqueId val="{00000000-194E-46EB-9D4A-639DF7143889}"/>
+            </c:ext>
+          </c:extLst>
+        </c:ser>
+        <c:dLbls>
+          <c:showLegendKey val="0"/>
+          <c:showVal val="1"/>
+          <c:showCatName val="0"/>
+          <c:showSerName val="0"/>
+          <c:showPercent val="0"/>
+          <c:showBubbleSize val="0"/>
+        </c:dLbls>
+        <c:gapWidth val="150"/>
+        <c:shape val="box"/>
+        <c:axId val="614664095"/>
+        <c:axId val="614660351"/>
+        <c:axId val="0"/>
+      </c:bar3DChart>
+      <c:catAx>
+        <c:axId val="614664095"/>
+        <c:scaling>
+          <c:orientation val="minMax"/>
+        </c:scaling>
+        <c:delete val="0"/>
+        <c:axPos val="b"/>
+        <c:title>
+          <c:tx>
+            <c:rich>
+              <a:bodyPr rot="0" spcFirstLastPara="1" vertOverflow="ellipsis" vert="horz" wrap="square" anchor="ctr" anchorCtr="1"/>
+              <a:lstStyle/>
+              <a:p>
+                <a:pPr>
+                  <a:defRPr sz="1000" b="0" i="0" u="none" strike="noStrike" kern="1200" baseline="0">
+                    <a:solidFill>
+                      <a:schemeClr val="tx1">
+                        <a:lumMod val="65000"/>
+                        <a:lumOff val="35000"/>
+                      </a:schemeClr>
+                    </a:solidFill>
+                    <a:latin typeface="+mn-lt"/>
+                    <a:ea typeface="+mn-ea"/>
+                    <a:cs typeface="+mn-cs"/>
+                  </a:defRPr>
+                </a:pPr>
+                <a:r>
+                  <a:rPr lang="en-US" dirty="0"/>
+                  <a:t>Vertex Count, Edge Count</a:t>
+                </a:r>
+              </a:p>
+            </c:rich>
+          </c:tx>
+          <c:overlay val="0"/>
+          <c:spPr>
+            <a:noFill/>
+            <a:ln>
+              <a:noFill/>
+            </a:ln>
+            <a:effectLst/>
+          </c:spPr>
+          <c:txPr>
+            <a:bodyPr rot="0" spcFirstLastPara="1" vertOverflow="ellipsis" vert="horz" wrap="square" anchor="ctr" anchorCtr="1"/>
+            <a:lstStyle/>
+            <a:p>
+              <a:pPr>
+                <a:defRPr sz="1000" b="0" i="0" u="none" strike="noStrike" kern="1200" baseline="0">
+                  <a:solidFill>
+                    <a:schemeClr val="tx1">
+                      <a:lumMod val="65000"/>
+                      <a:lumOff val="35000"/>
+                    </a:schemeClr>
+                  </a:solidFill>
+                  <a:latin typeface="+mn-lt"/>
+                  <a:ea typeface="+mn-ea"/>
+                  <a:cs typeface="+mn-cs"/>
+                </a:defRPr>
+              </a:pPr>
+              <a:endParaRPr lang="en-US"/>
+            </a:p>
+          </c:txPr>
+        </c:title>
+        <c:numFmt formatCode="General" sourceLinked="1"/>
+        <c:majorTickMark val="none"/>
+        <c:minorTickMark val="none"/>
+        <c:tickLblPos val="nextTo"/>
+        <c:spPr>
+          <a:noFill/>
+          <a:ln>
+            <a:noFill/>
+          </a:ln>
+          <a:effectLst/>
+        </c:spPr>
+        <c:txPr>
+          <a:bodyPr rot="-60000000" spcFirstLastPara="1" vertOverflow="ellipsis" vert="horz" wrap="square" anchor="ctr" anchorCtr="1"/>
+          <a:lstStyle/>
+          <a:p>
+            <a:pPr>
+              <a:defRPr sz="900" b="0" i="0" u="none" strike="noStrike" kern="1200" baseline="0">
+                <a:solidFill>
+                  <a:schemeClr val="tx1">
+                    <a:lumMod val="65000"/>
+                    <a:lumOff val="35000"/>
+                  </a:schemeClr>
+                </a:solidFill>
+                <a:latin typeface="+mn-lt"/>
+                <a:ea typeface="+mn-ea"/>
+                <a:cs typeface="+mn-cs"/>
+              </a:defRPr>
+            </a:pPr>
+            <a:endParaRPr lang="en-US"/>
+          </a:p>
+        </c:txPr>
+        <c:crossAx val="614660351"/>
+        <c:crosses val="autoZero"/>
+        <c:auto val="1"/>
+        <c:lblAlgn val="ctr"/>
+        <c:lblOffset val="100"/>
+        <c:noMultiLvlLbl val="0"/>
+      </c:catAx>
+      <c:valAx>
+        <c:axId val="614660351"/>
+        <c:scaling>
+          <c:orientation val="minMax"/>
+        </c:scaling>
+        <c:delete val="0"/>
+        <c:axPos val="l"/>
+        <c:majorGridlines>
+          <c:spPr>
+            <a:ln w="9525" cap="flat" cmpd="sng" algn="ctr">
+              <a:solidFill>
+                <a:schemeClr val="tx1">
+                  <a:lumMod val="15000"/>
+                  <a:lumOff val="85000"/>
+                </a:schemeClr>
+              </a:solidFill>
+              <a:round/>
+            </a:ln>
+            <a:effectLst/>
+          </c:spPr>
+        </c:majorGridlines>
+        <c:title>
+          <c:tx>
+            <c:rich>
+              <a:bodyPr rot="-5400000" spcFirstLastPara="1" vertOverflow="ellipsis" vert="horz" wrap="square" anchor="ctr" anchorCtr="1"/>
+              <a:lstStyle/>
+              <a:p>
+                <a:pPr>
+                  <a:defRPr sz="1000" b="0" i="0" u="none" strike="noStrike" kern="1200" baseline="0">
+                    <a:solidFill>
+                      <a:schemeClr val="tx1">
+                        <a:lumMod val="65000"/>
+                        <a:lumOff val="35000"/>
+                      </a:schemeClr>
+                    </a:solidFill>
+                    <a:latin typeface="+mn-lt"/>
+                    <a:ea typeface="+mn-ea"/>
+                    <a:cs typeface="+mn-cs"/>
+                  </a:defRPr>
+                </a:pPr>
+                <a:r>
+                  <a:rPr lang="en-US"/>
+                  <a:t>Runtime</a:t>
+                </a:r>
+                <a:r>
+                  <a:rPr lang="en-US" baseline="0"/>
+                  <a:t> (in seconds)</a:t>
+                </a:r>
+                <a:endParaRPr lang="en-US"/>
+              </a:p>
+            </c:rich>
+          </c:tx>
+          <c:overlay val="0"/>
+          <c:spPr>
+            <a:noFill/>
+            <a:ln>
+              <a:noFill/>
+            </a:ln>
+            <a:effectLst/>
+          </c:spPr>
+          <c:txPr>
+            <a:bodyPr rot="-5400000" spcFirstLastPara="1" vertOverflow="ellipsis" vert="horz" wrap="square" anchor="ctr" anchorCtr="1"/>
+            <a:lstStyle/>
+            <a:p>
+              <a:pPr>
+                <a:defRPr sz="1000" b="0" i="0" u="none" strike="noStrike" kern="1200" baseline="0">
+                  <a:solidFill>
+                    <a:schemeClr val="tx1">
+                      <a:lumMod val="65000"/>
+                      <a:lumOff val="35000"/>
+                    </a:schemeClr>
+                  </a:solidFill>
+                  <a:latin typeface="+mn-lt"/>
+                  <a:ea typeface="+mn-ea"/>
+                  <a:cs typeface="+mn-cs"/>
+                </a:defRPr>
+              </a:pPr>
+              <a:endParaRPr lang="en-US"/>
+            </a:p>
+          </c:txPr>
+        </c:title>
+        <c:numFmt formatCode="General" sourceLinked="1"/>
+        <c:majorTickMark val="none"/>
+        <c:minorTickMark val="none"/>
+        <c:tickLblPos val="nextTo"/>
+        <c:spPr>
+          <a:noFill/>
+          <a:ln>
+            <a:noFill/>
+          </a:ln>
+          <a:effectLst/>
+        </c:spPr>
+        <c:txPr>
+          <a:bodyPr rot="-60000000" spcFirstLastPara="1" vertOverflow="ellipsis" vert="horz" wrap="square" anchor="ctr" anchorCtr="1"/>
+          <a:lstStyle/>
+          <a:p>
+            <a:pPr>
+              <a:defRPr sz="900" b="0" i="0" u="none" strike="noStrike" kern="1200" baseline="0">
+                <a:solidFill>
+                  <a:schemeClr val="tx1">
+                    <a:lumMod val="65000"/>
+                    <a:lumOff val="35000"/>
+                  </a:schemeClr>
+                </a:solidFill>
+                <a:latin typeface="+mn-lt"/>
+                <a:ea typeface="+mn-ea"/>
+                <a:cs typeface="+mn-cs"/>
+              </a:defRPr>
+            </a:pPr>
+            <a:endParaRPr lang="en-US"/>
+          </a:p>
+        </c:txPr>
+        <c:crossAx val="614664095"/>
+        <c:crosses val="autoZero"/>
+        <c:crossBetween val="between"/>
+      </c:valAx>
+      <c:spPr>
+        <a:noFill/>
+        <a:ln>
+          <a:noFill/>
+        </a:ln>
+        <a:effectLst/>
+      </c:spPr>
+    </c:plotArea>
+    <c:plotVisOnly val="1"/>
+    <c:dispBlanksAs val="gap"/>
+    <c:extLst>
+      <c:ext xmlns:c16r3="http://schemas.microsoft.com/office/drawing/2017/03/chart" uri="{56B9EC1D-385E-4148-901F-78D8002777C0}">
+        <c16r3:dataDisplayOptions16>
+          <c16r3:dispNaAsBlank val="1"/>
+        </c16r3:dataDisplayOptions16>
+      </c:ext>
+    </c:extLst>
+    <c:showDLblsOverMax val="0"/>
+  </c:chart>
+  <c:spPr>
+    <a:noFill/>
+    <a:ln>
+      <a:noFill/>
+    </a:ln>
+    <a:effectLst/>
+  </c:spPr>
+  <c:txPr>
+    <a:bodyPr/>
+    <a:lstStyle/>
+    <a:p>
+      <a:pPr>
+        <a:defRPr/>
+      </a:pPr>
+      <a:endParaRPr lang="en-US"/>
+    </a:p>
+  </c:txPr>
+  <c:externalData r:id="rId3">
+    <c:autoUpdate val="0"/>
+  </c:externalData>
+</c:chartSpace>
+</file>
+
+<file path=ppt/charts/colors1.xml><?xml version="1.0" encoding="utf-8"?>
+<cs:colorStyle xmlns:cs="http://schemas.microsoft.com/office/drawing/2012/chartStyle" xmlns:a="http://schemas.openxmlformats.org/drawingml/2006/main" meth="cycle" id="10">
+  <a:schemeClr val="accent1"/>
+  <a:schemeClr val="accent2"/>
+  <a:schemeClr val="accent3"/>
+  <a:schemeClr val="accent4"/>
+  <a:schemeClr val="accent5"/>
+  <a:schemeClr val="accent6"/>
+  <cs:variation/>
+  <cs:variation>
+    <a:lumMod val="60000"/>
+  </cs:variation>
+  <cs:variation>
+    <a:lumMod val="80000"/>
+    <a:lumOff val="20000"/>
+  </cs:variation>
+  <cs:variation>
+    <a:lumMod val="80000"/>
+  </cs:variation>
+  <cs:variation>
+    <a:lumMod val="60000"/>
+    <a:lumOff val="40000"/>
+  </cs:variation>
+  <cs:variation>
+    <a:lumMod val="50000"/>
+  </cs:variation>
+  <cs:variation>
+    <a:lumMod val="70000"/>
+    <a:lumOff val="30000"/>
+  </cs:variation>
+  <cs:variation>
+    <a:lumMod val="70000"/>
+  </cs:variation>
+  <cs:variation>
+    <a:lumMod val="50000"/>
+    <a:lumOff val="50000"/>
+  </cs:variation>
+</cs:colorStyle>
+</file>
+
+<file path=ppt/charts/style1.xml><?xml version="1.0" encoding="utf-8"?>
+<cs:chartStyle xmlns:cs="http://schemas.microsoft.com/office/drawing/2012/chartStyle" xmlns:a="http://schemas.openxmlformats.org/drawingml/2006/main" id="286">
+  <cs:axisTitle>
+    <cs:lnRef idx="0"/>
+    <cs:fillRef idx="0"/>
+    <cs:effectRef idx="0"/>
+    <cs:fontRef idx="minor">
+      <a:schemeClr val="tx1">
+        <a:lumMod val="65000"/>
+        <a:lumOff val="35000"/>
+      </a:schemeClr>
+    </cs:fontRef>
+    <cs:defRPr sz="1000" kern="1200"/>
+  </cs:axisTitle>
+  <cs:categoryAxis>
+    <cs:lnRef idx="0"/>
+    <cs:fillRef idx="0"/>
+    <cs:effectRef idx="0"/>
+    <cs:fontRef idx="minor">
+      <a:schemeClr val="tx1">
+        <a:lumMod val="65000"/>
+        <a:lumOff val="35000"/>
+      </a:schemeClr>
+    </cs:fontRef>
+    <cs:defRPr sz="900" kern="1200"/>
+  </cs:categoryAxis>
+  <cs:chartArea mods="allowNoFillOverride allowNoLineOverride">
+    <cs:lnRef idx="0"/>
+    <cs:fillRef idx="0"/>
+    <cs:effectRef idx="0"/>
+    <cs:fontRef idx="minor">
+      <a:schemeClr val="tx1"/>
+    </cs:fontRef>
+    <cs:spPr>
+      <a:solidFill>
+        <a:schemeClr val="bg1"/>
+      </a:solidFill>
+      <a:ln w="9525" cap="flat" cmpd="sng" algn="ctr">
+        <a:solidFill>
+          <a:schemeClr val="tx1">
+            <a:lumMod val="15000"/>
+            <a:lumOff val="85000"/>
+          </a:schemeClr>
+        </a:solidFill>
+        <a:round/>
+      </a:ln>
+    </cs:spPr>
+    <cs:defRPr sz="1000" kern="1200"/>
+  </cs:chartArea>
+  <cs:dataLabel>
+    <cs:lnRef idx="0"/>
+    <cs:fillRef idx="0"/>
+    <cs:effectRef idx="0"/>
+    <cs:fontRef idx="minor">
+      <a:schemeClr val="tx1">
+        <a:lumMod val="75000"/>
+        <a:lumOff val="25000"/>
+      </a:schemeClr>
+    </cs:fontRef>
+    <cs:defRPr sz="900" kern="1200"/>
+  </cs:dataLabel>
+  <cs:dataLabelCallout>
+    <cs:lnRef idx="0"/>
+    <cs:fillRef idx="0"/>
+    <cs:effectRef idx="0"/>
+    <cs:fontRef idx="minor">
+      <a:schemeClr val="dk1">
+        <a:lumMod val="65000"/>
+        <a:lumOff val="35000"/>
+      </a:schemeClr>
+    </cs:fontRef>
+    <cs:spPr>
+      <a:solidFill>
+        <a:schemeClr val="lt1"/>
+      </a:solidFill>
+      <a:ln>
+        <a:solidFill>
+          <a:schemeClr val="dk1">
+            <a:lumMod val="25000"/>
+            <a:lumOff val="75000"/>
+          </a:schemeClr>
+        </a:solidFill>
+      </a:ln>
+    </cs:spPr>
+    <cs:defRPr sz="900" kern="1200"/>
+    <cs:bodyPr rot="0" spcFirstLastPara="1" vertOverflow="clip" horzOverflow="clip" vert="horz" wrap="square" lIns="36576" tIns="18288" rIns="36576" bIns="18288" anchor="ctr" anchorCtr="1">
+      <a:spAutoFit/>
+    </cs:bodyPr>
+  </cs:dataLabelCallout>
+  <cs:dataPoint>
+    <cs:lnRef idx="0"/>
+    <cs:fillRef idx="1">
+      <cs:styleClr val="auto"/>
+    </cs:fillRef>
+    <cs:effectRef idx="0"/>
+    <cs:fontRef idx="minor">
+      <a:schemeClr val="tx1"/>
+    </cs:fontRef>
+  </cs:dataPoint>
+  <cs:dataPoint3D>
+    <cs:lnRef idx="0"/>
+    <cs:fillRef idx="1">
+      <cs:styleClr val="auto"/>
+    </cs:fillRef>
+    <cs:effectRef idx="0"/>
+    <cs:fontRef idx="minor">
+      <a:schemeClr val="tx1"/>
+    </cs:fontRef>
+  </cs:dataPoint3D>
+  <cs:dataPointLine>
+    <cs:lnRef idx="0">
+      <cs:styleClr val="auto"/>
+    </cs:lnRef>
+    <cs:fillRef idx="1"/>
+    <cs:effectRef idx="0"/>
+    <cs:fontRef idx="minor">
+      <a:schemeClr val="tx1"/>
+    </cs:fontRef>
+    <cs:spPr>
+      <a:ln w="28575" cap="rnd">
+        <a:solidFill>
+          <a:schemeClr val="phClr"/>
+        </a:solidFill>
+        <a:round/>
+      </a:ln>
+    </cs:spPr>
+  </cs:dataPointLine>
+  <cs:dataPointMarker>
+    <cs:lnRef idx="0">
+      <cs:styleClr val="auto"/>
+    </cs:lnRef>
+    <cs:fillRef idx="1">
+      <cs:styleClr val="auto"/>
+    </cs:fillRef>
+    <cs:effectRef idx="0"/>
+    <cs:fontRef idx="minor">
+      <a:schemeClr val="tx1"/>
+    </cs:fontRef>
+    <cs:spPr>
+      <a:ln w="9525">
+        <a:solidFill>
+          <a:schemeClr val="phClr"/>
+        </a:solidFill>
+      </a:ln>
+    </cs:spPr>
+  </cs:dataPointMarker>
+  <cs:dataPointMarkerLayout symbol="circle" size="5"/>
+  <cs:dataPointWireframe>
+    <cs:lnRef idx="0">
+      <cs:styleClr val="auto"/>
+    </cs:lnRef>
+    <cs:fillRef idx="1"/>
+    <cs:effectRef idx="0"/>
+    <cs:fontRef idx="minor">
+      <a:schemeClr val="tx1"/>
+    </cs:fontRef>
+    <cs:spPr>
+      <a:ln w="9525" cap="rnd">
+        <a:solidFill>
+          <a:schemeClr val="phClr"/>
+        </a:solidFill>
+        <a:round/>
+      </a:ln>
+    </cs:spPr>
+  </cs:dataPointWireframe>
+  <cs:dataTable>
+    <cs:lnRef idx="0"/>
+    <cs:fillRef idx="0"/>
+    <cs:effectRef idx="0"/>
+    <cs:fontRef idx="minor">
+      <a:schemeClr val="tx1">
+        <a:lumMod val="65000"/>
+        <a:lumOff val="35000"/>
+      </a:schemeClr>
+    </cs:fontRef>
+    <cs:spPr>
+      <a:noFill/>
+      <a:ln w="9525" cap="flat" cmpd="sng" algn="ctr">
+        <a:solidFill>
+          <a:schemeClr val="tx1">
+            <a:lumMod val="15000"/>
+            <a:lumOff val="85000"/>
+          </a:schemeClr>
+        </a:solidFill>
+        <a:round/>
+      </a:ln>
+    </cs:spPr>
+    <cs:defRPr sz="900" kern="1200"/>
+  </cs:dataTable>
+  <cs:downBar>
+    <cs:lnRef idx="0"/>
+    <cs:fillRef idx="0"/>
+    <cs:effectRef idx="0"/>
+    <cs:fontRef idx="minor">
+      <a:schemeClr val="tx1"/>
+    </cs:fontRef>
+    <cs:spPr>
+      <a:solidFill>
+        <a:schemeClr val="dk1">
+          <a:lumMod val="75000"/>
+          <a:lumOff val="25000"/>
+        </a:schemeClr>
+      </a:solidFill>
+      <a:ln w="9525" cap="flat" cmpd="sng" algn="ctr">
+        <a:solidFill>
+          <a:schemeClr val="tx1">
+            <a:lumMod val="65000"/>
+            <a:lumOff val="35000"/>
+          </a:schemeClr>
+        </a:solidFill>
+        <a:round/>
+      </a:ln>
+    </cs:spPr>
+  </cs:downBar>
+  <cs:dropLine>
+    <cs:lnRef idx="0"/>
+    <cs:fillRef idx="0"/>
+    <cs:effectRef idx="0"/>
+    <cs:fontRef idx="minor">
+      <a:schemeClr val="tx1"/>
+    </cs:fontRef>
+    <cs:spPr>
+      <a:ln w="9525" cap="flat" cmpd="sng" algn="ctr">
+        <a:solidFill>
+          <a:schemeClr val="tx1">
+            <a:lumMod val="35000"/>
+            <a:lumOff val="65000"/>
+          </a:schemeClr>
+        </a:solidFill>
+        <a:round/>
+      </a:ln>
+    </cs:spPr>
+  </cs:dropLine>
+  <cs:errorBar>
+    <cs:lnRef idx="0"/>
+    <cs:fillRef idx="0"/>
+    <cs:effectRef idx="0"/>
+    <cs:fontRef idx="minor">
+      <a:schemeClr val="tx1"/>
+    </cs:fontRef>
+    <cs:spPr>
+      <a:ln w="9525" cap="flat" cmpd="sng" algn="ctr">
+        <a:solidFill>
+          <a:schemeClr val="tx1">
+            <a:lumMod val="65000"/>
+            <a:lumOff val="35000"/>
+          </a:schemeClr>
+        </a:solidFill>
+        <a:round/>
+      </a:ln>
+    </cs:spPr>
+  </cs:errorBar>
+  <cs:floor>
+    <cs:lnRef idx="0"/>
+    <cs:fillRef idx="0"/>
+    <cs:effectRef idx="0"/>
+    <cs:fontRef idx="minor">
+      <a:schemeClr val="tx1"/>
+    </cs:fontRef>
+    <cs:spPr>
+      <a:noFill/>
+      <a:ln>
+        <a:noFill/>
+      </a:ln>
+    </cs:spPr>
+  </cs:floor>
+  <cs:gridlineMajor>
+    <cs:lnRef idx="0"/>
+    <cs:fillRef idx="0"/>
+    <cs:effectRef idx="0"/>
+    <cs:fontRef idx="minor">
+      <a:schemeClr val="tx1"/>
+    </cs:fontRef>
+    <cs:spPr>
+      <a:ln w="9525" cap="flat" cmpd="sng" algn="ctr">
+        <a:solidFill>
+          <a:schemeClr val="tx1">
+            <a:lumMod val="15000"/>
+            <a:lumOff val="85000"/>
+          </a:schemeClr>
+        </a:solidFill>
+        <a:round/>
+      </a:ln>
+    </cs:spPr>
+  </cs:gridlineMajor>
+  <cs:gridlineMinor>
+    <cs:lnRef idx="0"/>
+    <cs:fillRef idx="0"/>
+    <cs:effectRef idx="0"/>
+    <cs:fontRef idx="minor">
+      <a:schemeClr val="tx1"/>
+    </cs:fontRef>
+    <cs:spPr>
+      <a:ln w="9525" cap="flat" cmpd="sng" algn="ctr">
+        <a:solidFill>
+          <a:schemeClr val="tx1">
+            <a:lumMod val="5000"/>
+            <a:lumOff val="95000"/>
+          </a:schemeClr>
+        </a:solidFill>
+        <a:round/>
+      </a:ln>
+    </cs:spPr>
+  </cs:gridlineMinor>
+  <cs:hiLoLine>
+    <cs:lnRef idx="0"/>
+    <cs:fillRef idx="0"/>
+    <cs:effectRef idx="0"/>
+    <cs:fontRef idx="minor">
+      <a:schemeClr val="tx1"/>
+    </cs:fontRef>
+    <cs:spPr>
+      <a:ln w="9525" cap="flat" cmpd="sng" algn="ctr">
+        <a:solidFill>
+          <a:schemeClr val="tx1">
+            <a:lumMod val="50000"/>
+            <a:lumOff val="50000"/>
+          </a:schemeClr>
+        </a:solidFill>
+        <a:round/>
+      </a:ln>
+    </cs:spPr>
+  </cs:hiLoLine>
+  <cs:leaderLine>
+    <cs:lnRef idx="0"/>
+    <cs:fillRef idx="0"/>
+    <cs:effectRef idx="0"/>
+    <cs:fontRef idx="minor">
+      <a:schemeClr val="tx1"/>
+    </cs:fontRef>
+    <cs:spPr>
+      <a:ln w="9525" cap="flat" cmpd="sng" algn="ctr">
+        <a:solidFill>
+          <a:schemeClr val="tx1">
+            <a:lumMod val="35000"/>
+            <a:lumOff val="65000"/>
+          </a:schemeClr>
+        </a:solidFill>
+        <a:round/>
+      </a:ln>
+    </cs:spPr>
+  </cs:leaderLine>
+  <cs:legend>
+    <cs:lnRef idx="0"/>
+    <cs:fillRef idx="0"/>
+    <cs:effectRef idx="0"/>
+    <cs:fontRef idx="minor">
+      <a:schemeClr val="tx1">
+        <a:lumMod val="65000"/>
+        <a:lumOff val="35000"/>
+      </a:schemeClr>
+    </cs:fontRef>
+    <cs:defRPr sz="900" kern="1200"/>
+  </cs:legend>
+  <cs:plotArea mods="allowNoFillOverride allowNoLineOverride">
+    <cs:lnRef idx="0"/>
+    <cs:fillRef idx="0"/>
+    <cs:effectRef idx="0"/>
+    <cs:fontRef idx="minor">
+      <a:schemeClr val="tx1"/>
+    </cs:fontRef>
+  </cs:plotArea>
+  <cs:plotArea3D mods="allowNoFillOverride allowNoLineOverride">
+    <cs:lnRef idx="0"/>
+    <cs:fillRef idx="0"/>
+    <cs:effectRef idx="0"/>
+    <cs:fontRef idx="minor">
+      <a:schemeClr val="tx1"/>
+    </cs:fontRef>
+  </cs:plotArea3D>
+  <cs:seriesAxis>
+    <cs:lnRef idx="0"/>
+    <cs:fillRef idx="0"/>
+    <cs:effectRef idx="0"/>
+    <cs:fontRef idx="minor">
+      <a:schemeClr val="tx1">
+        <a:lumMod val="65000"/>
+        <a:lumOff val="35000"/>
+      </a:schemeClr>
+    </cs:fontRef>
+    <cs:defRPr sz="900" kern="1200"/>
+  </cs:seriesAxis>
+  <cs:seriesLine>
+    <cs:lnRef idx="0"/>
+    <cs:fillRef idx="0"/>
+    <cs:effectRef idx="0"/>
+    <cs:fontRef idx="minor">
+      <a:schemeClr val="tx1"/>
+    </cs:fontRef>
+    <cs:spPr>
+      <a:ln w="9525" cap="flat" cmpd="sng" algn="ctr">
+        <a:solidFill>
+          <a:schemeClr val="tx1">
+            <a:lumMod val="35000"/>
+            <a:lumOff val="65000"/>
+          </a:schemeClr>
+        </a:solidFill>
+        <a:round/>
+      </a:ln>
+    </cs:spPr>
+  </cs:seriesLine>
+  <cs:title>
+    <cs:lnRef idx="0"/>
+    <cs:fillRef idx="0"/>
+    <cs:effectRef idx="0"/>
+    <cs:fontRef idx="minor">
+      <a:schemeClr val="tx1">
+        <a:lumMod val="65000"/>
+        <a:lumOff val="35000"/>
+      </a:schemeClr>
+    </cs:fontRef>
+    <cs:defRPr sz="1400" b="0" kern="1200" spc="0" baseline="0"/>
+  </cs:title>
+  <cs:trendline>
+    <cs:lnRef idx="0">
+      <cs:styleClr val="auto"/>
+    </cs:lnRef>
+    <cs:fillRef idx="0"/>
+    <cs:effectRef idx="0"/>
+    <cs:fontRef idx="minor">
+      <a:schemeClr val="tx1"/>
+    </cs:fontRef>
+    <cs:spPr>
+      <a:ln w="19050" cap="rnd">
+        <a:solidFill>
+          <a:schemeClr val="phClr"/>
+        </a:solidFill>
+        <a:prstDash val="sysDot"/>
+      </a:ln>
+    </cs:spPr>
+  </cs:trendline>
+  <cs:trendlineLabel>
+    <cs:lnRef idx="0"/>
+    <cs:fillRef idx="0"/>
+    <cs:effectRef idx="0"/>
+    <cs:fontRef idx="minor">
+      <a:schemeClr val="tx1">
+        <a:lumMod val="65000"/>
+        <a:lumOff val="35000"/>
+      </a:schemeClr>
+    </cs:fontRef>
+    <cs:defRPr sz="900" kern="1200"/>
+  </cs:trendlineLabel>
+  <cs:upBar>
+    <cs:lnRef idx="0"/>
+    <cs:fillRef idx="0"/>
+    <cs:effectRef idx="0"/>
+    <cs:fontRef idx="minor">
+      <a:schemeClr val="tx1"/>
+    </cs:fontRef>
+    <cs:spPr>
+      <a:solidFill>
+        <a:schemeClr val="lt1"/>
+      </a:solidFill>
+      <a:ln w="9525" cap="flat" cmpd="sng" algn="ctr">
+        <a:solidFill>
+          <a:schemeClr val="tx1">
+            <a:lumMod val="65000"/>
+            <a:lumOff val="35000"/>
+          </a:schemeClr>
+        </a:solidFill>
+        <a:round/>
+      </a:ln>
+    </cs:spPr>
+  </cs:upBar>
+  <cs:valueAxis>
+    <cs:lnRef idx="0"/>
+    <cs:fillRef idx="0"/>
+    <cs:effectRef idx="0"/>
+    <cs:fontRef idx="minor">
+      <a:schemeClr val="tx1">
+        <a:lumMod val="65000"/>
+        <a:lumOff val="35000"/>
+      </a:schemeClr>
+    </cs:fontRef>
+    <cs:defRPr sz="900" kern="1200"/>
+  </cs:valueAxis>
+  <cs:wall>
+    <cs:lnRef idx="0"/>
+    <cs:fillRef idx="0"/>
+    <cs:effectRef idx="0"/>
+    <cs:fontRef idx="minor">
+      <a:schemeClr val="tx1"/>
+    </cs:fontRef>
+    <cs:spPr>
+      <a:noFill/>
+      <a:ln>
+        <a:noFill/>
+      </a:ln>
+    </cs:spPr>
+  </cs:wall>
+</cs:chartStyle>
+</file>
+
 <file path=ppt/slideLayouts/slideLayout1.xml><?xml version="1.0" encoding="utf-8"?>
-<p:sldLayout xmlns:a="http://schemas.openxmlformats.org/drawingml/2006/main" xmlns:r="http://schemas.openxmlformats.org/officeDocument/2006/relationships" xmlns:p="http://schemas.openxmlformats.org/presentationml/2006/main" type="title" preserve="1">
+<p:sldLayout xmlns:a="http://schemas.openxmlformats.org/drawingml/2006/main" xmlns:r="http://schemas.openxmlformats.org/officeDocument/2006/relationships" xmlns:p="http://schemas.openxmlformats.org/presentationml/2006/main" showMasterSp="0" type="title" preserve="1">
   <p:cSld name="Title Slide">
     <p:spTree>
       <p:nvGrpSpPr>
@@ -124,15 +1297,539 @@
           <a:chExt cx="0" cy="0"/>
         </a:xfrm>
       </p:grpSpPr>
-      <p:sp>
-        <p:nvSpPr>
-          <p:cNvPr id="2" name="Title 1">
-            <a:extLst>
-              <a:ext uri="{FF2B5EF4-FFF2-40B4-BE49-F238E27FC236}">
-                <a16:creationId xmlns:a16="http://schemas.microsoft.com/office/drawing/2014/main" id="{9CEB832B-EF2C-45C8-B00B-0E76DCA65989}"/>
-              </a:ext>
-            </a:extLst>
-          </p:cNvPr>
+      <p:grpSp>
+        <p:nvGrpSpPr>
+          <p:cNvPr id="7" name="Group 6"/>
+          <p:cNvGrpSpPr/>
+          <p:nvPr/>
+        </p:nvGrpSpPr>
+        <p:grpSpPr>
+          <a:xfrm>
+            <a:off x="0" y="-8467"/>
+            <a:ext cx="12192000" cy="6866467"/>
+            <a:chOff x="0" y="-8467"/>
+            <a:chExt cx="12192000" cy="6866467"/>
+          </a:xfrm>
+        </p:grpSpPr>
+        <p:cxnSp>
+          <p:nvCxnSpPr>
+            <p:cNvPr id="32" name="Straight Connector 31"/>
+            <p:cNvCxnSpPr/>
+            <p:nvPr/>
+          </p:nvCxnSpPr>
+          <p:spPr>
+            <a:xfrm>
+              <a:off x="9371012" y="0"/>
+              <a:ext cx="1219200" cy="6858000"/>
+            </a:xfrm>
+            <a:prstGeom prst="line">
+              <a:avLst/>
+            </a:prstGeom>
+            <a:ln w="9525">
+              <a:solidFill>
+                <a:schemeClr val="bg1">
+                  <a:lumMod val="75000"/>
+                </a:schemeClr>
+              </a:solidFill>
+            </a:ln>
+          </p:spPr>
+          <p:style>
+            <a:lnRef idx="2">
+              <a:schemeClr val="accent1"/>
+            </a:lnRef>
+            <a:fillRef idx="0">
+              <a:schemeClr val="accent1"/>
+            </a:fillRef>
+            <a:effectRef idx="1">
+              <a:schemeClr val="accent1"/>
+            </a:effectRef>
+            <a:fontRef idx="minor">
+              <a:schemeClr val="tx1"/>
+            </a:fontRef>
+          </p:style>
+        </p:cxnSp>
+        <p:cxnSp>
+          <p:nvCxnSpPr>
+            <p:cNvPr id="21" name="Straight Connector 20"/>
+            <p:cNvCxnSpPr/>
+            <p:nvPr/>
+          </p:nvCxnSpPr>
+          <p:spPr>
+            <a:xfrm flipH="1">
+              <a:off x="7425267" y="3681413"/>
+              <a:ext cx="4763558" cy="3176587"/>
+            </a:xfrm>
+            <a:prstGeom prst="line">
+              <a:avLst/>
+            </a:prstGeom>
+            <a:ln w="9525">
+              <a:solidFill>
+                <a:schemeClr val="bg1">
+                  <a:lumMod val="85000"/>
+                </a:schemeClr>
+              </a:solidFill>
+            </a:ln>
+          </p:spPr>
+          <p:style>
+            <a:lnRef idx="2">
+              <a:schemeClr val="accent1"/>
+            </a:lnRef>
+            <a:fillRef idx="0">
+              <a:schemeClr val="accent1"/>
+            </a:fillRef>
+            <a:effectRef idx="1">
+              <a:schemeClr val="accent1"/>
+            </a:effectRef>
+            <a:fontRef idx="minor">
+              <a:schemeClr val="tx1"/>
+            </a:fontRef>
+          </p:style>
+        </p:cxnSp>
+        <p:sp>
+          <p:nvSpPr>
+            <p:cNvPr id="24" name="Rectangle 23"/>
+            <p:cNvSpPr/>
+            <p:nvPr/>
+          </p:nvSpPr>
+          <p:spPr>
+            <a:xfrm>
+              <a:off x="9181476" y="-8467"/>
+              <a:ext cx="3007349" cy="6866467"/>
+            </a:xfrm>
+            <a:custGeom>
+              <a:avLst/>
+              <a:gdLst/>
+              <a:ahLst/>
+              <a:cxnLst/>
+              <a:rect l="l" t="t" r="r" b="b"/>
+              <a:pathLst>
+                <a:path w="3007349" h="6866467">
+                  <a:moveTo>
+                    <a:pt x="2045532" y="0"/>
+                  </a:moveTo>
+                  <a:lnTo>
+                    <a:pt x="3007349" y="0"/>
+                  </a:lnTo>
+                  <a:lnTo>
+                    <a:pt x="3007349" y="6866467"/>
+                  </a:lnTo>
+                  <a:lnTo>
+                    <a:pt x="0" y="6866467"/>
+                  </a:lnTo>
+                  <a:lnTo>
+                    <a:pt x="2045532" y="0"/>
+                  </a:lnTo>
+                  <a:close/>
+                </a:path>
+              </a:pathLst>
+            </a:custGeom>
+            <a:solidFill>
+              <a:schemeClr val="accent1">
+                <a:alpha val="30000"/>
+              </a:schemeClr>
+            </a:solidFill>
+            <a:ln>
+              <a:noFill/>
+            </a:ln>
+            <a:effectLst/>
+          </p:spPr>
+          <p:style>
+            <a:lnRef idx="1">
+              <a:schemeClr val="accent1"/>
+            </a:lnRef>
+            <a:fillRef idx="3">
+              <a:schemeClr val="accent1"/>
+            </a:fillRef>
+            <a:effectRef idx="2">
+              <a:schemeClr val="accent1"/>
+            </a:effectRef>
+            <a:fontRef idx="minor">
+              <a:schemeClr val="lt1"/>
+            </a:fontRef>
+          </p:style>
+        </p:sp>
+        <p:sp>
+          <p:nvSpPr>
+            <p:cNvPr id="26" name="Rectangle 25"/>
+            <p:cNvSpPr/>
+            <p:nvPr/>
+          </p:nvSpPr>
+          <p:spPr>
+            <a:xfrm>
+              <a:off x="9603442" y="-8467"/>
+              <a:ext cx="2588558" cy="6866467"/>
+            </a:xfrm>
+            <a:custGeom>
+              <a:avLst/>
+              <a:gdLst/>
+              <a:ahLst/>
+              <a:cxnLst/>
+              <a:rect l="l" t="t" r="r" b="b"/>
+              <a:pathLst>
+                <a:path w="2573311" h="6866467">
+                  <a:moveTo>
+                    <a:pt x="0" y="0"/>
+                  </a:moveTo>
+                  <a:lnTo>
+                    <a:pt x="2573311" y="0"/>
+                  </a:lnTo>
+                  <a:lnTo>
+                    <a:pt x="2573311" y="6866467"/>
+                  </a:lnTo>
+                  <a:lnTo>
+                    <a:pt x="1202336" y="6866467"/>
+                  </a:lnTo>
+                  <a:lnTo>
+                    <a:pt x="0" y="0"/>
+                  </a:lnTo>
+                  <a:close/>
+                </a:path>
+              </a:pathLst>
+            </a:custGeom>
+            <a:solidFill>
+              <a:schemeClr val="accent1">
+                <a:alpha val="20000"/>
+              </a:schemeClr>
+            </a:solidFill>
+            <a:ln>
+              <a:noFill/>
+            </a:ln>
+            <a:effectLst/>
+          </p:spPr>
+          <p:style>
+            <a:lnRef idx="1">
+              <a:schemeClr val="accent1"/>
+            </a:lnRef>
+            <a:fillRef idx="3">
+              <a:schemeClr val="accent1"/>
+            </a:fillRef>
+            <a:effectRef idx="2">
+              <a:schemeClr val="accent1"/>
+            </a:effectRef>
+            <a:fontRef idx="minor">
+              <a:schemeClr val="lt1"/>
+            </a:fontRef>
+          </p:style>
+        </p:sp>
+        <p:sp>
+          <p:nvSpPr>
+            <p:cNvPr id="27" name="Isosceles Triangle 26"/>
+            <p:cNvSpPr/>
+            <p:nvPr/>
+          </p:nvSpPr>
+          <p:spPr>
+            <a:xfrm>
+              <a:off x="8932333" y="3048000"/>
+              <a:ext cx="3259667" cy="3810000"/>
+            </a:xfrm>
+            <a:prstGeom prst="triangle">
+              <a:avLst>
+                <a:gd name="adj" fmla="val 100000"/>
+              </a:avLst>
+            </a:prstGeom>
+            <a:solidFill>
+              <a:schemeClr val="accent2">
+                <a:alpha val="72000"/>
+              </a:schemeClr>
+            </a:solidFill>
+            <a:ln>
+              <a:noFill/>
+            </a:ln>
+            <a:effectLst/>
+          </p:spPr>
+          <p:style>
+            <a:lnRef idx="1">
+              <a:schemeClr val="accent1"/>
+            </a:lnRef>
+            <a:fillRef idx="3">
+              <a:schemeClr val="accent1"/>
+            </a:fillRef>
+            <a:effectRef idx="2">
+              <a:schemeClr val="accent1"/>
+            </a:effectRef>
+            <a:fontRef idx="minor">
+              <a:schemeClr val="lt1"/>
+            </a:fontRef>
+          </p:style>
+        </p:sp>
+        <p:sp>
+          <p:nvSpPr>
+            <p:cNvPr id="28" name="Rectangle 27"/>
+            <p:cNvSpPr/>
+            <p:nvPr/>
+          </p:nvSpPr>
+          <p:spPr>
+            <a:xfrm>
+              <a:off x="9334500" y="-8467"/>
+              <a:ext cx="2854326" cy="6866467"/>
+            </a:xfrm>
+            <a:custGeom>
+              <a:avLst/>
+              <a:gdLst/>
+              <a:ahLst/>
+              <a:cxnLst/>
+              <a:rect l="l" t="t" r="r" b="b"/>
+              <a:pathLst>
+                <a:path w="2858013" h="6866467">
+                  <a:moveTo>
+                    <a:pt x="0" y="0"/>
+                  </a:moveTo>
+                  <a:lnTo>
+                    <a:pt x="2858013" y="0"/>
+                  </a:lnTo>
+                  <a:lnTo>
+                    <a:pt x="2858013" y="6866467"/>
+                  </a:lnTo>
+                  <a:lnTo>
+                    <a:pt x="2473942" y="6866467"/>
+                  </a:lnTo>
+                  <a:lnTo>
+                    <a:pt x="0" y="0"/>
+                  </a:lnTo>
+                  <a:close/>
+                </a:path>
+              </a:pathLst>
+            </a:custGeom>
+            <a:solidFill>
+              <a:schemeClr val="accent2">
+                <a:lumMod val="75000"/>
+                <a:alpha val="70000"/>
+              </a:schemeClr>
+            </a:solidFill>
+            <a:ln>
+              <a:noFill/>
+            </a:ln>
+            <a:effectLst/>
+          </p:spPr>
+          <p:style>
+            <a:lnRef idx="1">
+              <a:schemeClr val="accent1"/>
+            </a:lnRef>
+            <a:fillRef idx="3">
+              <a:schemeClr val="accent1"/>
+            </a:fillRef>
+            <a:effectRef idx="2">
+              <a:schemeClr val="accent1"/>
+            </a:effectRef>
+            <a:fontRef idx="minor">
+              <a:schemeClr val="lt1"/>
+            </a:fontRef>
+          </p:style>
+        </p:sp>
+        <p:sp>
+          <p:nvSpPr>
+            <p:cNvPr id="29" name="Rectangle 28"/>
+            <p:cNvSpPr/>
+            <p:nvPr/>
+          </p:nvSpPr>
+          <p:spPr>
+            <a:xfrm>
+              <a:off x="10898730" y="-8467"/>
+              <a:ext cx="1290094" cy="6866467"/>
+            </a:xfrm>
+            <a:custGeom>
+              <a:avLst/>
+              <a:gdLst/>
+              <a:ahLst/>
+              <a:cxnLst/>
+              <a:rect l="l" t="t" r="r" b="b"/>
+              <a:pathLst>
+                <a:path w="1290094" h="6858000">
+                  <a:moveTo>
+                    <a:pt x="1019735" y="0"/>
+                  </a:moveTo>
+                  <a:lnTo>
+                    <a:pt x="1290094" y="0"/>
+                  </a:lnTo>
+                  <a:lnTo>
+                    <a:pt x="1290094" y="6858000"/>
+                  </a:lnTo>
+                  <a:lnTo>
+                    <a:pt x="0" y="6858000"/>
+                  </a:lnTo>
+                  <a:lnTo>
+                    <a:pt x="1019735" y="0"/>
+                  </a:lnTo>
+                  <a:close/>
+                </a:path>
+              </a:pathLst>
+            </a:custGeom>
+            <a:solidFill>
+              <a:schemeClr val="accent1">
+                <a:lumMod val="60000"/>
+                <a:lumOff val="40000"/>
+                <a:alpha val="70000"/>
+              </a:schemeClr>
+            </a:solidFill>
+            <a:ln>
+              <a:noFill/>
+            </a:ln>
+            <a:effectLst/>
+          </p:spPr>
+          <p:style>
+            <a:lnRef idx="1">
+              <a:schemeClr val="accent1"/>
+            </a:lnRef>
+            <a:fillRef idx="3">
+              <a:schemeClr val="accent1"/>
+            </a:fillRef>
+            <a:effectRef idx="2">
+              <a:schemeClr val="accent1"/>
+            </a:effectRef>
+            <a:fontRef idx="minor">
+              <a:schemeClr val="lt1"/>
+            </a:fontRef>
+          </p:style>
+        </p:sp>
+        <p:sp>
+          <p:nvSpPr>
+            <p:cNvPr id="30" name="Rectangle 29"/>
+            <p:cNvSpPr/>
+            <p:nvPr/>
+          </p:nvSpPr>
+          <p:spPr>
+            <a:xfrm>
+              <a:off x="10938999" y="-8467"/>
+              <a:ext cx="1249825" cy="6866467"/>
+            </a:xfrm>
+            <a:custGeom>
+              <a:avLst/>
+              <a:gdLst/>
+              <a:ahLst/>
+              <a:cxnLst/>
+              <a:rect l="l" t="t" r="r" b="b"/>
+              <a:pathLst>
+                <a:path w="1249825" h="6858000">
+                  <a:moveTo>
+                    <a:pt x="0" y="0"/>
+                  </a:moveTo>
+                  <a:lnTo>
+                    <a:pt x="1249825" y="0"/>
+                  </a:lnTo>
+                  <a:lnTo>
+                    <a:pt x="1249825" y="6858000"/>
+                  </a:lnTo>
+                  <a:lnTo>
+                    <a:pt x="1109382" y="6858000"/>
+                  </a:lnTo>
+                  <a:lnTo>
+                    <a:pt x="0" y="0"/>
+                  </a:lnTo>
+                  <a:close/>
+                </a:path>
+              </a:pathLst>
+            </a:custGeom>
+            <a:solidFill>
+              <a:schemeClr val="accent1">
+                <a:alpha val="65000"/>
+              </a:schemeClr>
+            </a:solidFill>
+            <a:ln>
+              <a:noFill/>
+            </a:ln>
+            <a:effectLst/>
+          </p:spPr>
+          <p:style>
+            <a:lnRef idx="1">
+              <a:schemeClr val="accent1"/>
+            </a:lnRef>
+            <a:fillRef idx="3">
+              <a:schemeClr val="accent1"/>
+            </a:fillRef>
+            <a:effectRef idx="2">
+              <a:schemeClr val="accent1"/>
+            </a:effectRef>
+            <a:fontRef idx="minor">
+              <a:schemeClr val="lt1"/>
+            </a:fontRef>
+          </p:style>
+        </p:sp>
+        <p:sp>
+          <p:nvSpPr>
+            <p:cNvPr id="31" name="Isosceles Triangle 30"/>
+            <p:cNvSpPr/>
+            <p:nvPr/>
+          </p:nvSpPr>
+          <p:spPr>
+            <a:xfrm>
+              <a:off x="10371666" y="3589867"/>
+              <a:ext cx="1817159" cy="3268133"/>
+            </a:xfrm>
+            <a:prstGeom prst="triangle">
+              <a:avLst>
+                <a:gd name="adj" fmla="val 100000"/>
+              </a:avLst>
+            </a:prstGeom>
+            <a:solidFill>
+              <a:schemeClr val="accent1">
+                <a:alpha val="80000"/>
+              </a:schemeClr>
+            </a:solidFill>
+            <a:ln>
+              <a:noFill/>
+            </a:ln>
+            <a:effectLst/>
+          </p:spPr>
+          <p:style>
+            <a:lnRef idx="1">
+              <a:schemeClr val="accent1"/>
+            </a:lnRef>
+            <a:fillRef idx="3">
+              <a:schemeClr val="accent1"/>
+            </a:fillRef>
+            <a:effectRef idx="2">
+              <a:schemeClr val="accent1"/>
+            </a:effectRef>
+            <a:fontRef idx="minor">
+              <a:schemeClr val="lt1"/>
+            </a:fontRef>
+          </p:style>
+        </p:sp>
+        <p:sp>
+          <p:nvSpPr>
+            <p:cNvPr id="19" name="Isosceles Triangle 18"/>
+            <p:cNvSpPr/>
+            <p:nvPr/>
+          </p:nvSpPr>
+          <p:spPr>
+            <a:xfrm rot="10800000">
+              <a:off x="0" y="0"/>
+              <a:ext cx="842596" cy="5666154"/>
+            </a:xfrm>
+            <a:prstGeom prst="triangle">
+              <a:avLst>
+                <a:gd name="adj" fmla="val 100000"/>
+              </a:avLst>
+            </a:prstGeom>
+            <a:solidFill>
+              <a:schemeClr val="accent1">
+                <a:alpha val="85000"/>
+              </a:schemeClr>
+            </a:solidFill>
+            <a:ln>
+              <a:noFill/>
+            </a:ln>
+            <a:effectLst/>
+          </p:spPr>
+          <p:style>
+            <a:lnRef idx="1">
+              <a:schemeClr val="accent1"/>
+            </a:lnRef>
+            <a:fillRef idx="3">
+              <a:schemeClr val="accent1"/>
+            </a:fillRef>
+            <a:effectRef idx="2">
+              <a:schemeClr val="accent1"/>
+            </a:effectRef>
+            <a:fontRef idx="minor">
+              <a:schemeClr val="lt1"/>
+            </a:fontRef>
+          </p:style>
+        </p:sp>
+      </p:grpSp>
+      <p:sp>
+        <p:nvSpPr>
+          <p:cNvPr id="2" name="Title 1"/>
           <p:cNvSpPr>
             <a:spLocks noGrp="1"/>
           </p:cNvSpPr>
@@ -142,15 +1839,21 @@
         </p:nvSpPr>
         <p:spPr>
           <a:xfrm>
-            <a:off x="1524000" y="1122363"/>
-            <a:ext cx="9144000" cy="2387600"/>
+            <a:off x="1507067" y="2404534"/>
+            <a:ext cx="7766936" cy="1646302"/>
           </a:xfrm>
         </p:spPr>
         <p:txBody>
-          <a:bodyPr anchor="b"/>
+          <a:bodyPr anchor="b">
+            <a:noAutofit/>
+          </a:bodyPr>
           <a:lstStyle>
-            <a:lvl1pPr algn="ctr">
-              <a:defRPr sz="6000"/>
+            <a:lvl1pPr algn="r">
+              <a:defRPr sz="5400">
+                <a:solidFill>
+                  <a:schemeClr val="accent1"/>
+                </a:solidFill>
+              </a:defRPr>
             </a:lvl1pPr>
           </a:lstStyle>
           <a:p>
@@ -158,18 +1861,13 @@
               <a:rPr lang="en-US"/>
               <a:t>Click to edit Master title style</a:t>
             </a:r>
-          </a:p>
-        </p:txBody>
-      </p:sp>
-      <p:sp>
-        <p:nvSpPr>
-          <p:cNvPr id="3" name="Subtitle 2">
-            <a:extLst>
-              <a:ext uri="{FF2B5EF4-FFF2-40B4-BE49-F238E27FC236}">
-                <a16:creationId xmlns:a16="http://schemas.microsoft.com/office/drawing/2014/main" id="{550E8883-B023-4574-A8D1-880DA2AE1062}"/>
-              </a:ext>
-            </a:extLst>
-          </p:cNvPr>
+            <a:endParaRPr lang="en-US" dirty="0"/>
+          </a:p>
+        </p:txBody>
+      </p:sp>
+      <p:sp>
+        <p:nvSpPr>
+          <p:cNvPr id="3" name="Subtitle 2"/>
           <p:cNvSpPr>
             <a:spLocks noGrp="1"/>
           </p:cNvSpPr>
@@ -179,48 +1877,103 @@
         </p:nvSpPr>
         <p:spPr>
           <a:xfrm>
-            <a:off x="1524000" y="3602038"/>
-            <a:ext cx="9144000" cy="1655762"/>
+            <a:off x="1507067" y="4050833"/>
+            <a:ext cx="7766936" cy="1096899"/>
           </a:xfrm>
         </p:spPr>
         <p:txBody>
-          <a:bodyPr/>
+          <a:bodyPr anchor="t"/>
           <a:lstStyle>
-            <a:lvl1pPr marL="0" indent="0" algn="ctr">
-              <a:buNone/>
-              <a:defRPr sz="2400"/>
+            <a:lvl1pPr marL="0" indent="0" algn="r">
+              <a:buNone/>
+              <a:defRPr>
+                <a:solidFill>
+                  <a:schemeClr val="tx1">
+                    <a:lumMod val="50000"/>
+                    <a:lumOff val="50000"/>
+                  </a:schemeClr>
+                </a:solidFill>
+              </a:defRPr>
             </a:lvl1pPr>
             <a:lvl2pPr marL="457200" indent="0" algn="ctr">
               <a:buNone/>
-              <a:defRPr sz="2000"/>
+              <a:defRPr>
+                <a:solidFill>
+                  <a:schemeClr val="tx1">
+                    <a:tint val="75000"/>
+                  </a:schemeClr>
+                </a:solidFill>
+              </a:defRPr>
             </a:lvl2pPr>
             <a:lvl3pPr marL="914400" indent="0" algn="ctr">
               <a:buNone/>
-              <a:defRPr sz="1800"/>
+              <a:defRPr>
+                <a:solidFill>
+                  <a:schemeClr val="tx1">
+                    <a:tint val="75000"/>
+                  </a:schemeClr>
+                </a:solidFill>
+              </a:defRPr>
             </a:lvl3pPr>
             <a:lvl4pPr marL="1371600" indent="0" algn="ctr">
               <a:buNone/>
-              <a:defRPr sz="1600"/>
+              <a:defRPr>
+                <a:solidFill>
+                  <a:schemeClr val="tx1">
+                    <a:tint val="75000"/>
+                  </a:schemeClr>
+                </a:solidFill>
+              </a:defRPr>
             </a:lvl4pPr>
             <a:lvl5pPr marL="1828800" indent="0" algn="ctr">
               <a:buNone/>
-              <a:defRPr sz="1600"/>
+              <a:defRPr>
+                <a:solidFill>
+                  <a:schemeClr val="tx1">
+                    <a:tint val="75000"/>
+                  </a:schemeClr>
+                </a:solidFill>
+              </a:defRPr>
             </a:lvl5pPr>
             <a:lvl6pPr marL="2286000" indent="0" algn="ctr">
               <a:buNone/>
-              <a:defRPr sz="1600"/>
+              <a:defRPr>
+                <a:solidFill>
+                  <a:schemeClr val="tx1">
+                    <a:tint val="75000"/>
+                  </a:schemeClr>
+                </a:solidFill>
+              </a:defRPr>
             </a:lvl6pPr>
             <a:lvl7pPr marL="2743200" indent="0" algn="ctr">
               <a:buNone/>
-              <a:defRPr sz="1600"/>
+              <a:defRPr>
+                <a:solidFill>
+                  <a:schemeClr val="tx1">
+                    <a:tint val="75000"/>
+                  </a:schemeClr>
+                </a:solidFill>
+              </a:defRPr>
             </a:lvl7pPr>
             <a:lvl8pPr marL="3200400" indent="0" algn="ctr">
               <a:buNone/>
-              <a:defRPr sz="1600"/>
+              <a:defRPr>
+                <a:solidFill>
+                  <a:schemeClr val="tx1">
+                    <a:tint val="75000"/>
+                  </a:schemeClr>
+                </a:solidFill>
+              </a:defRPr>
             </a:lvl8pPr>
             <a:lvl9pPr marL="3657600" indent="0" algn="ctr">
               <a:buNone/>
-              <a:defRPr sz="1600"/>
+              <a:defRPr>
+                <a:solidFill>
+                  <a:schemeClr val="tx1">
+                    <a:tint val="75000"/>
+                  </a:schemeClr>
+                </a:solidFill>
+              </a:defRPr>
             </a:lvl9pPr>
           </a:lstStyle>
           <a:p>
@@ -228,18 +1981,13 @@
               <a:rPr lang="en-US"/>
               <a:t>Click to edit Master subtitle style</a:t>
             </a:r>
-          </a:p>
-        </p:txBody>
-      </p:sp>
-      <p:sp>
-        <p:nvSpPr>
-          <p:cNvPr id="4" name="Date Placeholder 3">
-            <a:extLst>
-              <a:ext uri="{FF2B5EF4-FFF2-40B4-BE49-F238E27FC236}">
-                <a16:creationId xmlns:a16="http://schemas.microsoft.com/office/drawing/2014/main" id="{461A48CD-76B4-4E06-9F77-02C285AA6BC9}"/>
-              </a:ext>
-            </a:extLst>
-          </p:cNvPr>
+            <a:endParaRPr lang="en-US" dirty="0"/>
+          </a:p>
+        </p:txBody>
+      </p:sp>
+      <p:sp>
+        <p:nvSpPr>
+          <p:cNvPr id="4" name="Date Placeholder 3"/>
           <p:cNvSpPr>
             <a:spLocks noGrp="1"/>
           </p:cNvSpPr>
@@ -254,7 +2002,7 @@
           <a:p>
             <a:fld id="{3B054455-14A8-45A6-99AA-9A7708B07C1A}" type="datetimeFigureOut">
               <a:rPr lang="en-US" smtClean="0"/>
-              <a:t>4/25/2022</a:t>
+              <a:t>5/1/2022</a:t>
             </a:fld>
             <a:endParaRPr lang="en-US"/>
           </a:p>
@@ -262,13 +2010,7 @@
       </p:sp>
       <p:sp>
         <p:nvSpPr>
-          <p:cNvPr id="5" name="Footer Placeholder 4">
-            <a:extLst>
-              <a:ext uri="{FF2B5EF4-FFF2-40B4-BE49-F238E27FC236}">
-                <a16:creationId xmlns:a16="http://schemas.microsoft.com/office/drawing/2014/main" id="{6A942E30-D3B4-4DBC-B648-63057A6FBD57}"/>
-              </a:ext>
-            </a:extLst>
-          </p:cNvPr>
+          <p:cNvPr id="5" name="Footer Placeholder 4"/>
           <p:cNvSpPr>
             <a:spLocks noGrp="1"/>
           </p:cNvSpPr>
@@ -287,13 +2029,7 @@
       </p:sp>
       <p:sp>
         <p:nvSpPr>
-          <p:cNvPr id="6" name="Slide Number Placeholder 5">
-            <a:extLst>
-              <a:ext uri="{FF2B5EF4-FFF2-40B4-BE49-F238E27FC236}">
-                <a16:creationId xmlns:a16="http://schemas.microsoft.com/office/drawing/2014/main" id="{53B9ECA8-7548-47AD-BA5A-DF0023BDB561}"/>
-              </a:ext>
-            </a:extLst>
-          </p:cNvPr>
+          <p:cNvPr id="6" name="Slide Number Placeholder 5"/>
           <p:cNvSpPr>
             <a:spLocks noGrp="1"/>
           </p:cNvSpPr>
@@ -317,7 +2053,7 @@
     </p:spTree>
     <p:extLst>
       <p:ext uri="{BB962C8B-B14F-4D97-AF65-F5344CB8AC3E}">
-        <p14:creationId xmlns:p14="http://schemas.microsoft.com/office/powerpoint/2010/main" val="1057340072"/>
+        <p14:creationId xmlns:p14="http://schemas.microsoft.com/office/powerpoint/2010/main" val="4075737899"/>
       </p:ext>
     </p:extLst>
   </p:cSld>
@@ -328,6 +2064,1619 @@
 </file>
 
 <file path=ppt/slideLayouts/slideLayout10.xml><?xml version="1.0" encoding="utf-8"?>
+<p:sldLayout xmlns:a="http://schemas.openxmlformats.org/drawingml/2006/main" xmlns:r="http://schemas.openxmlformats.org/officeDocument/2006/relationships" xmlns:p="http://schemas.openxmlformats.org/presentationml/2006/main" preserve="1">
+  <p:cSld name="Title and Caption">
+    <p:spTree>
+      <p:nvGrpSpPr>
+        <p:cNvPr id="1" name=""/>
+        <p:cNvGrpSpPr/>
+        <p:nvPr/>
+      </p:nvGrpSpPr>
+      <p:grpSpPr>
+        <a:xfrm>
+          <a:off x="0" y="0"/>
+          <a:ext cx="0" cy="0"/>
+          <a:chOff x="0" y="0"/>
+          <a:chExt cx="0" cy="0"/>
+        </a:xfrm>
+      </p:grpSpPr>
+      <p:sp>
+        <p:nvSpPr>
+          <p:cNvPr id="2" name="Title 1"/>
+          <p:cNvSpPr>
+            <a:spLocks noGrp="1"/>
+          </p:cNvSpPr>
+          <p:nvPr>
+            <p:ph type="title"/>
+          </p:nvPr>
+        </p:nvSpPr>
+        <p:spPr>
+          <a:xfrm>
+            <a:off x="677335" y="609600"/>
+            <a:ext cx="8596668" cy="3403600"/>
+          </a:xfrm>
+        </p:spPr>
+        <p:txBody>
+          <a:bodyPr anchor="ctr">
+            <a:normAutofit/>
+          </a:bodyPr>
+          <a:lstStyle>
+            <a:lvl1pPr algn="l">
+              <a:defRPr sz="4400" b="0" cap="none"/>
+            </a:lvl1pPr>
+          </a:lstStyle>
+          <a:p>
+            <a:r>
+              <a:rPr lang="en-US"/>
+              <a:t>Click to edit Master title style</a:t>
+            </a:r>
+            <a:endParaRPr lang="en-US" dirty="0"/>
+          </a:p>
+        </p:txBody>
+      </p:sp>
+      <p:sp>
+        <p:nvSpPr>
+          <p:cNvPr id="3" name="Text Placeholder 2"/>
+          <p:cNvSpPr>
+            <a:spLocks noGrp="1"/>
+          </p:cNvSpPr>
+          <p:nvPr>
+            <p:ph type="body" idx="1"/>
+          </p:nvPr>
+        </p:nvSpPr>
+        <p:spPr>
+          <a:xfrm>
+            <a:off x="677335" y="4470400"/>
+            <a:ext cx="8596668" cy="1570962"/>
+          </a:xfrm>
+        </p:spPr>
+        <p:txBody>
+          <a:bodyPr anchor="ctr">
+            <a:normAutofit/>
+          </a:bodyPr>
+          <a:lstStyle>
+            <a:lvl1pPr marL="0" indent="0" algn="l">
+              <a:buNone/>
+              <a:defRPr sz="1800">
+                <a:solidFill>
+                  <a:schemeClr val="tx1">
+                    <a:lumMod val="75000"/>
+                    <a:lumOff val="25000"/>
+                  </a:schemeClr>
+                </a:solidFill>
+              </a:defRPr>
+            </a:lvl1pPr>
+            <a:lvl2pPr marL="457200" indent="0">
+              <a:buNone/>
+              <a:defRPr sz="1800">
+                <a:solidFill>
+                  <a:schemeClr val="tx1">
+                    <a:tint val="75000"/>
+                  </a:schemeClr>
+                </a:solidFill>
+              </a:defRPr>
+            </a:lvl2pPr>
+            <a:lvl3pPr marL="914400" indent="0">
+              <a:buNone/>
+              <a:defRPr sz="1600">
+                <a:solidFill>
+                  <a:schemeClr val="tx1">
+                    <a:tint val="75000"/>
+                  </a:schemeClr>
+                </a:solidFill>
+              </a:defRPr>
+            </a:lvl3pPr>
+            <a:lvl4pPr marL="1371600" indent="0">
+              <a:buNone/>
+              <a:defRPr sz="1400">
+                <a:solidFill>
+                  <a:schemeClr val="tx1">
+                    <a:tint val="75000"/>
+                  </a:schemeClr>
+                </a:solidFill>
+              </a:defRPr>
+            </a:lvl4pPr>
+            <a:lvl5pPr marL="1828800" indent="0">
+              <a:buNone/>
+              <a:defRPr sz="1400">
+                <a:solidFill>
+                  <a:schemeClr val="tx1">
+                    <a:tint val="75000"/>
+                  </a:schemeClr>
+                </a:solidFill>
+              </a:defRPr>
+            </a:lvl5pPr>
+            <a:lvl6pPr marL="2286000" indent="0">
+              <a:buNone/>
+              <a:defRPr sz="1400">
+                <a:solidFill>
+                  <a:schemeClr val="tx1">
+                    <a:tint val="75000"/>
+                  </a:schemeClr>
+                </a:solidFill>
+              </a:defRPr>
+            </a:lvl6pPr>
+            <a:lvl7pPr marL="2743200" indent="0">
+              <a:buNone/>
+              <a:defRPr sz="1400">
+                <a:solidFill>
+                  <a:schemeClr val="tx1">
+                    <a:tint val="75000"/>
+                  </a:schemeClr>
+                </a:solidFill>
+              </a:defRPr>
+            </a:lvl7pPr>
+            <a:lvl8pPr marL="3200400" indent="0">
+              <a:buNone/>
+              <a:defRPr sz="1400">
+                <a:solidFill>
+                  <a:schemeClr val="tx1">
+                    <a:tint val="75000"/>
+                  </a:schemeClr>
+                </a:solidFill>
+              </a:defRPr>
+            </a:lvl8pPr>
+            <a:lvl9pPr marL="3657600" indent="0">
+              <a:buNone/>
+              <a:defRPr sz="1400">
+                <a:solidFill>
+                  <a:schemeClr val="tx1">
+                    <a:tint val="75000"/>
+                  </a:schemeClr>
+                </a:solidFill>
+              </a:defRPr>
+            </a:lvl9pPr>
+          </a:lstStyle>
+          <a:p>
+            <a:pPr lvl="0"/>
+            <a:r>
+              <a:rPr lang="en-US"/>
+              <a:t>Click to edit Master text styles</a:t>
+            </a:r>
+          </a:p>
+        </p:txBody>
+      </p:sp>
+      <p:sp>
+        <p:nvSpPr>
+          <p:cNvPr id="4" name="Date Placeholder 3"/>
+          <p:cNvSpPr>
+            <a:spLocks noGrp="1"/>
+          </p:cNvSpPr>
+          <p:nvPr>
+            <p:ph type="dt" sz="half" idx="10"/>
+          </p:nvPr>
+        </p:nvSpPr>
+        <p:spPr/>
+        <p:txBody>
+          <a:bodyPr/>
+          <a:lstStyle/>
+          <a:p>
+            <a:fld id="{3B054455-14A8-45A6-99AA-9A7708B07C1A}" type="datetimeFigureOut">
+              <a:rPr lang="en-US" smtClean="0"/>
+              <a:t>5/1/2022</a:t>
+            </a:fld>
+            <a:endParaRPr lang="en-US"/>
+          </a:p>
+        </p:txBody>
+      </p:sp>
+      <p:sp>
+        <p:nvSpPr>
+          <p:cNvPr id="5" name="Footer Placeholder 4"/>
+          <p:cNvSpPr>
+            <a:spLocks noGrp="1"/>
+          </p:cNvSpPr>
+          <p:nvPr>
+            <p:ph type="ftr" sz="quarter" idx="11"/>
+          </p:nvPr>
+        </p:nvSpPr>
+        <p:spPr/>
+        <p:txBody>
+          <a:bodyPr/>
+          <a:lstStyle/>
+          <a:p>
+            <a:endParaRPr lang="en-US"/>
+          </a:p>
+        </p:txBody>
+      </p:sp>
+      <p:sp>
+        <p:nvSpPr>
+          <p:cNvPr id="6" name="Slide Number Placeholder 5"/>
+          <p:cNvSpPr>
+            <a:spLocks noGrp="1"/>
+          </p:cNvSpPr>
+          <p:nvPr>
+            <p:ph type="sldNum" sz="quarter" idx="12"/>
+          </p:nvPr>
+        </p:nvSpPr>
+        <p:spPr/>
+        <p:txBody>
+          <a:bodyPr/>
+          <a:lstStyle/>
+          <a:p>
+            <a:fld id="{3F66AB95-4FF6-451C-BB43-E163F9018550}" type="slidenum">
+              <a:rPr lang="en-US" smtClean="0"/>
+              <a:t>‹#›</a:t>
+            </a:fld>
+            <a:endParaRPr lang="en-US"/>
+          </a:p>
+        </p:txBody>
+      </p:sp>
+    </p:spTree>
+    <p:extLst>
+      <p:ext uri="{BB962C8B-B14F-4D97-AF65-F5344CB8AC3E}">
+        <p14:creationId xmlns:p14="http://schemas.microsoft.com/office/powerpoint/2010/main" val="814018000"/>
+      </p:ext>
+    </p:extLst>
+  </p:cSld>
+  <p:clrMapOvr>
+    <a:masterClrMapping/>
+  </p:clrMapOvr>
+</p:sldLayout>
+</file>
+
+<file path=ppt/slideLayouts/slideLayout11.xml><?xml version="1.0" encoding="utf-8"?>
+<p:sldLayout xmlns:a="http://schemas.openxmlformats.org/drawingml/2006/main" xmlns:r="http://schemas.openxmlformats.org/officeDocument/2006/relationships" xmlns:p="http://schemas.openxmlformats.org/presentationml/2006/main" preserve="1">
+  <p:cSld name="Quote with Caption">
+    <p:spTree>
+      <p:nvGrpSpPr>
+        <p:cNvPr id="1" name=""/>
+        <p:cNvGrpSpPr/>
+        <p:nvPr/>
+      </p:nvGrpSpPr>
+      <p:grpSpPr>
+        <a:xfrm>
+          <a:off x="0" y="0"/>
+          <a:ext cx="0" cy="0"/>
+          <a:chOff x="0" y="0"/>
+          <a:chExt cx="0" cy="0"/>
+        </a:xfrm>
+      </p:grpSpPr>
+      <p:sp>
+        <p:nvSpPr>
+          <p:cNvPr id="2" name="Title 1"/>
+          <p:cNvSpPr>
+            <a:spLocks noGrp="1"/>
+          </p:cNvSpPr>
+          <p:nvPr>
+            <p:ph type="title"/>
+          </p:nvPr>
+        </p:nvSpPr>
+        <p:spPr>
+          <a:xfrm>
+            <a:off x="931334" y="609600"/>
+            <a:ext cx="8094134" cy="3022600"/>
+          </a:xfrm>
+        </p:spPr>
+        <p:txBody>
+          <a:bodyPr anchor="ctr">
+            <a:normAutofit/>
+          </a:bodyPr>
+          <a:lstStyle>
+            <a:lvl1pPr algn="l">
+              <a:defRPr sz="4400" b="0" cap="none"/>
+            </a:lvl1pPr>
+          </a:lstStyle>
+          <a:p>
+            <a:r>
+              <a:rPr lang="en-US"/>
+              <a:t>Click to edit Master title style</a:t>
+            </a:r>
+            <a:endParaRPr lang="en-US" dirty="0"/>
+          </a:p>
+        </p:txBody>
+      </p:sp>
+      <p:sp>
+        <p:nvSpPr>
+          <p:cNvPr id="23" name="Text Placeholder 9"/>
+          <p:cNvSpPr>
+            <a:spLocks noGrp="1"/>
+          </p:cNvSpPr>
+          <p:nvPr>
+            <p:ph type="body" sz="quarter" idx="13"/>
+          </p:nvPr>
+        </p:nvSpPr>
+        <p:spPr>
+          <a:xfrm>
+            <a:off x="1366139" y="3632200"/>
+            <a:ext cx="7224524" cy="381000"/>
+          </a:xfrm>
+        </p:spPr>
+        <p:txBody>
+          <a:bodyPr anchor="ctr">
+            <a:noAutofit/>
+          </a:bodyPr>
+          <a:lstStyle>
+            <a:lvl1pPr marL="0" indent="0">
+              <a:buFontTx/>
+              <a:buNone/>
+              <a:defRPr sz="1600">
+                <a:solidFill>
+                  <a:schemeClr val="tx1">
+                    <a:lumMod val="50000"/>
+                    <a:lumOff val="50000"/>
+                  </a:schemeClr>
+                </a:solidFill>
+              </a:defRPr>
+            </a:lvl1pPr>
+            <a:lvl2pPr marL="457200" indent="0">
+              <a:buFontTx/>
+              <a:buNone/>
+              <a:defRPr/>
+            </a:lvl2pPr>
+            <a:lvl3pPr marL="914400" indent="0">
+              <a:buFontTx/>
+              <a:buNone/>
+              <a:defRPr/>
+            </a:lvl3pPr>
+            <a:lvl4pPr marL="1371600" indent="0">
+              <a:buFontTx/>
+              <a:buNone/>
+              <a:defRPr/>
+            </a:lvl4pPr>
+            <a:lvl5pPr marL="1828800" indent="0">
+              <a:buFontTx/>
+              <a:buNone/>
+              <a:defRPr/>
+            </a:lvl5pPr>
+          </a:lstStyle>
+          <a:p>
+            <a:pPr lvl="0"/>
+            <a:r>
+              <a:rPr lang="en-US"/>
+              <a:t>Click to edit Master text styles</a:t>
+            </a:r>
+          </a:p>
+        </p:txBody>
+      </p:sp>
+      <p:sp>
+        <p:nvSpPr>
+          <p:cNvPr id="3" name="Text Placeholder 2"/>
+          <p:cNvSpPr>
+            <a:spLocks noGrp="1"/>
+          </p:cNvSpPr>
+          <p:nvPr>
+            <p:ph type="body" idx="1"/>
+          </p:nvPr>
+        </p:nvSpPr>
+        <p:spPr>
+          <a:xfrm>
+            <a:off x="677335" y="4470400"/>
+            <a:ext cx="8596668" cy="1570962"/>
+          </a:xfrm>
+        </p:spPr>
+        <p:txBody>
+          <a:bodyPr anchor="ctr">
+            <a:normAutofit/>
+          </a:bodyPr>
+          <a:lstStyle>
+            <a:lvl1pPr marL="0" indent="0" algn="l">
+              <a:buNone/>
+              <a:defRPr sz="1800">
+                <a:solidFill>
+                  <a:schemeClr val="tx1">
+                    <a:lumMod val="75000"/>
+                    <a:lumOff val="25000"/>
+                  </a:schemeClr>
+                </a:solidFill>
+              </a:defRPr>
+            </a:lvl1pPr>
+            <a:lvl2pPr marL="457200" indent="0">
+              <a:buNone/>
+              <a:defRPr sz="1800">
+                <a:solidFill>
+                  <a:schemeClr val="tx1">
+                    <a:tint val="75000"/>
+                  </a:schemeClr>
+                </a:solidFill>
+              </a:defRPr>
+            </a:lvl2pPr>
+            <a:lvl3pPr marL="914400" indent="0">
+              <a:buNone/>
+              <a:defRPr sz="1600">
+                <a:solidFill>
+                  <a:schemeClr val="tx1">
+                    <a:tint val="75000"/>
+                  </a:schemeClr>
+                </a:solidFill>
+              </a:defRPr>
+            </a:lvl3pPr>
+            <a:lvl4pPr marL="1371600" indent="0">
+              <a:buNone/>
+              <a:defRPr sz="1400">
+                <a:solidFill>
+                  <a:schemeClr val="tx1">
+                    <a:tint val="75000"/>
+                  </a:schemeClr>
+                </a:solidFill>
+              </a:defRPr>
+            </a:lvl4pPr>
+            <a:lvl5pPr marL="1828800" indent="0">
+              <a:buNone/>
+              <a:defRPr sz="1400">
+                <a:solidFill>
+                  <a:schemeClr val="tx1">
+                    <a:tint val="75000"/>
+                  </a:schemeClr>
+                </a:solidFill>
+              </a:defRPr>
+            </a:lvl5pPr>
+            <a:lvl6pPr marL="2286000" indent="0">
+              <a:buNone/>
+              <a:defRPr sz="1400">
+                <a:solidFill>
+                  <a:schemeClr val="tx1">
+                    <a:tint val="75000"/>
+                  </a:schemeClr>
+                </a:solidFill>
+              </a:defRPr>
+            </a:lvl6pPr>
+            <a:lvl7pPr marL="2743200" indent="0">
+              <a:buNone/>
+              <a:defRPr sz="1400">
+                <a:solidFill>
+                  <a:schemeClr val="tx1">
+                    <a:tint val="75000"/>
+                  </a:schemeClr>
+                </a:solidFill>
+              </a:defRPr>
+            </a:lvl7pPr>
+            <a:lvl8pPr marL="3200400" indent="0">
+              <a:buNone/>
+              <a:defRPr sz="1400">
+                <a:solidFill>
+                  <a:schemeClr val="tx1">
+                    <a:tint val="75000"/>
+                  </a:schemeClr>
+                </a:solidFill>
+              </a:defRPr>
+            </a:lvl8pPr>
+            <a:lvl9pPr marL="3657600" indent="0">
+              <a:buNone/>
+              <a:defRPr sz="1400">
+                <a:solidFill>
+                  <a:schemeClr val="tx1">
+                    <a:tint val="75000"/>
+                  </a:schemeClr>
+                </a:solidFill>
+              </a:defRPr>
+            </a:lvl9pPr>
+          </a:lstStyle>
+          <a:p>
+            <a:pPr lvl="0"/>
+            <a:r>
+              <a:rPr lang="en-US"/>
+              <a:t>Click to edit Master text styles</a:t>
+            </a:r>
+          </a:p>
+        </p:txBody>
+      </p:sp>
+      <p:sp>
+        <p:nvSpPr>
+          <p:cNvPr id="4" name="Date Placeholder 3"/>
+          <p:cNvSpPr>
+            <a:spLocks noGrp="1"/>
+          </p:cNvSpPr>
+          <p:nvPr>
+            <p:ph type="dt" sz="half" idx="10"/>
+          </p:nvPr>
+        </p:nvSpPr>
+        <p:spPr/>
+        <p:txBody>
+          <a:bodyPr/>
+          <a:lstStyle/>
+          <a:p>
+            <a:fld id="{3B054455-14A8-45A6-99AA-9A7708B07C1A}" type="datetimeFigureOut">
+              <a:rPr lang="en-US" smtClean="0"/>
+              <a:t>5/1/2022</a:t>
+            </a:fld>
+            <a:endParaRPr lang="en-US"/>
+          </a:p>
+        </p:txBody>
+      </p:sp>
+      <p:sp>
+        <p:nvSpPr>
+          <p:cNvPr id="5" name="Footer Placeholder 4"/>
+          <p:cNvSpPr>
+            <a:spLocks noGrp="1"/>
+          </p:cNvSpPr>
+          <p:nvPr>
+            <p:ph type="ftr" sz="quarter" idx="11"/>
+          </p:nvPr>
+        </p:nvSpPr>
+        <p:spPr/>
+        <p:txBody>
+          <a:bodyPr/>
+          <a:lstStyle/>
+          <a:p>
+            <a:endParaRPr lang="en-US"/>
+          </a:p>
+        </p:txBody>
+      </p:sp>
+      <p:sp>
+        <p:nvSpPr>
+          <p:cNvPr id="6" name="Slide Number Placeholder 5"/>
+          <p:cNvSpPr>
+            <a:spLocks noGrp="1"/>
+          </p:cNvSpPr>
+          <p:nvPr>
+            <p:ph type="sldNum" sz="quarter" idx="12"/>
+          </p:nvPr>
+        </p:nvSpPr>
+        <p:spPr/>
+        <p:txBody>
+          <a:bodyPr/>
+          <a:lstStyle/>
+          <a:p>
+            <a:fld id="{3F66AB95-4FF6-451C-BB43-E163F9018550}" type="slidenum">
+              <a:rPr lang="en-US" smtClean="0"/>
+              <a:t>‹#›</a:t>
+            </a:fld>
+            <a:endParaRPr lang="en-US"/>
+          </a:p>
+        </p:txBody>
+      </p:sp>
+      <p:sp>
+        <p:nvSpPr>
+          <p:cNvPr id="20" name="TextBox 19"/>
+          <p:cNvSpPr txBox="1"/>
+          <p:nvPr/>
+        </p:nvSpPr>
+        <p:spPr>
+          <a:xfrm>
+            <a:off x="541870" y="790378"/>
+            <a:ext cx="609600" cy="584776"/>
+          </a:xfrm>
+          <a:prstGeom prst="rect">
+            <a:avLst/>
+          </a:prstGeom>
+        </p:spPr>
+        <p:txBody>
+          <a:bodyPr vert="horz" lIns="91440" tIns="45720" rIns="91440" bIns="45720" rtlCol="0" anchor="ctr">
+            <a:noAutofit/>
+          </a:bodyPr>
+          <a:lstStyle/>
+          <a:p>
+            <a:pPr lvl="0"/>
+            <a:r>
+              <a:rPr lang="en-US" sz="8000" baseline="0" dirty="0">
+                <a:ln w="3175" cmpd="sng">
+                  <a:noFill/>
+                </a:ln>
+                <a:solidFill>
+                  <a:schemeClr val="accent1">
+                    <a:lumMod val="60000"/>
+                    <a:lumOff val="40000"/>
+                  </a:schemeClr>
+                </a:solidFill>
+                <a:effectLst/>
+                <a:latin typeface="Arial"/>
+              </a:rPr>
+              <a:t>“</a:t>
+            </a:r>
+          </a:p>
+        </p:txBody>
+      </p:sp>
+      <p:sp>
+        <p:nvSpPr>
+          <p:cNvPr id="22" name="TextBox 21"/>
+          <p:cNvSpPr txBox="1"/>
+          <p:nvPr/>
+        </p:nvSpPr>
+        <p:spPr>
+          <a:xfrm>
+            <a:off x="8893011" y="2886556"/>
+            <a:ext cx="609600" cy="584776"/>
+          </a:xfrm>
+          <a:prstGeom prst="rect">
+            <a:avLst/>
+          </a:prstGeom>
+        </p:spPr>
+        <p:txBody>
+          <a:bodyPr vert="horz" lIns="91440" tIns="45720" rIns="91440" bIns="45720" rtlCol="0" anchor="ctr">
+            <a:noAutofit/>
+          </a:bodyPr>
+          <a:lstStyle/>
+          <a:p>
+            <a:pPr lvl="0"/>
+            <a:r>
+              <a:rPr lang="en-US" sz="8000" baseline="0" dirty="0">
+                <a:ln w="3175" cmpd="sng">
+                  <a:noFill/>
+                </a:ln>
+                <a:solidFill>
+                  <a:schemeClr val="accent1">
+                    <a:lumMod val="60000"/>
+                    <a:lumOff val="40000"/>
+                  </a:schemeClr>
+                </a:solidFill>
+                <a:latin typeface="Arial"/>
+              </a:rPr>
+              <a:t>”</a:t>
+            </a:r>
+            <a:endParaRPr lang="en-US" dirty="0">
+              <a:solidFill>
+                <a:schemeClr val="accent1">
+                  <a:lumMod val="60000"/>
+                  <a:lumOff val="40000"/>
+                </a:schemeClr>
+              </a:solidFill>
+              <a:latin typeface="Arial"/>
+            </a:endParaRPr>
+          </a:p>
+        </p:txBody>
+      </p:sp>
+    </p:spTree>
+    <p:extLst>
+      <p:ext uri="{BB962C8B-B14F-4D97-AF65-F5344CB8AC3E}">
+        <p14:creationId xmlns:p14="http://schemas.microsoft.com/office/powerpoint/2010/main" val="3349741713"/>
+      </p:ext>
+    </p:extLst>
+  </p:cSld>
+  <p:clrMapOvr>
+    <a:masterClrMapping/>
+  </p:clrMapOvr>
+</p:sldLayout>
+</file>
+
+<file path=ppt/slideLayouts/slideLayout12.xml><?xml version="1.0" encoding="utf-8"?>
+<p:sldLayout xmlns:a="http://schemas.openxmlformats.org/drawingml/2006/main" xmlns:r="http://schemas.openxmlformats.org/officeDocument/2006/relationships" xmlns:p="http://schemas.openxmlformats.org/presentationml/2006/main" preserve="1">
+  <p:cSld name="Name Card">
+    <p:spTree>
+      <p:nvGrpSpPr>
+        <p:cNvPr id="1" name=""/>
+        <p:cNvGrpSpPr/>
+        <p:nvPr/>
+      </p:nvGrpSpPr>
+      <p:grpSpPr>
+        <a:xfrm>
+          <a:off x="0" y="0"/>
+          <a:ext cx="0" cy="0"/>
+          <a:chOff x="0" y="0"/>
+          <a:chExt cx="0" cy="0"/>
+        </a:xfrm>
+      </p:grpSpPr>
+      <p:sp>
+        <p:nvSpPr>
+          <p:cNvPr id="2" name="Title 1"/>
+          <p:cNvSpPr>
+            <a:spLocks noGrp="1"/>
+          </p:cNvSpPr>
+          <p:nvPr>
+            <p:ph type="title"/>
+          </p:nvPr>
+        </p:nvSpPr>
+        <p:spPr>
+          <a:xfrm>
+            <a:off x="677335" y="1931988"/>
+            <a:ext cx="8596668" cy="2595460"/>
+          </a:xfrm>
+        </p:spPr>
+        <p:txBody>
+          <a:bodyPr anchor="b">
+            <a:normAutofit/>
+          </a:bodyPr>
+          <a:lstStyle>
+            <a:lvl1pPr algn="l">
+              <a:defRPr sz="4400" b="0" cap="none"/>
+            </a:lvl1pPr>
+          </a:lstStyle>
+          <a:p>
+            <a:r>
+              <a:rPr lang="en-US"/>
+              <a:t>Click to edit Master title style</a:t>
+            </a:r>
+            <a:endParaRPr lang="en-US" dirty="0"/>
+          </a:p>
+        </p:txBody>
+      </p:sp>
+      <p:sp>
+        <p:nvSpPr>
+          <p:cNvPr id="3" name="Text Placeholder 2"/>
+          <p:cNvSpPr>
+            <a:spLocks noGrp="1"/>
+          </p:cNvSpPr>
+          <p:nvPr>
+            <p:ph type="body" idx="1"/>
+          </p:nvPr>
+        </p:nvSpPr>
+        <p:spPr>
+          <a:xfrm>
+            <a:off x="677335" y="4527448"/>
+            <a:ext cx="8596668" cy="1513914"/>
+          </a:xfrm>
+        </p:spPr>
+        <p:txBody>
+          <a:bodyPr anchor="t">
+            <a:normAutofit/>
+          </a:bodyPr>
+          <a:lstStyle>
+            <a:lvl1pPr marL="0" indent="0" algn="l">
+              <a:buNone/>
+              <a:defRPr sz="1800">
+                <a:solidFill>
+                  <a:schemeClr val="tx1">
+                    <a:lumMod val="75000"/>
+                    <a:lumOff val="25000"/>
+                  </a:schemeClr>
+                </a:solidFill>
+              </a:defRPr>
+            </a:lvl1pPr>
+            <a:lvl2pPr marL="457200" indent="0">
+              <a:buNone/>
+              <a:defRPr sz="1800">
+                <a:solidFill>
+                  <a:schemeClr val="tx1">
+                    <a:tint val="75000"/>
+                  </a:schemeClr>
+                </a:solidFill>
+              </a:defRPr>
+            </a:lvl2pPr>
+            <a:lvl3pPr marL="914400" indent="0">
+              <a:buNone/>
+              <a:defRPr sz="1600">
+                <a:solidFill>
+                  <a:schemeClr val="tx1">
+                    <a:tint val="75000"/>
+                  </a:schemeClr>
+                </a:solidFill>
+              </a:defRPr>
+            </a:lvl3pPr>
+            <a:lvl4pPr marL="1371600" indent="0">
+              <a:buNone/>
+              <a:defRPr sz="1400">
+                <a:solidFill>
+                  <a:schemeClr val="tx1">
+                    <a:tint val="75000"/>
+                  </a:schemeClr>
+                </a:solidFill>
+              </a:defRPr>
+            </a:lvl4pPr>
+            <a:lvl5pPr marL="1828800" indent="0">
+              <a:buNone/>
+              <a:defRPr sz="1400">
+                <a:solidFill>
+                  <a:schemeClr val="tx1">
+                    <a:tint val="75000"/>
+                  </a:schemeClr>
+                </a:solidFill>
+              </a:defRPr>
+            </a:lvl5pPr>
+            <a:lvl6pPr marL="2286000" indent="0">
+              <a:buNone/>
+              <a:defRPr sz="1400">
+                <a:solidFill>
+                  <a:schemeClr val="tx1">
+                    <a:tint val="75000"/>
+                  </a:schemeClr>
+                </a:solidFill>
+              </a:defRPr>
+            </a:lvl6pPr>
+            <a:lvl7pPr marL="2743200" indent="0">
+              <a:buNone/>
+              <a:defRPr sz="1400">
+                <a:solidFill>
+                  <a:schemeClr val="tx1">
+                    <a:tint val="75000"/>
+                  </a:schemeClr>
+                </a:solidFill>
+              </a:defRPr>
+            </a:lvl7pPr>
+            <a:lvl8pPr marL="3200400" indent="0">
+              <a:buNone/>
+              <a:defRPr sz="1400">
+                <a:solidFill>
+                  <a:schemeClr val="tx1">
+                    <a:tint val="75000"/>
+                  </a:schemeClr>
+                </a:solidFill>
+              </a:defRPr>
+            </a:lvl8pPr>
+            <a:lvl9pPr marL="3657600" indent="0">
+              <a:buNone/>
+              <a:defRPr sz="1400">
+                <a:solidFill>
+                  <a:schemeClr val="tx1">
+                    <a:tint val="75000"/>
+                  </a:schemeClr>
+                </a:solidFill>
+              </a:defRPr>
+            </a:lvl9pPr>
+          </a:lstStyle>
+          <a:p>
+            <a:pPr lvl="0"/>
+            <a:r>
+              <a:rPr lang="en-US"/>
+              <a:t>Click to edit Master text styles</a:t>
+            </a:r>
+          </a:p>
+        </p:txBody>
+      </p:sp>
+      <p:sp>
+        <p:nvSpPr>
+          <p:cNvPr id="4" name="Date Placeholder 3"/>
+          <p:cNvSpPr>
+            <a:spLocks noGrp="1"/>
+          </p:cNvSpPr>
+          <p:nvPr>
+            <p:ph type="dt" sz="half" idx="10"/>
+          </p:nvPr>
+        </p:nvSpPr>
+        <p:spPr/>
+        <p:txBody>
+          <a:bodyPr/>
+          <a:lstStyle/>
+          <a:p>
+            <a:fld id="{3B054455-14A8-45A6-99AA-9A7708B07C1A}" type="datetimeFigureOut">
+              <a:rPr lang="en-US" smtClean="0"/>
+              <a:t>5/1/2022</a:t>
+            </a:fld>
+            <a:endParaRPr lang="en-US"/>
+          </a:p>
+        </p:txBody>
+      </p:sp>
+      <p:sp>
+        <p:nvSpPr>
+          <p:cNvPr id="5" name="Footer Placeholder 4"/>
+          <p:cNvSpPr>
+            <a:spLocks noGrp="1"/>
+          </p:cNvSpPr>
+          <p:nvPr>
+            <p:ph type="ftr" sz="quarter" idx="11"/>
+          </p:nvPr>
+        </p:nvSpPr>
+        <p:spPr/>
+        <p:txBody>
+          <a:bodyPr/>
+          <a:lstStyle/>
+          <a:p>
+            <a:endParaRPr lang="en-US"/>
+          </a:p>
+        </p:txBody>
+      </p:sp>
+      <p:sp>
+        <p:nvSpPr>
+          <p:cNvPr id="6" name="Slide Number Placeholder 5"/>
+          <p:cNvSpPr>
+            <a:spLocks noGrp="1"/>
+          </p:cNvSpPr>
+          <p:nvPr>
+            <p:ph type="sldNum" sz="quarter" idx="12"/>
+          </p:nvPr>
+        </p:nvSpPr>
+        <p:spPr/>
+        <p:txBody>
+          <a:bodyPr/>
+          <a:lstStyle/>
+          <a:p>
+            <a:fld id="{3F66AB95-4FF6-451C-BB43-E163F9018550}" type="slidenum">
+              <a:rPr lang="en-US" smtClean="0"/>
+              <a:t>‹#›</a:t>
+            </a:fld>
+            <a:endParaRPr lang="en-US"/>
+          </a:p>
+        </p:txBody>
+      </p:sp>
+    </p:spTree>
+    <p:extLst>
+      <p:ext uri="{BB962C8B-B14F-4D97-AF65-F5344CB8AC3E}">
+        <p14:creationId xmlns:p14="http://schemas.microsoft.com/office/powerpoint/2010/main" val="1152205629"/>
+      </p:ext>
+    </p:extLst>
+  </p:cSld>
+  <p:clrMapOvr>
+    <a:masterClrMapping/>
+  </p:clrMapOvr>
+</p:sldLayout>
+</file>
+
+<file path=ppt/slideLayouts/slideLayout13.xml><?xml version="1.0" encoding="utf-8"?>
+<p:sldLayout xmlns:a="http://schemas.openxmlformats.org/drawingml/2006/main" xmlns:r="http://schemas.openxmlformats.org/officeDocument/2006/relationships" xmlns:p="http://schemas.openxmlformats.org/presentationml/2006/main" preserve="1">
+  <p:cSld name="Quote Name Card">
+    <p:spTree>
+      <p:nvGrpSpPr>
+        <p:cNvPr id="1" name=""/>
+        <p:cNvGrpSpPr/>
+        <p:nvPr/>
+      </p:nvGrpSpPr>
+      <p:grpSpPr>
+        <a:xfrm>
+          <a:off x="0" y="0"/>
+          <a:ext cx="0" cy="0"/>
+          <a:chOff x="0" y="0"/>
+          <a:chExt cx="0" cy="0"/>
+        </a:xfrm>
+      </p:grpSpPr>
+      <p:sp>
+        <p:nvSpPr>
+          <p:cNvPr id="2" name="Title 1"/>
+          <p:cNvSpPr>
+            <a:spLocks noGrp="1"/>
+          </p:cNvSpPr>
+          <p:nvPr>
+            <p:ph type="title"/>
+          </p:nvPr>
+        </p:nvSpPr>
+        <p:spPr>
+          <a:xfrm>
+            <a:off x="931334" y="609600"/>
+            <a:ext cx="8094134" cy="3022600"/>
+          </a:xfrm>
+        </p:spPr>
+        <p:txBody>
+          <a:bodyPr anchor="ctr">
+            <a:normAutofit/>
+          </a:bodyPr>
+          <a:lstStyle>
+            <a:lvl1pPr algn="l">
+              <a:defRPr sz="4400" b="0" cap="none"/>
+            </a:lvl1pPr>
+          </a:lstStyle>
+          <a:p>
+            <a:r>
+              <a:rPr lang="en-US"/>
+              <a:t>Click to edit Master title style</a:t>
+            </a:r>
+            <a:endParaRPr lang="en-US" dirty="0"/>
+          </a:p>
+        </p:txBody>
+      </p:sp>
+      <p:sp>
+        <p:nvSpPr>
+          <p:cNvPr id="23" name="Text Placeholder 9"/>
+          <p:cNvSpPr>
+            <a:spLocks noGrp="1"/>
+          </p:cNvSpPr>
+          <p:nvPr>
+            <p:ph type="body" sz="quarter" idx="13"/>
+          </p:nvPr>
+        </p:nvSpPr>
+        <p:spPr>
+          <a:xfrm>
+            <a:off x="677332" y="4013200"/>
+            <a:ext cx="8596669" cy="514248"/>
+          </a:xfrm>
+        </p:spPr>
+        <p:txBody>
+          <a:bodyPr anchor="b">
+            <a:noAutofit/>
+          </a:bodyPr>
+          <a:lstStyle>
+            <a:lvl1pPr marL="0" indent="0">
+              <a:buFontTx/>
+              <a:buNone/>
+              <a:defRPr sz="2400">
+                <a:solidFill>
+                  <a:schemeClr val="tx1">
+                    <a:lumMod val="75000"/>
+                    <a:lumOff val="25000"/>
+                  </a:schemeClr>
+                </a:solidFill>
+              </a:defRPr>
+            </a:lvl1pPr>
+            <a:lvl2pPr marL="457200" indent="0">
+              <a:buFontTx/>
+              <a:buNone/>
+              <a:defRPr/>
+            </a:lvl2pPr>
+            <a:lvl3pPr marL="914400" indent="0">
+              <a:buFontTx/>
+              <a:buNone/>
+              <a:defRPr/>
+            </a:lvl3pPr>
+            <a:lvl4pPr marL="1371600" indent="0">
+              <a:buFontTx/>
+              <a:buNone/>
+              <a:defRPr/>
+            </a:lvl4pPr>
+            <a:lvl5pPr marL="1828800" indent="0">
+              <a:buFontTx/>
+              <a:buNone/>
+              <a:defRPr/>
+            </a:lvl5pPr>
+          </a:lstStyle>
+          <a:p>
+            <a:pPr lvl="0"/>
+            <a:r>
+              <a:rPr lang="en-US"/>
+              <a:t>Click to edit Master text styles</a:t>
+            </a:r>
+          </a:p>
+        </p:txBody>
+      </p:sp>
+      <p:sp>
+        <p:nvSpPr>
+          <p:cNvPr id="3" name="Text Placeholder 2"/>
+          <p:cNvSpPr>
+            <a:spLocks noGrp="1"/>
+          </p:cNvSpPr>
+          <p:nvPr>
+            <p:ph type="body" idx="1"/>
+          </p:nvPr>
+        </p:nvSpPr>
+        <p:spPr>
+          <a:xfrm>
+            <a:off x="677335" y="4527448"/>
+            <a:ext cx="8596668" cy="1513914"/>
+          </a:xfrm>
+        </p:spPr>
+        <p:txBody>
+          <a:bodyPr anchor="t">
+            <a:normAutofit/>
+          </a:bodyPr>
+          <a:lstStyle>
+            <a:lvl1pPr marL="0" indent="0" algn="l">
+              <a:buNone/>
+              <a:defRPr sz="1800">
+                <a:solidFill>
+                  <a:schemeClr val="tx1">
+                    <a:lumMod val="50000"/>
+                    <a:lumOff val="50000"/>
+                  </a:schemeClr>
+                </a:solidFill>
+              </a:defRPr>
+            </a:lvl1pPr>
+            <a:lvl2pPr marL="457200" indent="0">
+              <a:buNone/>
+              <a:defRPr sz="1800">
+                <a:solidFill>
+                  <a:schemeClr val="tx1">
+                    <a:tint val="75000"/>
+                  </a:schemeClr>
+                </a:solidFill>
+              </a:defRPr>
+            </a:lvl2pPr>
+            <a:lvl3pPr marL="914400" indent="0">
+              <a:buNone/>
+              <a:defRPr sz="1600">
+                <a:solidFill>
+                  <a:schemeClr val="tx1">
+                    <a:tint val="75000"/>
+                  </a:schemeClr>
+                </a:solidFill>
+              </a:defRPr>
+            </a:lvl3pPr>
+            <a:lvl4pPr marL="1371600" indent="0">
+              <a:buNone/>
+              <a:defRPr sz="1400">
+                <a:solidFill>
+                  <a:schemeClr val="tx1">
+                    <a:tint val="75000"/>
+                  </a:schemeClr>
+                </a:solidFill>
+              </a:defRPr>
+            </a:lvl4pPr>
+            <a:lvl5pPr marL="1828800" indent="0">
+              <a:buNone/>
+              <a:defRPr sz="1400">
+                <a:solidFill>
+                  <a:schemeClr val="tx1">
+                    <a:tint val="75000"/>
+                  </a:schemeClr>
+                </a:solidFill>
+              </a:defRPr>
+            </a:lvl5pPr>
+            <a:lvl6pPr marL="2286000" indent="0">
+              <a:buNone/>
+              <a:defRPr sz="1400">
+                <a:solidFill>
+                  <a:schemeClr val="tx1">
+                    <a:tint val="75000"/>
+                  </a:schemeClr>
+                </a:solidFill>
+              </a:defRPr>
+            </a:lvl6pPr>
+            <a:lvl7pPr marL="2743200" indent="0">
+              <a:buNone/>
+              <a:defRPr sz="1400">
+                <a:solidFill>
+                  <a:schemeClr val="tx1">
+                    <a:tint val="75000"/>
+                  </a:schemeClr>
+                </a:solidFill>
+              </a:defRPr>
+            </a:lvl7pPr>
+            <a:lvl8pPr marL="3200400" indent="0">
+              <a:buNone/>
+              <a:defRPr sz="1400">
+                <a:solidFill>
+                  <a:schemeClr val="tx1">
+                    <a:tint val="75000"/>
+                  </a:schemeClr>
+                </a:solidFill>
+              </a:defRPr>
+            </a:lvl8pPr>
+            <a:lvl9pPr marL="3657600" indent="0">
+              <a:buNone/>
+              <a:defRPr sz="1400">
+                <a:solidFill>
+                  <a:schemeClr val="tx1">
+                    <a:tint val="75000"/>
+                  </a:schemeClr>
+                </a:solidFill>
+              </a:defRPr>
+            </a:lvl9pPr>
+          </a:lstStyle>
+          <a:p>
+            <a:pPr lvl="0"/>
+            <a:r>
+              <a:rPr lang="en-US"/>
+              <a:t>Click to edit Master text styles</a:t>
+            </a:r>
+          </a:p>
+        </p:txBody>
+      </p:sp>
+      <p:sp>
+        <p:nvSpPr>
+          <p:cNvPr id="4" name="Date Placeholder 3"/>
+          <p:cNvSpPr>
+            <a:spLocks noGrp="1"/>
+          </p:cNvSpPr>
+          <p:nvPr>
+            <p:ph type="dt" sz="half" idx="10"/>
+          </p:nvPr>
+        </p:nvSpPr>
+        <p:spPr/>
+        <p:txBody>
+          <a:bodyPr/>
+          <a:lstStyle/>
+          <a:p>
+            <a:fld id="{3B054455-14A8-45A6-99AA-9A7708B07C1A}" type="datetimeFigureOut">
+              <a:rPr lang="en-US" smtClean="0"/>
+              <a:t>5/1/2022</a:t>
+            </a:fld>
+            <a:endParaRPr lang="en-US"/>
+          </a:p>
+        </p:txBody>
+      </p:sp>
+      <p:sp>
+        <p:nvSpPr>
+          <p:cNvPr id="5" name="Footer Placeholder 4"/>
+          <p:cNvSpPr>
+            <a:spLocks noGrp="1"/>
+          </p:cNvSpPr>
+          <p:nvPr>
+            <p:ph type="ftr" sz="quarter" idx="11"/>
+          </p:nvPr>
+        </p:nvSpPr>
+        <p:spPr/>
+        <p:txBody>
+          <a:bodyPr/>
+          <a:lstStyle/>
+          <a:p>
+            <a:endParaRPr lang="en-US"/>
+          </a:p>
+        </p:txBody>
+      </p:sp>
+      <p:sp>
+        <p:nvSpPr>
+          <p:cNvPr id="6" name="Slide Number Placeholder 5"/>
+          <p:cNvSpPr>
+            <a:spLocks noGrp="1"/>
+          </p:cNvSpPr>
+          <p:nvPr>
+            <p:ph type="sldNum" sz="quarter" idx="12"/>
+          </p:nvPr>
+        </p:nvSpPr>
+        <p:spPr/>
+        <p:txBody>
+          <a:bodyPr/>
+          <a:lstStyle/>
+          <a:p>
+            <a:fld id="{3F66AB95-4FF6-451C-BB43-E163F9018550}" type="slidenum">
+              <a:rPr lang="en-US" smtClean="0"/>
+              <a:t>‹#›</a:t>
+            </a:fld>
+            <a:endParaRPr lang="en-US"/>
+          </a:p>
+        </p:txBody>
+      </p:sp>
+      <p:sp>
+        <p:nvSpPr>
+          <p:cNvPr id="24" name="TextBox 23"/>
+          <p:cNvSpPr txBox="1"/>
+          <p:nvPr/>
+        </p:nvSpPr>
+        <p:spPr>
+          <a:xfrm>
+            <a:off x="541870" y="790378"/>
+            <a:ext cx="609600" cy="584776"/>
+          </a:xfrm>
+          <a:prstGeom prst="rect">
+            <a:avLst/>
+          </a:prstGeom>
+        </p:spPr>
+        <p:txBody>
+          <a:bodyPr vert="horz" lIns="91440" tIns="45720" rIns="91440" bIns="45720" rtlCol="0" anchor="ctr">
+            <a:noAutofit/>
+          </a:bodyPr>
+          <a:lstStyle/>
+          <a:p>
+            <a:pPr lvl="0"/>
+            <a:r>
+              <a:rPr lang="en-US" sz="8000" baseline="0" dirty="0">
+                <a:ln w="3175" cmpd="sng">
+                  <a:noFill/>
+                </a:ln>
+                <a:solidFill>
+                  <a:schemeClr val="accent1">
+                    <a:lumMod val="60000"/>
+                    <a:lumOff val="40000"/>
+                  </a:schemeClr>
+                </a:solidFill>
+                <a:effectLst/>
+                <a:latin typeface="Arial"/>
+              </a:rPr>
+              <a:t>“</a:t>
+            </a:r>
+          </a:p>
+        </p:txBody>
+      </p:sp>
+      <p:sp>
+        <p:nvSpPr>
+          <p:cNvPr id="25" name="TextBox 24"/>
+          <p:cNvSpPr txBox="1"/>
+          <p:nvPr/>
+        </p:nvSpPr>
+        <p:spPr>
+          <a:xfrm>
+            <a:off x="8893011" y="2886556"/>
+            <a:ext cx="609600" cy="584776"/>
+          </a:xfrm>
+          <a:prstGeom prst="rect">
+            <a:avLst/>
+          </a:prstGeom>
+        </p:spPr>
+        <p:txBody>
+          <a:bodyPr vert="horz" lIns="91440" tIns="45720" rIns="91440" bIns="45720" rtlCol="0" anchor="ctr">
+            <a:noAutofit/>
+          </a:bodyPr>
+          <a:lstStyle/>
+          <a:p>
+            <a:pPr lvl="0"/>
+            <a:r>
+              <a:rPr lang="en-US" sz="8000" baseline="0" dirty="0">
+                <a:ln w="3175" cmpd="sng">
+                  <a:noFill/>
+                </a:ln>
+                <a:solidFill>
+                  <a:schemeClr val="accent1">
+                    <a:lumMod val="60000"/>
+                    <a:lumOff val="40000"/>
+                  </a:schemeClr>
+                </a:solidFill>
+                <a:effectLst/>
+                <a:latin typeface="Arial"/>
+              </a:rPr>
+              <a:t>”</a:t>
+            </a:r>
+          </a:p>
+        </p:txBody>
+      </p:sp>
+    </p:spTree>
+    <p:extLst>
+      <p:ext uri="{BB962C8B-B14F-4D97-AF65-F5344CB8AC3E}">
+        <p14:creationId xmlns:p14="http://schemas.microsoft.com/office/powerpoint/2010/main" val="3845146297"/>
+      </p:ext>
+    </p:extLst>
+  </p:cSld>
+  <p:clrMapOvr>
+    <a:masterClrMapping/>
+  </p:clrMapOvr>
+</p:sldLayout>
+</file>
+
+<file path=ppt/slideLayouts/slideLayout14.xml><?xml version="1.0" encoding="utf-8"?>
+<p:sldLayout xmlns:a="http://schemas.openxmlformats.org/drawingml/2006/main" xmlns:r="http://schemas.openxmlformats.org/officeDocument/2006/relationships" xmlns:p="http://schemas.openxmlformats.org/presentationml/2006/main" preserve="1">
+  <p:cSld name="True or False">
+    <p:spTree>
+      <p:nvGrpSpPr>
+        <p:cNvPr id="1" name=""/>
+        <p:cNvGrpSpPr/>
+        <p:nvPr/>
+      </p:nvGrpSpPr>
+      <p:grpSpPr>
+        <a:xfrm>
+          <a:off x="0" y="0"/>
+          <a:ext cx="0" cy="0"/>
+          <a:chOff x="0" y="0"/>
+          <a:chExt cx="0" cy="0"/>
+        </a:xfrm>
+      </p:grpSpPr>
+      <p:sp>
+        <p:nvSpPr>
+          <p:cNvPr id="2" name="Title 1"/>
+          <p:cNvSpPr>
+            <a:spLocks noGrp="1"/>
+          </p:cNvSpPr>
+          <p:nvPr>
+            <p:ph type="title"/>
+          </p:nvPr>
+        </p:nvSpPr>
+        <p:spPr>
+          <a:xfrm>
+            <a:off x="685799" y="609600"/>
+            <a:ext cx="8588203" cy="3022600"/>
+          </a:xfrm>
+        </p:spPr>
+        <p:txBody>
+          <a:bodyPr anchor="ctr">
+            <a:normAutofit/>
+          </a:bodyPr>
+          <a:lstStyle>
+            <a:lvl1pPr algn="l">
+              <a:defRPr sz="4400" b="0" cap="none"/>
+            </a:lvl1pPr>
+          </a:lstStyle>
+          <a:p>
+            <a:r>
+              <a:rPr lang="en-US"/>
+              <a:t>Click to edit Master title style</a:t>
+            </a:r>
+            <a:endParaRPr lang="en-US" dirty="0"/>
+          </a:p>
+        </p:txBody>
+      </p:sp>
+      <p:sp>
+        <p:nvSpPr>
+          <p:cNvPr id="23" name="Text Placeholder 9"/>
+          <p:cNvSpPr>
+            <a:spLocks noGrp="1"/>
+          </p:cNvSpPr>
+          <p:nvPr>
+            <p:ph type="body" sz="quarter" idx="13"/>
+          </p:nvPr>
+        </p:nvSpPr>
+        <p:spPr>
+          <a:xfrm>
+            <a:off x="677332" y="4013200"/>
+            <a:ext cx="8596669" cy="514248"/>
+          </a:xfrm>
+        </p:spPr>
+        <p:txBody>
+          <a:bodyPr anchor="b">
+            <a:noAutofit/>
+          </a:bodyPr>
+          <a:lstStyle>
+            <a:lvl1pPr marL="0" indent="0">
+              <a:buFontTx/>
+              <a:buNone/>
+              <a:defRPr sz="2400">
+                <a:solidFill>
+                  <a:schemeClr val="accent1"/>
+                </a:solidFill>
+              </a:defRPr>
+            </a:lvl1pPr>
+            <a:lvl2pPr marL="457200" indent="0">
+              <a:buFontTx/>
+              <a:buNone/>
+              <a:defRPr/>
+            </a:lvl2pPr>
+            <a:lvl3pPr marL="914400" indent="0">
+              <a:buFontTx/>
+              <a:buNone/>
+              <a:defRPr/>
+            </a:lvl3pPr>
+            <a:lvl4pPr marL="1371600" indent="0">
+              <a:buFontTx/>
+              <a:buNone/>
+              <a:defRPr/>
+            </a:lvl4pPr>
+            <a:lvl5pPr marL="1828800" indent="0">
+              <a:buFontTx/>
+              <a:buNone/>
+              <a:defRPr/>
+            </a:lvl5pPr>
+          </a:lstStyle>
+          <a:p>
+            <a:pPr lvl="0"/>
+            <a:r>
+              <a:rPr lang="en-US"/>
+              <a:t>Click to edit Master text styles</a:t>
+            </a:r>
+          </a:p>
+        </p:txBody>
+      </p:sp>
+      <p:sp>
+        <p:nvSpPr>
+          <p:cNvPr id="3" name="Text Placeholder 2"/>
+          <p:cNvSpPr>
+            <a:spLocks noGrp="1"/>
+          </p:cNvSpPr>
+          <p:nvPr>
+            <p:ph type="body" idx="1"/>
+          </p:nvPr>
+        </p:nvSpPr>
+        <p:spPr>
+          <a:xfrm>
+            <a:off x="677335" y="4527448"/>
+            <a:ext cx="8596668" cy="1513914"/>
+          </a:xfrm>
+        </p:spPr>
+        <p:txBody>
+          <a:bodyPr anchor="t">
+            <a:normAutofit/>
+          </a:bodyPr>
+          <a:lstStyle>
+            <a:lvl1pPr marL="0" indent="0" algn="l">
+              <a:buNone/>
+              <a:defRPr sz="1800">
+                <a:solidFill>
+                  <a:schemeClr val="tx1">
+                    <a:lumMod val="50000"/>
+                    <a:lumOff val="50000"/>
+                  </a:schemeClr>
+                </a:solidFill>
+              </a:defRPr>
+            </a:lvl1pPr>
+            <a:lvl2pPr marL="457200" indent="0">
+              <a:buNone/>
+              <a:defRPr sz="1800">
+                <a:solidFill>
+                  <a:schemeClr val="tx1">
+                    <a:tint val="75000"/>
+                  </a:schemeClr>
+                </a:solidFill>
+              </a:defRPr>
+            </a:lvl2pPr>
+            <a:lvl3pPr marL="914400" indent="0">
+              <a:buNone/>
+              <a:defRPr sz="1600">
+                <a:solidFill>
+                  <a:schemeClr val="tx1">
+                    <a:tint val="75000"/>
+                  </a:schemeClr>
+                </a:solidFill>
+              </a:defRPr>
+            </a:lvl3pPr>
+            <a:lvl4pPr marL="1371600" indent="0">
+              <a:buNone/>
+              <a:defRPr sz="1400">
+                <a:solidFill>
+                  <a:schemeClr val="tx1">
+                    <a:tint val="75000"/>
+                  </a:schemeClr>
+                </a:solidFill>
+              </a:defRPr>
+            </a:lvl4pPr>
+            <a:lvl5pPr marL="1828800" indent="0">
+              <a:buNone/>
+              <a:defRPr sz="1400">
+                <a:solidFill>
+                  <a:schemeClr val="tx1">
+                    <a:tint val="75000"/>
+                  </a:schemeClr>
+                </a:solidFill>
+              </a:defRPr>
+            </a:lvl5pPr>
+            <a:lvl6pPr marL="2286000" indent="0">
+              <a:buNone/>
+              <a:defRPr sz="1400">
+                <a:solidFill>
+                  <a:schemeClr val="tx1">
+                    <a:tint val="75000"/>
+                  </a:schemeClr>
+                </a:solidFill>
+              </a:defRPr>
+            </a:lvl6pPr>
+            <a:lvl7pPr marL="2743200" indent="0">
+              <a:buNone/>
+              <a:defRPr sz="1400">
+                <a:solidFill>
+                  <a:schemeClr val="tx1">
+                    <a:tint val="75000"/>
+                  </a:schemeClr>
+                </a:solidFill>
+              </a:defRPr>
+            </a:lvl7pPr>
+            <a:lvl8pPr marL="3200400" indent="0">
+              <a:buNone/>
+              <a:defRPr sz="1400">
+                <a:solidFill>
+                  <a:schemeClr val="tx1">
+                    <a:tint val="75000"/>
+                  </a:schemeClr>
+                </a:solidFill>
+              </a:defRPr>
+            </a:lvl8pPr>
+            <a:lvl9pPr marL="3657600" indent="0">
+              <a:buNone/>
+              <a:defRPr sz="1400">
+                <a:solidFill>
+                  <a:schemeClr val="tx1">
+                    <a:tint val="75000"/>
+                  </a:schemeClr>
+                </a:solidFill>
+              </a:defRPr>
+            </a:lvl9pPr>
+          </a:lstStyle>
+          <a:p>
+            <a:pPr lvl="0"/>
+            <a:r>
+              <a:rPr lang="en-US"/>
+              <a:t>Click to edit Master text styles</a:t>
+            </a:r>
+          </a:p>
+        </p:txBody>
+      </p:sp>
+      <p:sp>
+        <p:nvSpPr>
+          <p:cNvPr id="4" name="Date Placeholder 3"/>
+          <p:cNvSpPr>
+            <a:spLocks noGrp="1"/>
+          </p:cNvSpPr>
+          <p:nvPr>
+            <p:ph type="dt" sz="half" idx="10"/>
+          </p:nvPr>
+        </p:nvSpPr>
+        <p:spPr/>
+        <p:txBody>
+          <a:bodyPr/>
+          <a:lstStyle/>
+          <a:p>
+            <a:fld id="{3B054455-14A8-45A6-99AA-9A7708B07C1A}" type="datetimeFigureOut">
+              <a:rPr lang="en-US" smtClean="0"/>
+              <a:t>5/1/2022</a:t>
+            </a:fld>
+            <a:endParaRPr lang="en-US"/>
+          </a:p>
+        </p:txBody>
+      </p:sp>
+      <p:sp>
+        <p:nvSpPr>
+          <p:cNvPr id="5" name="Footer Placeholder 4"/>
+          <p:cNvSpPr>
+            <a:spLocks noGrp="1"/>
+          </p:cNvSpPr>
+          <p:nvPr>
+            <p:ph type="ftr" sz="quarter" idx="11"/>
+          </p:nvPr>
+        </p:nvSpPr>
+        <p:spPr/>
+        <p:txBody>
+          <a:bodyPr/>
+          <a:lstStyle/>
+          <a:p>
+            <a:endParaRPr lang="en-US"/>
+          </a:p>
+        </p:txBody>
+      </p:sp>
+      <p:sp>
+        <p:nvSpPr>
+          <p:cNvPr id="6" name="Slide Number Placeholder 5"/>
+          <p:cNvSpPr>
+            <a:spLocks noGrp="1"/>
+          </p:cNvSpPr>
+          <p:nvPr>
+            <p:ph type="sldNum" sz="quarter" idx="12"/>
+          </p:nvPr>
+        </p:nvSpPr>
+        <p:spPr/>
+        <p:txBody>
+          <a:bodyPr/>
+          <a:lstStyle/>
+          <a:p>
+            <a:fld id="{3F66AB95-4FF6-451C-BB43-E163F9018550}" type="slidenum">
+              <a:rPr lang="en-US" smtClean="0"/>
+              <a:t>‹#›</a:t>
+            </a:fld>
+            <a:endParaRPr lang="en-US"/>
+          </a:p>
+        </p:txBody>
+      </p:sp>
+    </p:spTree>
+    <p:extLst>
+      <p:ext uri="{BB962C8B-B14F-4D97-AF65-F5344CB8AC3E}">
+        <p14:creationId xmlns:p14="http://schemas.microsoft.com/office/powerpoint/2010/main" val="822826144"/>
+      </p:ext>
+    </p:extLst>
+  </p:cSld>
+  <p:clrMapOvr>
+    <a:masterClrMapping/>
+  </p:clrMapOvr>
+</p:sldLayout>
+</file>
+
+<file path=ppt/slideLayouts/slideLayout15.xml><?xml version="1.0" encoding="utf-8"?>
 <p:sldLayout xmlns:a="http://schemas.openxmlformats.org/drawingml/2006/main" xmlns:r="http://schemas.openxmlformats.org/officeDocument/2006/relationships" xmlns:p="http://schemas.openxmlformats.org/presentationml/2006/main" type="vertTx" preserve="1">
   <p:cSld name="Title and Vertical Text">
     <p:spTree>
@@ -346,13 +3695,7 @@
       </p:grpSpPr>
       <p:sp>
         <p:nvSpPr>
-          <p:cNvPr id="2" name="Title 1">
-            <a:extLst>
-              <a:ext uri="{FF2B5EF4-FFF2-40B4-BE49-F238E27FC236}">
-                <a16:creationId xmlns:a16="http://schemas.microsoft.com/office/drawing/2014/main" id="{84B45ED1-4AF9-4568-A29C-AE507F4FFA7A}"/>
-              </a:ext>
-            </a:extLst>
-          </p:cNvPr>
+          <p:cNvPr id="2" name="Title 1"/>
           <p:cNvSpPr>
             <a:spLocks noGrp="1"/>
           </p:cNvSpPr>
@@ -369,18 +3712,13 @@
               <a:rPr lang="en-US"/>
               <a:t>Click to edit Master title style</a:t>
             </a:r>
-          </a:p>
-        </p:txBody>
-      </p:sp>
-      <p:sp>
-        <p:nvSpPr>
-          <p:cNvPr id="3" name="Vertical Text Placeholder 2">
-            <a:extLst>
-              <a:ext uri="{FF2B5EF4-FFF2-40B4-BE49-F238E27FC236}">
-                <a16:creationId xmlns:a16="http://schemas.microsoft.com/office/drawing/2014/main" id="{056AC617-B9C2-4689-9C46-DAC732B1CA13}"/>
-              </a:ext>
-            </a:extLst>
-          </p:cNvPr>
+            <a:endParaRPr lang="en-US" dirty="0"/>
+          </a:p>
+        </p:txBody>
+      </p:sp>
+      <p:sp>
+        <p:nvSpPr>
+          <p:cNvPr id="3" name="Vertical Text Placeholder 2"/>
           <p:cNvSpPr>
             <a:spLocks noGrp="1"/>
           </p:cNvSpPr>
@@ -426,18 +3764,13 @@
               <a:rPr lang="en-US"/>
               <a:t>Fifth level</a:t>
             </a:r>
-          </a:p>
-        </p:txBody>
-      </p:sp>
-      <p:sp>
-        <p:nvSpPr>
-          <p:cNvPr id="4" name="Date Placeholder 3">
-            <a:extLst>
-              <a:ext uri="{FF2B5EF4-FFF2-40B4-BE49-F238E27FC236}">
-                <a16:creationId xmlns:a16="http://schemas.microsoft.com/office/drawing/2014/main" id="{8600F1B9-48FA-49AD-99FA-E9504AB6D203}"/>
-              </a:ext>
-            </a:extLst>
-          </p:cNvPr>
+            <a:endParaRPr lang="en-US" dirty="0"/>
+          </a:p>
+        </p:txBody>
+      </p:sp>
+      <p:sp>
+        <p:nvSpPr>
+          <p:cNvPr id="4" name="Date Placeholder 3"/>
           <p:cNvSpPr>
             <a:spLocks noGrp="1"/>
           </p:cNvSpPr>
@@ -452,7 +3785,7 @@
           <a:p>
             <a:fld id="{3B054455-14A8-45A6-99AA-9A7708B07C1A}" type="datetimeFigureOut">
               <a:rPr lang="en-US" smtClean="0"/>
-              <a:t>4/25/2022</a:t>
+              <a:t>5/1/2022</a:t>
             </a:fld>
             <a:endParaRPr lang="en-US"/>
           </a:p>
@@ -460,13 +3793,7 @@
       </p:sp>
       <p:sp>
         <p:nvSpPr>
-          <p:cNvPr id="5" name="Footer Placeholder 4">
-            <a:extLst>
-              <a:ext uri="{FF2B5EF4-FFF2-40B4-BE49-F238E27FC236}">
-                <a16:creationId xmlns:a16="http://schemas.microsoft.com/office/drawing/2014/main" id="{EB86B771-6CBC-49B7-9C8C-5CA58453A21E}"/>
-              </a:ext>
-            </a:extLst>
-          </p:cNvPr>
+          <p:cNvPr id="5" name="Footer Placeholder 4"/>
           <p:cNvSpPr>
             <a:spLocks noGrp="1"/>
           </p:cNvSpPr>
@@ -485,13 +3812,7 @@
       </p:sp>
       <p:sp>
         <p:nvSpPr>
-          <p:cNvPr id="6" name="Slide Number Placeholder 5">
-            <a:extLst>
-              <a:ext uri="{FF2B5EF4-FFF2-40B4-BE49-F238E27FC236}">
-                <a16:creationId xmlns:a16="http://schemas.microsoft.com/office/drawing/2014/main" id="{37F11EB4-B126-4BD4-B94E-645EDF80DA03}"/>
-              </a:ext>
-            </a:extLst>
-          </p:cNvPr>
+          <p:cNvPr id="6" name="Slide Number Placeholder 5"/>
           <p:cNvSpPr>
             <a:spLocks noGrp="1"/>
           </p:cNvSpPr>
@@ -515,7 +3836,7 @@
     </p:spTree>
     <p:extLst>
       <p:ext uri="{BB962C8B-B14F-4D97-AF65-F5344CB8AC3E}">
-        <p14:creationId xmlns:p14="http://schemas.microsoft.com/office/powerpoint/2010/main" val="3033434437"/>
+        <p14:creationId xmlns:p14="http://schemas.microsoft.com/office/powerpoint/2010/main" val="3011009428"/>
       </p:ext>
     </p:extLst>
   </p:cSld>
@@ -525,7 +3846,7 @@
 </p:sldLayout>
 </file>
 
-<file path=ppt/slideLayouts/slideLayout11.xml><?xml version="1.0" encoding="utf-8"?>
+<file path=ppt/slideLayouts/slideLayout16.xml><?xml version="1.0" encoding="utf-8"?>
 <p:sldLayout xmlns:a="http://schemas.openxmlformats.org/drawingml/2006/main" xmlns:r="http://schemas.openxmlformats.org/officeDocument/2006/relationships" xmlns:p="http://schemas.openxmlformats.org/presentationml/2006/main" type="vertTitleAndTx" preserve="1">
   <p:cSld name="Vertical Title and Text">
     <p:spTree>
@@ -544,13 +3865,7 @@
       </p:grpSpPr>
       <p:sp>
         <p:nvSpPr>
-          <p:cNvPr id="2" name="Vertical Title 1">
-            <a:extLst>
-              <a:ext uri="{FF2B5EF4-FFF2-40B4-BE49-F238E27FC236}">
-                <a16:creationId xmlns:a16="http://schemas.microsoft.com/office/drawing/2014/main" id="{36CD164A-C653-4256-8832-0E5ACA309AE6}"/>
-              </a:ext>
-            </a:extLst>
-          </p:cNvPr>
+          <p:cNvPr id="2" name="Vertical Title 1"/>
           <p:cNvSpPr>
             <a:spLocks noGrp="1"/>
           </p:cNvSpPr>
@@ -560,47 +3875,42 @@
         </p:nvSpPr>
         <p:spPr>
           <a:xfrm>
-            <a:off x="8724900" y="365125"/>
-            <a:ext cx="2628900" cy="5811838"/>
+            <a:off x="7967673" y="609599"/>
+            <a:ext cx="1304743" cy="5251451"/>
           </a:xfrm>
         </p:spPr>
         <p:txBody>
+          <a:bodyPr vert="eaVert" anchor="ctr"/>
+          <a:lstStyle/>
+          <a:p>
+            <a:r>
+              <a:rPr lang="en-US"/>
+              <a:t>Click to edit Master title style</a:t>
+            </a:r>
+            <a:endParaRPr lang="en-US" dirty="0"/>
+          </a:p>
+        </p:txBody>
+      </p:sp>
+      <p:sp>
+        <p:nvSpPr>
+          <p:cNvPr id="3" name="Vertical Text Placeholder 2"/>
+          <p:cNvSpPr>
+            <a:spLocks noGrp="1"/>
+          </p:cNvSpPr>
+          <p:nvPr>
+            <p:ph type="body" orient="vert" idx="1"/>
+          </p:nvPr>
+        </p:nvSpPr>
+        <p:spPr>
+          <a:xfrm>
+            <a:off x="677335" y="609600"/>
+            <a:ext cx="7060150" cy="5251450"/>
+          </a:xfrm>
+        </p:spPr>
+        <p:txBody>
           <a:bodyPr vert="eaVert"/>
           <a:lstStyle/>
           <a:p>
-            <a:r>
-              <a:rPr lang="en-US"/>
-              <a:t>Click to edit Master title style</a:t>
-            </a:r>
-          </a:p>
-        </p:txBody>
-      </p:sp>
-      <p:sp>
-        <p:nvSpPr>
-          <p:cNvPr id="3" name="Vertical Text Placeholder 2">
-            <a:extLst>
-              <a:ext uri="{FF2B5EF4-FFF2-40B4-BE49-F238E27FC236}">
-                <a16:creationId xmlns:a16="http://schemas.microsoft.com/office/drawing/2014/main" id="{A8BBC280-476F-47CA-87FB-29592D9E5EC1}"/>
-              </a:ext>
-            </a:extLst>
-          </p:cNvPr>
-          <p:cNvSpPr>
-            <a:spLocks noGrp="1"/>
-          </p:cNvSpPr>
-          <p:nvPr>
-            <p:ph type="body" orient="vert" idx="1"/>
-          </p:nvPr>
-        </p:nvSpPr>
-        <p:spPr>
-          <a:xfrm>
-            <a:off x="838200" y="365125"/>
-            <a:ext cx="7734300" cy="5811838"/>
-          </a:xfrm>
-        </p:spPr>
-        <p:txBody>
-          <a:bodyPr vert="eaVert"/>
-          <a:lstStyle/>
-          <a:p>
             <a:pPr lvl="0"/>
             <a:r>
               <a:rPr lang="en-US"/>
@@ -634,18 +3944,13 @@
               <a:rPr lang="en-US"/>
               <a:t>Fifth level</a:t>
             </a:r>
-          </a:p>
-        </p:txBody>
-      </p:sp>
-      <p:sp>
-        <p:nvSpPr>
-          <p:cNvPr id="4" name="Date Placeholder 3">
-            <a:extLst>
-              <a:ext uri="{FF2B5EF4-FFF2-40B4-BE49-F238E27FC236}">
-                <a16:creationId xmlns:a16="http://schemas.microsoft.com/office/drawing/2014/main" id="{AD82E0BB-6F58-4D91-9859-587BFB1FE282}"/>
-              </a:ext>
-            </a:extLst>
-          </p:cNvPr>
+            <a:endParaRPr lang="en-US" dirty="0"/>
+          </a:p>
+        </p:txBody>
+      </p:sp>
+      <p:sp>
+        <p:nvSpPr>
+          <p:cNvPr id="4" name="Date Placeholder 3"/>
           <p:cNvSpPr>
             <a:spLocks noGrp="1"/>
           </p:cNvSpPr>
@@ -660,7 +3965,7 @@
           <a:p>
             <a:fld id="{3B054455-14A8-45A6-99AA-9A7708B07C1A}" type="datetimeFigureOut">
               <a:rPr lang="en-US" smtClean="0"/>
-              <a:t>4/25/2022</a:t>
+              <a:t>5/1/2022</a:t>
             </a:fld>
             <a:endParaRPr lang="en-US"/>
           </a:p>
@@ -668,13 +3973,7 @@
       </p:sp>
       <p:sp>
         <p:nvSpPr>
-          <p:cNvPr id="5" name="Footer Placeholder 4">
-            <a:extLst>
-              <a:ext uri="{FF2B5EF4-FFF2-40B4-BE49-F238E27FC236}">
-                <a16:creationId xmlns:a16="http://schemas.microsoft.com/office/drawing/2014/main" id="{04E8EF33-C5B8-4A40-8783-1F87CF030459}"/>
-              </a:ext>
-            </a:extLst>
-          </p:cNvPr>
+          <p:cNvPr id="5" name="Footer Placeholder 4"/>
           <p:cNvSpPr>
             <a:spLocks noGrp="1"/>
           </p:cNvSpPr>
@@ -693,13 +3992,7 @@
       </p:sp>
       <p:sp>
         <p:nvSpPr>
-          <p:cNvPr id="6" name="Slide Number Placeholder 5">
-            <a:extLst>
-              <a:ext uri="{FF2B5EF4-FFF2-40B4-BE49-F238E27FC236}">
-                <a16:creationId xmlns:a16="http://schemas.microsoft.com/office/drawing/2014/main" id="{FE292242-0CDA-449B-8B49-F5651E455A78}"/>
-              </a:ext>
-            </a:extLst>
-          </p:cNvPr>
+          <p:cNvPr id="6" name="Slide Number Placeholder 5"/>
           <p:cNvSpPr>
             <a:spLocks noGrp="1"/>
           </p:cNvSpPr>
@@ -723,7 +4016,7 @@
     </p:spTree>
     <p:extLst>
       <p:ext uri="{BB962C8B-B14F-4D97-AF65-F5344CB8AC3E}">
-        <p14:creationId xmlns:p14="http://schemas.microsoft.com/office/powerpoint/2010/main" val="2995261685"/>
+        <p14:creationId xmlns:p14="http://schemas.microsoft.com/office/powerpoint/2010/main" val="1771997932"/>
       </p:ext>
     </p:extLst>
   </p:cSld>
@@ -752,18 +4045,41 @@
       </p:grpSpPr>
       <p:sp>
         <p:nvSpPr>
-          <p:cNvPr id="2" name="Title 1">
-            <a:extLst>
-              <a:ext uri="{FF2B5EF4-FFF2-40B4-BE49-F238E27FC236}">
-                <a16:creationId xmlns:a16="http://schemas.microsoft.com/office/drawing/2014/main" id="{0B726925-EA73-4E6E-B10F-B7EFD8AE021B}"/>
-              </a:ext>
-            </a:extLst>
-          </p:cNvPr>
+          <p:cNvPr id="2" name="Title 1"/>
           <p:cNvSpPr>
             <a:spLocks noGrp="1"/>
           </p:cNvSpPr>
           <p:nvPr>
             <p:ph type="title"/>
+          </p:nvPr>
+        </p:nvSpPr>
+        <p:spPr/>
+        <p:txBody>
+          <a:bodyPr>
+            <a:normAutofit/>
+          </a:bodyPr>
+          <a:lstStyle>
+            <a:lvl1pPr>
+              <a:defRPr sz="3600"/>
+            </a:lvl1pPr>
+          </a:lstStyle>
+          <a:p>
+            <a:r>
+              <a:rPr lang="en-US"/>
+              <a:t>Click to edit Master title style</a:t>
+            </a:r>
+            <a:endParaRPr lang="en-US" dirty="0"/>
+          </a:p>
+        </p:txBody>
+      </p:sp>
+      <p:sp>
+        <p:nvSpPr>
+          <p:cNvPr id="3" name="Content Placeholder 2"/>
+          <p:cNvSpPr>
+            <a:spLocks noGrp="1"/>
+          </p:cNvSpPr>
+          <p:nvPr>
+            <p:ph idx="1"/>
           </p:nvPr>
         </p:nvSpPr>
         <p:spPr/>
@@ -771,27 +4087,51 @@
           <a:bodyPr/>
           <a:lstStyle/>
           <a:p>
+            <a:pPr lvl="0"/>
             <a:r>
               <a:rPr lang="en-US"/>
-              <a:t>Click to edit Master title style</a:t>
-            </a:r>
-          </a:p>
-        </p:txBody>
-      </p:sp>
-      <p:sp>
-        <p:nvSpPr>
-          <p:cNvPr id="3" name="Content Placeholder 2">
-            <a:extLst>
-              <a:ext uri="{FF2B5EF4-FFF2-40B4-BE49-F238E27FC236}">
-                <a16:creationId xmlns:a16="http://schemas.microsoft.com/office/drawing/2014/main" id="{4B42EE43-581B-471F-99EE-A987C6E03279}"/>
-              </a:ext>
-            </a:extLst>
-          </p:cNvPr>
-          <p:cNvSpPr>
-            <a:spLocks noGrp="1"/>
-          </p:cNvSpPr>
-          <p:nvPr>
-            <p:ph idx="1"/>
+              <a:t>Click to edit Master text styles</a:t>
+            </a:r>
+          </a:p>
+          <a:p>
+            <a:pPr lvl="1"/>
+            <a:r>
+              <a:rPr lang="en-US"/>
+              <a:t>Second level</a:t>
+            </a:r>
+          </a:p>
+          <a:p>
+            <a:pPr lvl="2"/>
+            <a:r>
+              <a:rPr lang="en-US"/>
+              <a:t>Third level</a:t>
+            </a:r>
+          </a:p>
+          <a:p>
+            <a:pPr lvl="3"/>
+            <a:r>
+              <a:rPr lang="en-US"/>
+              <a:t>Fourth level</a:t>
+            </a:r>
+          </a:p>
+          <a:p>
+            <a:pPr lvl="4"/>
+            <a:r>
+              <a:rPr lang="en-US"/>
+              <a:t>Fifth level</a:t>
+            </a:r>
+            <a:endParaRPr lang="en-US" dirty="0"/>
+          </a:p>
+        </p:txBody>
+      </p:sp>
+      <p:sp>
+        <p:nvSpPr>
+          <p:cNvPr id="4" name="Date Placeholder 3"/>
+          <p:cNvSpPr>
+            <a:spLocks noGrp="1"/>
+          </p:cNvSpPr>
+          <p:nvPr>
+            <p:ph type="dt" sz="half" idx="10"/>
           </p:nvPr>
         </p:nvSpPr>
         <p:spPr/>
@@ -799,56 +4139,22 @@
           <a:bodyPr/>
           <a:lstStyle/>
           <a:p>
-            <a:pPr lvl="0"/>
-            <a:r>
-              <a:rPr lang="en-US"/>
-              <a:t>Click to edit Master text styles</a:t>
-            </a:r>
-          </a:p>
-          <a:p>
-            <a:pPr lvl="1"/>
-            <a:r>
-              <a:rPr lang="en-US"/>
-              <a:t>Second level</a:t>
-            </a:r>
-          </a:p>
-          <a:p>
-            <a:pPr lvl="2"/>
-            <a:r>
-              <a:rPr lang="en-US"/>
-              <a:t>Third level</a:t>
-            </a:r>
-          </a:p>
-          <a:p>
-            <a:pPr lvl="3"/>
-            <a:r>
-              <a:rPr lang="en-US"/>
-              <a:t>Fourth level</a:t>
-            </a:r>
-          </a:p>
-          <a:p>
-            <a:pPr lvl="4"/>
-            <a:r>
-              <a:rPr lang="en-US"/>
-              <a:t>Fifth level</a:t>
-            </a:r>
-          </a:p>
-        </p:txBody>
-      </p:sp>
-      <p:sp>
-        <p:nvSpPr>
-          <p:cNvPr id="4" name="Date Placeholder 3">
-            <a:extLst>
-              <a:ext uri="{FF2B5EF4-FFF2-40B4-BE49-F238E27FC236}">
-                <a16:creationId xmlns:a16="http://schemas.microsoft.com/office/drawing/2014/main" id="{BFA73AC4-074E-47BC-B1BB-28A9FC5E11AD}"/>
-              </a:ext>
-            </a:extLst>
-          </p:cNvPr>
-          <p:cNvSpPr>
-            <a:spLocks noGrp="1"/>
-          </p:cNvSpPr>
-          <p:nvPr>
-            <p:ph type="dt" sz="half" idx="10"/>
+            <a:fld id="{3B054455-14A8-45A6-99AA-9A7708B07C1A}" type="datetimeFigureOut">
+              <a:rPr lang="en-US" smtClean="0"/>
+              <a:t>5/1/2022</a:t>
+            </a:fld>
+            <a:endParaRPr lang="en-US"/>
+          </a:p>
+        </p:txBody>
+      </p:sp>
+      <p:sp>
+        <p:nvSpPr>
+          <p:cNvPr id="5" name="Footer Placeholder 4"/>
+          <p:cNvSpPr>
+            <a:spLocks noGrp="1"/>
+          </p:cNvSpPr>
+          <p:nvPr>
+            <p:ph type="ftr" sz="quarter" idx="11"/>
           </p:nvPr>
         </p:nvSpPr>
         <p:spPr/>
@@ -856,48 +4162,13 @@
           <a:bodyPr/>
           <a:lstStyle/>
           <a:p>
-            <a:fld id="{3B054455-14A8-45A6-99AA-9A7708B07C1A}" type="datetimeFigureOut">
-              <a:rPr lang="en-US" smtClean="0"/>
-              <a:t>4/25/2022</a:t>
-            </a:fld>
             <a:endParaRPr lang="en-US"/>
           </a:p>
         </p:txBody>
       </p:sp>
       <p:sp>
         <p:nvSpPr>
-          <p:cNvPr id="5" name="Footer Placeholder 4">
-            <a:extLst>
-              <a:ext uri="{FF2B5EF4-FFF2-40B4-BE49-F238E27FC236}">
-                <a16:creationId xmlns:a16="http://schemas.microsoft.com/office/drawing/2014/main" id="{410AC7C0-5310-47D4-BFA5-BE479FADC7BC}"/>
-              </a:ext>
-            </a:extLst>
-          </p:cNvPr>
-          <p:cNvSpPr>
-            <a:spLocks noGrp="1"/>
-          </p:cNvSpPr>
-          <p:nvPr>
-            <p:ph type="ftr" sz="quarter" idx="11"/>
-          </p:nvPr>
-        </p:nvSpPr>
-        <p:spPr/>
-        <p:txBody>
-          <a:bodyPr/>
-          <a:lstStyle/>
-          <a:p>
-            <a:endParaRPr lang="en-US"/>
-          </a:p>
-        </p:txBody>
-      </p:sp>
-      <p:sp>
-        <p:nvSpPr>
-          <p:cNvPr id="6" name="Slide Number Placeholder 5">
-            <a:extLst>
-              <a:ext uri="{FF2B5EF4-FFF2-40B4-BE49-F238E27FC236}">
-                <a16:creationId xmlns:a16="http://schemas.microsoft.com/office/drawing/2014/main" id="{2F257771-FFD9-4D77-89E7-D4E16D2CD114}"/>
-              </a:ext>
-            </a:extLst>
-          </p:cNvPr>
+          <p:cNvPr id="6" name="Slide Number Placeholder 5"/>
           <p:cNvSpPr>
             <a:spLocks noGrp="1"/>
           </p:cNvSpPr>
@@ -921,7 +4192,7 @@
     </p:spTree>
     <p:extLst>
       <p:ext uri="{BB962C8B-B14F-4D97-AF65-F5344CB8AC3E}">
-        <p14:creationId xmlns:p14="http://schemas.microsoft.com/office/powerpoint/2010/main" val="1364087314"/>
+        <p14:creationId xmlns:p14="http://schemas.microsoft.com/office/powerpoint/2010/main" val="3261212102"/>
       </p:ext>
     </p:extLst>
   </p:cSld>
@@ -950,13 +4221,7 @@
       </p:grpSpPr>
       <p:sp>
         <p:nvSpPr>
-          <p:cNvPr id="2" name="Title 1">
-            <a:extLst>
-              <a:ext uri="{FF2B5EF4-FFF2-40B4-BE49-F238E27FC236}">
-                <a16:creationId xmlns:a16="http://schemas.microsoft.com/office/drawing/2014/main" id="{9B7AA287-35E3-4195-9B46-745B284EEB75}"/>
-              </a:ext>
-            </a:extLst>
-          </p:cNvPr>
+          <p:cNvPr id="2" name="Title 1"/>
           <p:cNvSpPr>
             <a:spLocks noGrp="1"/>
           </p:cNvSpPr>
@@ -966,15 +4231,15 @@
         </p:nvSpPr>
         <p:spPr>
           <a:xfrm>
-            <a:off x="831850" y="1709738"/>
-            <a:ext cx="10515600" cy="2852737"/>
+            <a:off x="677335" y="2700867"/>
+            <a:ext cx="8596668" cy="1826581"/>
           </a:xfrm>
         </p:spPr>
         <p:txBody>
           <a:bodyPr anchor="b"/>
           <a:lstStyle>
-            <a:lvl1pPr>
-              <a:defRPr sz="6000"/>
+            <a:lvl1pPr algn="l">
+              <a:defRPr sz="4000" b="0" cap="none"/>
             </a:lvl1pPr>
           </a:lstStyle>
           <a:p>
@@ -982,18 +4247,13 @@
               <a:rPr lang="en-US"/>
               <a:t>Click to edit Master title style</a:t>
             </a:r>
-          </a:p>
-        </p:txBody>
-      </p:sp>
-      <p:sp>
-        <p:nvSpPr>
-          <p:cNvPr id="3" name="Text Placeholder 2">
-            <a:extLst>
-              <a:ext uri="{FF2B5EF4-FFF2-40B4-BE49-F238E27FC236}">
-                <a16:creationId xmlns:a16="http://schemas.microsoft.com/office/drawing/2014/main" id="{4A1A9928-D2C0-4FA4-86A8-A9C2F9D8FFB9}"/>
-              </a:ext>
-            </a:extLst>
-          </p:cNvPr>
+            <a:endParaRPr lang="en-US" dirty="0"/>
+          </a:p>
+        </p:txBody>
+      </p:sp>
+      <p:sp>
+        <p:nvSpPr>
+          <p:cNvPr id="3" name="Text Placeholder 2"/>
           <p:cNvSpPr>
             <a:spLocks noGrp="1"/>
           </p:cNvSpPr>
@@ -1003,26 +4263,27 @@
         </p:nvSpPr>
         <p:spPr>
           <a:xfrm>
-            <a:off x="831850" y="4589463"/>
-            <a:ext cx="10515600" cy="1500187"/>
+            <a:off x="677335" y="4527448"/>
+            <a:ext cx="8596668" cy="860400"/>
           </a:xfrm>
         </p:spPr>
         <p:txBody>
-          <a:bodyPr/>
+          <a:bodyPr anchor="t"/>
           <a:lstStyle>
-            <a:lvl1pPr marL="0" indent="0">
-              <a:buNone/>
-              <a:defRPr sz="2400">
+            <a:lvl1pPr marL="0" indent="0" algn="l">
+              <a:buNone/>
+              <a:defRPr sz="2000">
                 <a:solidFill>
                   <a:schemeClr val="tx1">
-                    <a:tint val="75000"/>
+                    <a:lumMod val="50000"/>
+                    <a:lumOff val="50000"/>
                   </a:schemeClr>
                 </a:solidFill>
               </a:defRPr>
             </a:lvl1pPr>
             <a:lvl2pPr marL="457200" indent="0">
               <a:buNone/>
-              <a:defRPr sz="2000">
+              <a:defRPr sz="1800">
                 <a:solidFill>
                   <a:schemeClr val="tx1">
                     <a:tint val="75000"/>
@@ -1032,7 +4293,7 @@
             </a:lvl2pPr>
             <a:lvl3pPr marL="914400" indent="0">
               <a:buNone/>
-              <a:defRPr sz="1800">
+              <a:defRPr sz="1600">
                 <a:solidFill>
                   <a:schemeClr val="tx1">
                     <a:tint val="75000"/>
@@ -1042,7 +4303,7 @@
             </a:lvl3pPr>
             <a:lvl4pPr marL="1371600" indent="0">
               <a:buNone/>
-              <a:defRPr sz="1600">
+              <a:defRPr sz="1400">
                 <a:solidFill>
                   <a:schemeClr val="tx1">
                     <a:tint val="75000"/>
@@ -1052,7 +4313,7 @@
             </a:lvl4pPr>
             <a:lvl5pPr marL="1828800" indent="0">
               <a:buNone/>
-              <a:defRPr sz="1600">
+              <a:defRPr sz="1400">
                 <a:solidFill>
                   <a:schemeClr val="tx1">
                     <a:tint val="75000"/>
@@ -1062,7 +4323,7 @@
             </a:lvl5pPr>
             <a:lvl6pPr marL="2286000" indent="0">
               <a:buNone/>
-              <a:defRPr sz="1600">
+              <a:defRPr sz="1400">
                 <a:solidFill>
                   <a:schemeClr val="tx1">
                     <a:tint val="75000"/>
@@ -1072,7 +4333,7 @@
             </a:lvl6pPr>
             <a:lvl7pPr marL="2743200" indent="0">
               <a:buNone/>
-              <a:defRPr sz="1600">
+              <a:defRPr sz="1400">
                 <a:solidFill>
                   <a:schemeClr val="tx1">
                     <a:tint val="75000"/>
@@ -1082,7 +4343,7 @@
             </a:lvl7pPr>
             <a:lvl8pPr marL="3200400" indent="0">
               <a:buNone/>
-              <a:defRPr sz="1600">
+              <a:defRPr sz="1400">
                 <a:solidFill>
                   <a:schemeClr val="tx1">
                     <a:tint val="75000"/>
@@ -1092,7 +4353,7 @@
             </a:lvl8pPr>
             <a:lvl9pPr marL="3657600" indent="0">
               <a:buNone/>
-              <a:defRPr sz="1600">
+              <a:defRPr sz="1400">
                 <a:solidFill>
                   <a:schemeClr val="tx1">
                     <a:tint val="75000"/>
@@ -1112,13 +4373,7 @@
       </p:sp>
       <p:sp>
         <p:nvSpPr>
-          <p:cNvPr id="4" name="Date Placeholder 3">
-            <a:extLst>
-              <a:ext uri="{FF2B5EF4-FFF2-40B4-BE49-F238E27FC236}">
-                <a16:creationId xmlns:a16="http://schemas.microsoft.com/office/drawing/2014/main" id="{F81D8B11-C0D9-47FB-A8AA-BD37C6B5DBFE}"/>
-              </a:ext>
-            </a:extLst>
-          </p:cNvPr>
+          <p:cNvPr id="4" name="Date Placeholder 3"/>
           <p:cNvSpPr>
             <a:spLocks noGrp="1"/>
           </p:cNvSpPr>
@@ -1133,7 +4388,7 @@
           <a:p>
             <a:fld id="{3B054455-14A8-45A6-99AA-9A7708B07C1A}" type="datetimeFigureOut">
               <a:rPr lang="en-US" smtClean="0"/>
-              <a:t>4/25/2022</a:t>
+              <a:t>5/1/2022</a:t>
             </a:fld>
             <a:endParaRPr lang="en-US"/>
           </a:p>
@@ -1141,13 +4396,7 @@
       </p:sp>
       <p:sp>
         <p:nvSpPr>
-          <p:cNvPr id="5" name="Footer Placeholder 4">
-            <a:extLst>
-              <a:ext uri="{FF2B5EF4-FFF2-40B4-BE49-F238E27FC236}">
-                <a16:creationId xmlns:a16="http://schemas.microsoft.com/office/drawing/2014/main" id="{43CAB8C5-21CF-435E-B32A-26E1338C7EC2}"/>
-              </a:ext>
-            </a:extLst>
-          </p:cNvPr>
+          <p:cNvPr id="5" name="Footer Placeholder 4"/>
           <p:cNvSpPr>
             <a:spLocks noGrp="1"/>
           </p:cNvSpPr>
@@ -1166,13 +4415,7 @@
       </p:sp>
       <p:sp>
         <p:nvSpPr>
-          <p:cNvPr id="6" name="Slide Number Placeholder 5">
-            <a:extLst>
-              <a:ext uri="{FF2B5EF4-FFF2-40B4-BE49-F238E27FC236}">
-                <a16:creationId xmlns:a16="http://schemas.microsoft.com/office/drawing/2014/main" id="{53477257-7996-46EA-AF40-D0BF12B76509}"/>
-              </a:ext>
-            </a:extLst>
-          </p:cNvPr>
+          <p:cNvPr id="6" name="Slide Number Placeholder 5"/>
           <p:cNvSpPr>
             <a:spLocks noGrp="1"/>
           </p:cNvSpPr>
@@ -1196,7 +4439,7 @@
     </p:spTree>
     <p:extLst>
       <p:ext uri="{BB962C8B-B14F-4D97-AF65-F5344CB8AC3E}">
-        <p14:creationId xmlns:p14="http://schemas.microsoft.com/office/powerpoint/2010/main" val="3891143696"/>
+        <p14:creationId xmlns:p14="http://schemas.microsoft.com/office/powerpoint/2010/main" val="3371795383"/>
       </p:ext>
     </p:extLst>
   </p:cSld>
@@ -1225,13 +4468,7 @@
       </p:grpSpPr>
       <p:sp>
         <p:nvSpPr>
-          <p:cNvPr id="2" name="Title 1">
-            <a:extLst>
-              <a:ext uri="{FF2B5EF4-FFF2-40B4-BE49-F238E27FC236}">
-                <a16:creationId xmlns:a16="http://schemas.microsoft.com/office/drawing/2014/main" id="{19BD6E50-9714-48C4-AB47-1C64A4AE8D05}"/>
-              </a:ext>
-            </a:extLst>
-          </p:cNvPr>
+          <p:cNvPr id="2" name="Title 1"/>
           <p:cNvSpPr>
             <a:spLocks noGrp="1"/>
           </p:cNvSpPr>
@@ -1248,18 +4485,13 @@
               <a:rPr lang="en-US"/>
               <a:t>Click to edit Master title style</a:t>
             </a:r>
-          </a:p>
-        </p:txBody>
-      </p:sp>
-      <p:sp>
-        <p:nvSpPr>
-          <p:cNvPr id="3" name="Content Placeholder 2">
-            <a:extLst>
-              <a:ext uri="{FF2B5EF4-FFF2-40B4-BE49-F238E27FC236}">
-                <a16:creationId xmlns:a16="http://schemas.microsoft.com/office/drawing/2014/main" id="{AFC2187B-FFF0-47BF-B369-9A576B606802}"/>
-              </a:ext>
-            </a:extLst>
-          </p:cNvPr>
+            <a:endParaRPr lang="en-US" dirty="0"/>
+          </a:p>
+        </p:txBody>
+      </p:sp>
+      <p:sp>
+        <p:nvSpPr>
+          <p:cNvPr id="3" name="Content Placeholder 2"/>
           <p:cNvSpPr>
             <a:spLocks noGrp="1"/>
           </p:cNvSpPr>
@@ -1269,8 +4501,8 @@
         </p:nvSpPr>
         <p:spPr>
           <a:xfrm>
-            <a:off x="838200" y="1825625"/>
-            <a:ext cx="5181600" cy="4351338"/>
+            <a:off x="677334" y="2160589"/>
+            <a:ext cx="4184035" cy="3880772"/>
           </a:xfrm>
         </p:spPr>
         <p:txBody>
@@ -1310,18 +4542,13 @@
               <a:rPr lang="en-US"/>
               <a:t>Fifth level</a:t>
             </a:r>
-          </a:p>
-        </p:txBody>
-      </p:sp>
-      <p:sp>
-        <p:nvSpPr>
-          <p:cNvPr id="4" name="Content Placeholder 3">
-            <a:extLst>
-              <a:ext uri="{FF2B5EF4-FFF2-40B4-BE49-F238E27FC236}">
-                <a16:creationId xmlns:a16="http://schemas.microsoft.com/office/drawing/2014/main" id="{C9B173B6-8872-4C43-8A98-0CAE7E868312}"/>
-              </a:ext>
-            </a:extLst>
-          </p:cNvPr>
+            <a:endParaRPr lang="en-US" dirty="0"/>
+          </a:p>
+        </p:txBody>
+      </p:sp>
+      <p:sp>
+        <p:nvSpPr>
+          <p:cNvPr id="4" name="Content Placeholder 3"/>
           <p:cNvSpPr>
             <a:spLocks noGrp="1"/>
           </p:cNvSpPr>
@@ -1331,8 +4558,8 @@
         </p:nvSpPr>
         <p:spPr>
           <a:xfrm>
-            <a:off x="6172200" y="1825625"/>
-            <a:ext cx="5181600" cy="4351338"/>
+            <a:off x="5089970" y="2160589"/>
+            <a:ext cx="4184034" cy="3880773"/>
           </a:xfrm>
         </p:spPr>
         <p:txBody>
@@ -1372,18 +4599,13 @@
               <a:rPr lang="en-US"/>
               <a:t>Fifth level</a:t>
             </a:r>
-          </a:p>
-        </p:txBody>
-      </p:sp>
-      <p:sp>
-        <p:nvSpPr>
-          <p:cNvPr id="5" name="Date Placeholder 4">
-            <a:extLst>
-              <a:ext uri="{FF2B5EF4-FFF2-40B4-BE49-F238E27FC236}">
-                <a16:creationId xmlns:a16="http://schemas.microsoft.com/office/drawing/2014/main" id="{839B1D6B-93B5-48CF-B43A-53C73A19597A}"/>
-              </a:ext>
-            </a:extLst>
-          </p:cNvPr>
+            <a:endParaRPr lang="en-US" dirty="0"/>
+          </a:p>
+        </p:txBody>
+      </p:sp>
+      <p:sp>
+        <p:nvSpPr>
+          <p:cNvPr id="5" name="Date Placeholder 4"/>
           <p:cNvSpPr>
             <a:spLocks noGrp="1"/>
           </p:cNvSpPr>
@@ -1398,7 +4620,7 @@
           <a:p>
             <a:fld id="{3B054455-14A8-45A6-99AA-9A7708B07C1A}" type="datetimeFigureOut">
               <a:rPr lang="en-US" smtClean="0"/>
-              <a:t>4/25/2022</a:t>
+              <a:t>5/1/2022</a:t>
             </a:fld>
             <a:endParaRPr lang="en-US"/>
           </a:p>
@@ -1406,13 +4628,7 @@
       </p:sp>
       <p:sp>
         <p:nvSpPr>
-          <p:cNvPr id="6" name="Footer Placeholder 5">
-            <a:extLst>
-              <a:ext uri="{FF2B5EF4-FFF2-40B4-BE49-F238E27FC236}">
-                <a16:creationId xmlns:a16="http://schemas.microsoft.com/office/drawing/2014/main" id="{064EE8B6-EB68-4AE9-961B-013DE2EFC61A}"/>
-              </a:ext>
-            </a:extLst>
-          </p:cNvPr>
+          <p:cNvPr id="6" name="Footer Placeholder 5"/>
           <p:cNvSpPr>
             <a:spLocks noGrp="1"/>
           </p:cNvSpPr>
@@ -1431,13 +4647,7 @@
       </p:sp>
       <p:sp>
         <p:nvSpPr>
-          <p:cNvPr id="7" name="Slide Number Placeholder 6">
-            <a:extLst>
-              <a:ext uri="{FF2B5EF4-FFF2-40B4-BE49-F238E27FC236}">
-                <a16:creationId xmlns:a16="http://schemas.microsoft.com/office/drawing/2014/main" id="{97AB4955-A8FC-4883-945F-734EF1F65F0E}"/>
-              </a:ext>
-            </a:extLst>
-          </p:cNvPr>
+          <p:cNvPr id="7" name="Slide Number Placeholder 6"/>
           <p:cNvSpPr>
             <a:spLocks noGrp="1"/>
           </p:cNvSpPr>
@@ -1461,7 +4671,7 @@
     </p:spTree>
     <p:extLst>
       <p:ext uri="{BB962C8B-B14F-4D97-AF65-F5344CB8AC3E}">
-        <p14:creationId xmlns:p14="http://schemas.microsoft.com/office/powerpoint/2010/main" val="1405751374"/>
+        <p14:creationId xmlns:p14="http://schemas.microsoft.com/office/powerpoint/2010/main" val="786613154"/>
       </p:ext>
     </p:extLst>
   </p:cSld>
@@ -1490,65 +4700,55 @@
       </p:grpSpPr>
       <p:sp>
         <p:nvSpPr>
-          <p:cNvPr id="2" name="Title 1">
-            <a:extLst>
-              <a:ext uri="{FF2B5EF4-FFF2-40B4-BE49-F238E27FC236}">
-                <a16:creationId xmlns:a16="http://schemas.microsoft.com/office/drawing/2014/main" id="{D0161BD6-4E19-4C80-B731-068BDB3E1D4F}"/>
-              </a:ext>
-            </a:extLst>
-          </p:cNvPr>
+          <p:cNvPr id="2" name="Title 1"/>
           <p:cNvSpPr>
             <a:spLocks noGrp="1"/>
           </p:cNvSpPr>
           <p:nvPr>
             <p:ph type="title"/>
+          </p:nvPr>
+        </p:nvSpPr>
+        <p:spPr/>
+        <p:txBody>
+          <a:bodyPr/>
+          <a:lstStyle>
+            <a:lvl1pPr>
+              <a:defRPr/>
+            </a:lvl1pPr>
+          </a:lstStyle>
+          <a:p>
+            <a:r>
+              <a:rPr lang="en-US"/>
+              <a:t>Click to edit Master title style</a:t>
+            </a:r>
+            <a:endParaRPr lang="en-US" dirty="0"/>
+          </a:p>
+        </p:txBody>
+      </p:sp>
+      <p:sp>
+        <p:nvSpPr>
+          <p:cNvPr id="3" name="Text Placeholder 2"/>
+          <p:cNvSpPr>
+            <a:spLocks noGrp="1"/>
+          </p:cNvSpPr>
+          <p:nvPr>
+            <p:ph type="body" idx="1"/>
           </p:nvPr>
         </p:nvSpPr>
         <p:spPr>
           <a:xfrm>
-            <a:off x="839788" y="365125"/>
-            <a:ext cx="10515600" cy="1325563"/>
+            <a:off x="675745" y="2160983"/>
+            <a:ext cx="4185623" cy="576262"/>
           </a:xfrm>
         </p:spPr>
         <p:txBody>
-          <a:bodyPr/>
-          <a:lstStyle/>
-          <a:p>
-            <a:r>
-              <a:rPr lang="en-US"/>
-              <a:t>Click to edit Master title style</a:t>
-            </a:r>
-          </a:p>
-        </p:txBody>
-      </p:sp>
-      <p:sp>
-        <p:nvSpPr>
-          <p:cNvPr id="3" name="Text Placeholder 2">
-            <a:extLst>
-              <a:ext uri="{FF2B5EF4-FFF2-40B4-BE49-F238E27FC236}">
-                <a16:creationId xmlns:a16="http://schemas.microsoft.com/office/drawing/2014/main" id="{B5CE8FBD-0AB2-4611-9692-45DCB2ECE30A}"/>
-              </a:ext>
-            </a:extLst>
-          </p:cNvPr>
-          <p:cNvSpPr>
-            <a:spLocks noGrp="1"/>
-          </p:cNvSpPr>
-          <p:nvPr>
-            <p:ph type="body" idx="1"/>
-          </p:nvPr>
-        </p:nvSpPr>
-        <p:spPr>
-          <a:xfrm>
-            <a:off x="839788" y="1681163"/>
-            <a:ext cx="5157787" cy="823912"/>
-          </a:xfrm>
-        </p:spPr>
-        <p:txBody>
-          <a:bodyPr anchor="b"/>
+          <a:bodyPr anchor="b">
+            <a:noAutofit/>
+          </a:bodyPr>
           <a:lstStyle>
             <a:lvl1pPr marL="0" indent="0">
               <a:buNone/>
-              <a:defRPr sz="2400" b="1"/>
+              <a:defRPr sz="2400" b="0"/>
             </a:lvl1pPr>
             <a:lvl2pPr marL="457200" indent="0">
               <a:buNone/>
@@ -1594,13 +4794,7 @@
       </p:sp>
       <p:sp>
         <p:nvSpPr>
-          <p:cNvPr id="4" name="Content Placeholder 3">
-            <a:extLst>
-              <a:ext uri="{FF2B5EF4-FFF2-40B4-BE49-F238E27FC236}">
-                <a16:creationId xmlns:a16="http://schemas.microsoft.com/office/drawing/2014/main" id="{DF4DCEA5-A885-4C12-8A3A-A5E982D50170}"/>
-              </a:ext>
-            </a:extLst>
-          </p:cNvPr>
+          <p:cNvPr id="4" name="Content Placeholder 3"/>
           <p:cNvSpPr>
             <a:spLocks noGrp="1"/>
           </p:cNvSpPr>
@@ -1610,12 +4804,14 @@
         </p:nvSpPr>
         <p:spPr>
           <a:xfrm>
-            <a:off x="839788" y="2505075"/>
-            <a:ext cx="5157787" cy="3684588"/>
+            <a:off x="675745" y="2737245"/>
+            <a:ext cx="4185623" cy="3304117"/>
           </a:xfrm>
         </p:spPr>
         <p:txBody>
-          <a:bodyPr/>
+          <a:bodyPr>
+            <a:normAutofit/>
+          </a:bodyPr>
           <a:lstStyle/>
           <a:p>
             <a:pPr lvl="0"/>
@@ -1651,18 +4847,13 @@
               <a:rPr lang="en-US"/>
               <a:t>Fifth level</a:t>
             </a:r>
-          </a:p>
-        </p:txBody>
-      </p:sp>
-      <p:sp>
-        <p:nvSpPr>
-          <p:cNvPr id="5" name="Text Placeholder 4">
-            <a:extLst>
-              <a:ext uri="{FF2B5EF4-FFF2-40B4-BE49-F238E27FC236}">
-                <a16:creationId xmlns:a16="http://schemas.microsoft.com/office/drawing/2014/main" id="{2205D66C-C1E3-4F20-B128-1C1ECA8DFAE8}"/>
-              </a:ext>
-            </a:extLst>
-          </p:cNvPr>
+            <a:endParaRPr lang="en-US" dirty="0"/>
+          </a:p>
+        </p:txBody>
+      </p:sp>
+      <p:sp>
+        <p:nvSpPr>
+          <p:cNvPr id="5" name="Text Placeholder 4"/>
           <p:cNvSpPr>
             <a:spLocks noGrp="1"/>
           </p:cNvSpPr>
@@ -1672,16 +4863,18 @@
         </p:nvSpPr>
         <p:spPr>
           <a:xfrm>
-            <a:off x="6172200" y="1681163"/>
-            <a:ext cx="5183188" cy="823912"/>
+            <a:off x="5088383" y="2160983"/>
+            <a:ext cx="4185618" cy="576262"/>
           </a:xfrm>
         </p:spPr>
         <p:txBody>
-          <a:bodyPr anchor="b"/>
+          <a:bodyPr anchor="b">
+            <a:noAutofit/>
+          </a:bodyPr>
           <a:lstStyle>
             <a:lvl1pPr marL="0" indent="0">
               <a:buNone/>
-              <a:defRPr sz="2400" b="1"/>
+              <a:defRPr sz="2400" b="0"/>
             </a:lvl1pPr>
             <a:lvl2pPr marL="457200" indent="0">
               <a:buNone/>
@@ -1727,13 +4920,7 @@
       </p:sp>
       <p:sp>
         <p:nvSpPr>
-          <p:cNvPr id="6" name="Content Placeholder 5">
-            <a:extLst>
-              <a:ext uri="{FF2B5EF4-FFF2-40B4-BE49-F238E27FC236}">
-                <a16:creationId xmlns:a16="http://schemas.microsoft.com/office/drawing/2014/main" id="{F7DB1B10-F8CC-411D-A825-198000C907A2}"/>
-              </a:ext>
-            </a:extLst>
-          </p:cNvPr>
+          <p:cNvPr id="6" name="Content Placeholder 5"/>
           <p:cNvSpPr>
             <a:spLocks noGrp="1"/>
           </p:cNvSpPr>
@@ -1743,64 +4930,84 @@
         </p:nvSpPr>
         <p:spPr>
           <a:xfrm>
-            <a:off x="6172200" y="2505075"/>
-            <a:ext cx="5183188" cy="3684588"/>
+            <a:off x="5088384" y="2737245"/>
+            <a:ext cx="4185617" cy="3304117"/>
           </a:xfrm>
         </p:spPr>
         <p:txBody>
+          <a:bodyPr>
+            <a:normAutofit/>
+          </a:bodyPr>
+          <a:lstStyle/>
+          <a:p>
+            <a:pPr lvl="0"/>
+            <a:r>
+              <a:rPr lang="en-US"/>
+              <a:t>Click to edit Master text styles</a:t>
+            </a:r>
+          </a:p>
+          <a:p>
+            <a:pPr lvl="1"/>
+            <a:r>
+              <a:rPr lang="en-US"/>
+              <a:t>Second level</a:t>
+            </a:r>
+          </a:p>
+          <a:p>
+            <a:pPr lvl="2"/>
+            <a:r>
+              <a:rPr lang="en-US"/>
+              <a:t>Third level</a:t>
+            </a:r>
+          </a:p>
+          <a:p>
+            <a:pPr lvl="3"/>
+            <a:r>
+              <a:rPr lang="en-US"/>
+              <a:t>Fourth level</a:t>
+            </a:r>
+          </a:p>
+          <a:p>
+            <a:pPr lvl="4"/>
+            <a:r>
+              <a:rPr lang="en-US"/>
+              <a:t>Fifth level</a:t>
+            </a:r>
+            <a:endParaRPr lang="en-US" dirty="0"/>
+          </a:p>
+        </p:txBody>
+      </p:sp>
+      <p:sp>
+        <p:nvSpPr>
+          <p:cNvPr id="7" name="Date Placeholder 6"/>
+          <p:cNvSpPr>
+            <a:spLocks noGrp="1"/>
+          </p:cNvSpPr>
+          <p:nvPr>
+            <p:ph type="dt" sz="half" idx="10"/>
+          </p:nvPr>
+        </p:nvSpPr>
+        <p:spPr/>
+        <p:txBody>
           <a:bodyPr/>
           <a:lstStyle/>
           <a:p>
-            <a:pPr lvl="0"/>
-            <a:r>
-              <a:rPr lang="en-US"/>
-              <a:t>Click to edit Master text styles</a:t>
-            </a:r>
-          </a:p>
-          <a:p>
-            <a:pPr lvl="1"/>
-            <a:r>
-              <a:rPr lang="en-US"/>
-              <a:t>Second level</a:t>
-            </a:r>
-          </a:p>
-          <a:p>
-            <a:pPr lvl="2"/>
-            <a:r>
-              <a:rPr lang="en-US"/>
-              <a:t>Third level</a:t>
-            </a:r>
-          </a:p>
-          <a:p>
-            <a:pPr lvl="3"/>
-            <a:r>
-              <a:rPr lang="en-US"/>
-              <a:t>Fourth level</a:t>
-            </a:r>
-          </a:p>
-          <a:p>
-            <a:pPr lvl="4"/>
-            <a:r>
-              <a:rPr lang="en-US"/>
-              <a:t>Fifth level</a:t>
-            </a:r>
-          </a:p>
-        </p:txBody>
-      </p:sp>
-      <p:sp>
-        <p:nvSpPr>
-          <p:cNvPr id="7" name="Date Placeholder 6">
-            <a:extLst>
-              <a:ext uri="{FF2B5EF4-FFF2-40B4-BE49-F238E27FC236}">
-                <a16:creationId xmlns:a16="http://schemas.microsoft.com/office/drawing/2014/main" id="{61A177E1-22D6-4724-A5A6-B61C5FB579C6}"/>
-              </a:ext>
-            </a:extLst>
-          </p:cNvPr>
-          <p:cNvSpPr>
-            <a:spLocks noGrp="1"/>
-          </p:cNvSpPr>
-          <p:nvPr>
-            <p:ph type="dt" sz="half" idx="10"/>
+            <a:fld id="{3B054455-14A8-45A6-99AA-9A7708B07C1A}" type="datetimeFigureOut">
+              <a:rPr lang="en-US" smtClean="0"/>
+              <a:t>5/1/2022</a:t>
+            </a:fld>
+            <a:endParaRPr lang="en-US"/>
+          </a:p>
+        </p:txBody>
+      </p:sp>
+      <p:sp>
+        <p:nvSpPr>
+          <p:cNvPr id="8" name="Footer Placeholder 7"/>
+          <p:cNvSpPr>
+            <a:spLocks noGrp="1"/>
+          </p:cNvSpPr>
+          <p:nvPr>
+            <p:ph type="ftr" sz="quarter" idx="11"/>
           </p:nvPr>
         </p:nvSpPr>
         <p:spPr/>
@@ -1808,48 +5015,13 @@
           <a:bodyPr/>
           <a:lstStyle/>
           <a:p>
-            <a:fld id="{3B054455-14A8-45A6-99AA-9A7708B07C1A}" type="datetimeFigureOut">
-              <a:rPr lang="en-US" smtClean="0"/>
-              <a:t>4/25/2022</a:t>
-            </a:fld>
             <a:endParaRPr lang="en-US"/>
           </a:p>
         </p:txBody>
       </p:sp>
       <p:sp>
         <p:nvSpPr>
-          <p:cNvPr id="8" name="Footer Placeholder 7">
-            <a:extLst>
-              <a:ext uri="{FF2B5EF4-FFF2-40B4-BE49-F238E27FC236}">
-                <a16:creationId xmlns:a16="http://schemas.microsoft.com/office/drawing/2014/main" id="{E93AD69E-99BE-492E-8D5A-5DC2028C867B}"/>
-              </a:ext>
-            </a:extLst>
-          </p:cNvPr>
-          <p:cNvSpPr>
-            <a:spLocks noGrp="1"/>
-          </p:cNvSpPr>
-          <p:nvPr>
-            <p:ph type="ftr" sz="quarter" idx="11"/>
-          </p:nvPr>
-        </p:nvSpPr>
-        <p:spPr/>
-        <p:txBody>
-          <a:bodyPr/>
-          <a:lstStyle/>
-          <a:p>
-            <a:endParaRPr lang="en-US"/>
-          </a:p>
-        </p:txBody>
-      </p:sp>
-      <p:sp>
-        <p:nvSpPr>
-          <p:cNvPr id="9" name="Slide Number Placeholder 8">
-            <a:extLst>
-              <a:ext uri="{FF2B5EF4-FFF2-40B4-BE49-F238E27FC236}">
-                <a16:creationId xmlns:a16="http://schemas.microsoft.com/office/drawing/2014/main" id="{E4EB1B66-FB8C-46E7-BCD3-D3A1C2170149}"/>
-              </a:ext>
-            </a:extLst>
-          </p:cNvPr>
+          <p:cNvPr id="9" name="Slide Number Placeholder 8"/>
           <p:cNvSpPr>
             <a:spLocks noGrp="1"/>
           </p:cNvSpPr>
@@ -1873,7 +5045,7 @@
     </p:spTree>
     <p:extLst>
       <p:ext uri="{BB962C8B-B14F-4D97-AF65-F5344CB8AC3E}">
-        <p14:creationId xmlns:p14="http://schemas.microsoft.com/office/powerpoint/2010/main" val="2595157917"/>
+        <p14:creationId xmlns:p14="http://schemas.microsoft.com/office/powerpoint/2010/main" val="1439342417"/>
       </p:ext>
     </p:extLst>
   </p:cSld>
@@ -1902,13 +5074,7 @@
       </p:grpSpPr>
       <p:sp>
         <p:nvSpPr>
-          <p:cNvPr id="2" name="Title 1">
-            <a:extLst>
-              <a:ext uri="{FF2B5EF4-FFF2-40B4-BE49-F238E27FC236}">
-                <a16:creationId xmlns:a16="http://schemas.microsoft.com/office/drawing/2014/main" id="{5B768D00-3CC9-4210-8D85-F93CB97DF617}"/>
-              </a:ext>
-            </a:extLst>
-          </p:cNvPr>
+          <p:cNvPr id="2" name="Title 1"/>
           <p:cNvSpPr>
             <a:spLocks noGrp="1"/>
           </p:cNvSpPr>
@@ -1916,7 +5082,12 @@
             <p:ph type="title"/>
           </p:nvPr>
         </p:nvSpPr>
-        <p:spPr/>
+        <p:spPr>
+          <a:xfrm>
+            <a:off x="677334" y="609600"/>
+            <a:ext cx="8596668" cy="1320800"/>
+          </a:xfrm>
+        </p:spPr>
         <p:txBody>
           <a:bodyPr/>
           <a:lstStyle/>
@@ -1925,18 +5096,13 @@
               <a:rPr lang="en-US"/>
               <a:t>Click to edit Master title style</a:t>
             </a:r>
-          </a:p>
-        </p:txBody>
-      </p:sp>
-      <p:sp>
-        <p:nvSpPr>
-          <p:cNvPr id="3" name="Date Placeholder 2">
-            <a:extLst>
-              <a:ext uri="{FF2B5EF4-FFF2-40B4-BE49-F238E27FC236}">
-                <a16:creationId xmlns:a16="http://schemas.microsoft.com/office/drawing/2014/main" id="{B0D69F74-3027-4473-8366-675D575BD423}"/>
-              </a:ext>
-            </a:extLst>
-          </p:cNvPr>
+            <a:endParaRPr lang="en-US" dirty="0"/>
+          </a:p>
+        </p:txBody>
+      </p:sp>
+      <p:sp>
+        <p:nvSpPr>
+          <p:cNvPr id="3" name="Date Placeholder 2"/>
           <p:cNvSpPr>
             <a:spLocks noGrp="1"/>
           </p:cNvSpPr>
@@ -1951,7 +5117,7 @@
           <a:p>
             <a:fld id="{3B054455-14A8-45A6-99AA-9A7708B07C1A}" type="datetimeFigureOut">
               <a:rPr lang="en-US" smtClean="0"/>
-              <a:t>4/25/2022</a:t>
+              <a:t>5/1/2022</a:t>
             </a:fld>
             <a:endParaRPr lang="en-US"/>
           </a:p>
@@ -1959,13 +5125,7 @@
       </p:sp>
       <p:sp>
         <p:nvSpPr>
-          <p:cNvPr id="4" name="Footer Placeholder 3">
-            <a:extLst>
-              <a:ext uri="{FF2B5EF4-FFF2-40B4-BE49-F238E27FC236}">
-                <a16:creationId xmlns:a16="http://schemas.microsoft.com/office/drawing/2014/main" id="{6EC9E4C0-2354-4AB5-B8E8-BB2ABA2A6929}"/>
-              </a:ext>
-            </a:extLst>
-          </p:cNvPr>
+          <p:cNvPr id="4" name="Footer Placeholder 3"/>
           <p:cNvSpPr>
             <a:spLocks noGrp="1"/>
           </p:cNvSpPr>
@@ -1984,13 +5144,7 @@
       </p:sp>
       <p:sp>
         <p:nvSpPr>
-          <p:cNvPr id="5" name="Slide Number Placeholder 4">
-            <a:extLst>
-              <a:ext uri="{FF2B5EF4-FFF2-40B4-BE49-F238E27FC236}">
-                <a16:creationId xmlns:a16="http://schemas.microsoft.com/office/drawing/2014/main" id="{5F43FDE2-55A6-4FBE-82DA-914278D5C0EB}"/>
-              </a:ext>
-            </a:extLst>
-          </p:cNvPr>
+          <p:cNvPr id="5" name="Slide Number Placeholder 4"/>
           <p:cNvSpPr>
             <a:spLocks noGrp="1"/>
           </p:cNvSpPr>
@@ -2014,7 +5168,7 @@
     </p:spTree>
     <p:extLst>
       <p:ext uri="{BB962C8B-B14F-4D97-AF65-F5344CB8AC3E}">
-        <p14:creationId xmlns:p14="http://schemas.microsoft.com/office/powerpoint/2010/main" val="1450145317"/>
+        <p14:creationId xmlns:p14="http://schemas.microsoft.com/office/powerpoint/2010/main" val="2643497433"/>
       </p:ext>
     </p:extLst>
   </p:cSld>
@@ -2043,13 +5197,7 @@
       </p:grpSpPr>
       <p:sp>
         <p:nvSpPr>
-          <p:cNvPr id="2" name="Date Placeholder 1">
-            <a:extLst>
-              <a:ext uri="{FF2B5EF4-FFF2-40B4-BE49-F238E27FC236}">
-                <a16:creationId xmlns:a16="http://schemas.microsoft.com/office/drawing/2014/main" id="{AF3CBD41-6CC4-423D-BE88-0A0F60921480}"/>
-              </a:ext>
-            </a:extLst>
-          </p:cNvPr>
+          <p:cNvPr id="2" name="Date Placeholder 1"/>
           <p:cNvSpPr>
             <a:spLocks noGrp="1"/>
           </p:cNvSpPr>
@@ -2064,7 +5212,7 @@
           <a:p>
             <a:fld id="{3B054455-14A8-45A6-99AA-9A7708B07C1A}" type="datetimeFigureOut">
               <a:rPr lang="en-US" smtClean="0"/>
-              <a:t>4/25/2022</a:t>
+              <a:t>5/1/2022</a:t>
             </a:fld>
             <a:endParaRPr lang="en-US"/>
           </a:p>
@@ -2072,13 +5220,7 @@
       </p:sp>
       <p:sp>
         <p:nvSpPr>
-          <p:cNvPr id="3" name="Footer Placeholder 2">
-            <a:extLst>
-              <a:ext uri="{FF2B5EF4-FFF2-40B4-BE49-F238E27FC236}">
-                <a16:creationId xmlns:a16="http://schemas.microsoft.com/office/drawing/2014/main" id="{6E1CB290-676D-464A-BF5F-B69BBB0B86DE}"/>
-              </a:ext>
-            </a:extLst>
-          </p:cNvPr>
+          <p:cNvPr id="3" name="Footer Placeholder 2"/>
           <p:cNvSpPr>
             <a:spLocks noGrp="1"/>
           </p:cNvSpPr>
@@ -2097,13 +5239,7 @@
       </p:sp>
       <p:sp>
         <p:nvSpPr>
-          <p:cNvPr id="4" name="Slide Number Placeholder 3">
-            <a:extLst>
-              <a:ext uri="{FF2B5EF4-FFF2-40B4-BE49-F238E27FC236}">
-                <a16:creationId xmlns:a16="http://schemas.microsoft.com/office/drawing/2014/main" id="{7E16082F-D706-46B3-819B-F5C33F830793}"/>
-              </a:ext>
-            </a:extLst>
-          </p:cNvPr>
+          <p:cNvPr id="4" name="Slide Number Placeholder 3"/>
           <p:cNvSpPr>
             <a:spLocks noGrp="1"/>
           </p:cNvSpPr>
@@ -2127,7 +5263,7 @@
     </p:spTree>
     <p:extLst>
       <p:ext uri="{BB962C8B-B14F-4D97-AF65-F5344CB8AC3E}">
-        <p14:creationId xmlns:p14="http://schemas.microsoft.com/office/powerpoint/2010/main" val="3154994008"/>
+        <p14:creationId xmlns:p14="http://schemas.microsoft.com/office/powerpoint/2010/main" val="2307736097"/>
       </p:ext>
     </p:extLst>
   </p:cSld>
@@ -2156,13 +5292,7 @@
       </p:grpSpPr>
       <p:sp>
         <p:nvSpPr>
-          <p:cNvPr id="2" name="Title 1">
-            <a:extLst>
-              <a:ext uri="{FF2B5EF4-FFF2-40B4-BE49-F238E27FC236}">
-                <a16:creationId xmlns:a16="http://schemas.microsoft.com/office/drawing/2014/main" id="{AB3B3A74-3224-454E-86F2-80C03DFE4671}"/>
-              </a:ext>
-            </a:extLst>
-          </p:cNvPr>
+          <p:cNvPr id="2" name="Title 1"/>
           <p:cNvSpPr>
             <a:spLocks noGrp="1"/>
           </p:cNvSpPr>
@@ -2172,15 +5302,17 @@
         </p:nvSpPr>
         <p:spPr>
           <a:xfrm>
-            <a:off x="839788" y="457200"/>
-            <a:ext cx="3932237" cy="1600200"/>
+            <a:off x="677334" y="1498604"/>
+            <a:ext cx="3854528" cy="1278466"/>
           </a:xfrm>
         </p:spPr>
         <p:txBody>
-          <a:bodyPr anchor="b"/>
+          <a:bodyPr anchor="b">
+            <a:normAutofit/>
+          </a:bodyPr>
           <a:lstStyle>
             <a:lvl1pPr>
-              <a:defRPr sz="3200"/>
+              <a:defRPr sz="2000"/>
             </a:lvl1pPr>
           </a:lstStyle>
           <a:p>
@@ -2188,18 +5320,13 @@
               <a:rPr lang="en-US"/>
               <a:t>Click to edit Master title style</a:t>
             </a:r>
-          </a:p>
-        </p:txBody>
-      </p:sp>
-      <p:sp>
-        <p:nvSpPr>
-          <p:cNvPr id="3" name="Content Placeholder 2">
-            <a:extLst>
-              <a:ext uri="{FF2B5EF4-FFF2-40B4-BE49-F238E27FC236}">
-                <a16:creationId xmlns:a16="http://schemas.microsoft.com/office/drawing/2014/main" id="{D6FE96EF-637B-4EF1-A66E-9DB03AED522A}"/>
-              </a:ext>
-            </a:extLst>
-          </p:cNvPr>
+            <a:endParaRPr lang="en-US" dirty="0"/>
+          </a:p>
+        </p:txBody>
+      </p:sp>
+      <p:sp>
+        <p:nvSpPr>
+          <p:cNvPr id="3" name="Content Placeholder 2"/>
           <p:cNvSpPr>
             <a:spLocks noGrp="1"/>
           </p:cNvSpPr>
@@ -2209,41 +5336,15 @@
         </p:nvSpPr>
         <p:spPr>
           <a:xfrm>
-            <a:off x="5183188" y="987425"/>
-            <a:ext cx="6172200" cy="4873625"/>
+            <a:off x="4760461" y="514924"/>
+            <a:ext cx="4513541" cy="5526437"/>
           </a:xfrm>
         </p:spPr>
         <p:txBody>
-          <a:bodyPr/>
-          <a:lstStyle>
-            <a:lvl1pPr>
-              <a:defRPr sz="3200"/>
-            </a:lvl1pPr>
-            <a:lvl2pPr>
-              <a:defRPr sz="2800"/>
-            </a:lvl2pPr>
-            <a:lvl3pPr>
-              <a:defRPr sz="2400"/>
-            </a:lvl3pPr>
-            <a:lvl4pPr>
-              <a:defRPr sz="2000"/>
-            </a:lvl4pPr>
-            <a:lvl5pPr>
-              <a:defRPr sz="2000"/>
-            </a:lvl5pPr>
-            <a:lvl6pPr>
-              <a:defRPr sz="2000"/>
-            </a:lvl6pPr>
-            <a:lvl7pPr>
-              <a:defRPr sz="2000"/>
-            </a:lvl7pPr>
-            <a:lvl8pPr>
-              <a:defRPr sz="2000"/>
-            </a:lvl8pPr>
-            <a:lvl9pPr>
-              <a:defRPr sz="2000"/>
-            </a:lvl9pPr>
-          </a:lstStyle>
+          <a:bodyPr>
+            <a:normAutofit/>
+          </a:bodyPr>
+          <a:lstStyle/>
           <a:p>
             <a:pPr lvl="0"/>
             <a:r>
@@ -2278,18 +5379,13 @@
               <a:rPr lang="en-US"/>
               <a:t>Fifth level</a:t>
             </a:r>
-          </a:p>
-        </p:txBody>
-      </p:sp>
-      <p:sp>
-        <p:nvSpPr>
-          <p:cNvPr id="4" name="Text Placeholder 3">
-            <a:extLst>
-              <a:ext uri="{FF2B5EF4-FFF2-40B4-BE49-F238E27FC236}">
-                <a16:creationId xmlns:a16="http://schemas.microsoft.com/office/drawing/2014/main" id="{ACC44C84-263E-44A8-AA8D-6A1F1B8C3914}"/>
-              </a:ext>
-            </a:extLst>
-          </p:cNvPr>
+            <a:endParaRPr lang="en-US" dirty="0"/>
+          </a:p>
+        </p:txBody>
+      </p:sp>
+      <p:sp>
+        <p:nvSpPr>
+          <p:cNvPr id="4" name="Text Placeholder 3"/>
           <p:cNvSpPr>
             <a:spLocks noGrp="1"/>
           </p:cNvSpPr>
@@ -2299,46 +5395,48 @@
         </p:nvSpPr>
         <p:spPr>
           <a:xfrm>
-            <a:off x="839788" y="2057400"/>
-            <a:ext cx="3932237" cy="3811588"/>
+            <a:off x="677334" y="2777069"/>
+            <a:ext cx="3854528" cy="2584449"/>
           </a:xfrm>
         </p:spPr>
         <p:txBody>
-          <a:bodyPr/>
+          <a:bodyPr>
+            <a:normAutofit/>
+          </a:bodyPr>
           <a:lstStyle>
             <a:lvl1pPr marL="0" indent="0">
               <a:buNone/>
-              <a:defRPr sz="1600"/>
+              <a:defRPr sz="1400"/>
             </a:lvl1pPr>
-            <a:lvl2pPr marL="457200" indent="0">
+            <a:lvl2pPr marL="457063" indent="0">
               <a:buNone/>
               <a:defRPr sz="1400"/>
             </a:lvl2pPr>
-            <a:lvl3pPr marL="914400" indent="0">
+            <a:lvl3pPr marL="914126" indent="0">
               <a:buNone/>
               <a:defRPr sz="1200"/>
             </a:lvl3pPr>
-            <a:lvl4pPr marL="1371600" indent="0">
+            <a:lvl4pPr marL="1371189" indent="0">
               <a:buNone/>
               <a:defRPr sz="1000"/>
             </a:lvl4pPr>
-            <a:lvl5pPr marL="1828800" indent="0">
+            <a:lvl5pPr marL="1828251" indent="0">
               <a:buNone/>
               <a:defRPr sz="1000"/>
             </a:lvl5pPr>
-            <a:lvl6pPr marL="2286000" indent="0">
+            <a:lvl6pPr marL="2285314" indent="0">
               <a:buNone/>
               <a:defRPr sz="1000"/>
             </a:lvl6pPr>
-            <a:lvl7pPr marL="2743200" indent="0">
+            <a:lvl7pPr marL="2742377" indent="0">
               <a:buNone/>
               <a:defRPr sz="1000"/>
             </a:lvl7pPr>
-            <a:lvl8pPr marL="3200400" indent="0">
+            <a:lvl8pPr marL="3199440" indent="0">
               <a:buNone/>
               <a:defRPr sz="1000"/>
             </a:lvl8pPr>
-            <a:lvl9pPr marL="3657600" indent="0">
+            <a:lvl9pPr marL="3656503" indent="0">
               <a:buNone/>
               <a:defRPr sz="1000"/>
             </a:lvl9pPr>
@@ -2354,13 +5452,7 @@
       </p:sp>
       <p:sp>
         <p:nvSpPr>
-          <p:cNvPr id="5" name="Date Placeholder 4">
-            <a:extLst>
-              <a:ext uri="{FF2B5EF4-FFF2-40B4-BE49-F238E27FC236}">
-                <a16:creationId xmlns:a16="http://schemas.microsoft.com/office/drawing/2014/main" id="{980B0348-D973-4C20-834B-6015AD31FA01}"/>
-              </a:ext>
-            </a:extLst>
-          </p:cNvPr>
+          <p:cNvPr id="5" name="Date Placeholder 4"/>
           <p:cNvSpPr>
             <a:spLocks noGrp="1"/>
           </p:cNvSpPr>
@@ -2375,7 +5467,7 @@
           <a:p>
             <a:fld id="{3B054455-14A8-45A6-99AA-9A7708B07C1A}" type="datetimeFigureOut">
               <a:rPr lang="en-US" smtClean="0"/>
-              <a:t>4/25/2022</a:t>
+              <a:t>5/1/2022</a:t>
             </a:fld>
             <a:endParaRPr lang="en-US"/>
           </a:p>
@@ -2383,13 +5475,7 @@
       </p:sp>
       <p:sp>
         <p:nvSpPr>
-          <p:cNvPr id="6" name="Footer Placeholder 5">
-            <a:extLst>
-              <a:ext uri="{FF2B5EF4-FFF2-40B4-BE49-F238E27FC236}">
-                <a16:creationId xmlns:a16="http://schemas.microsoft.com/office/drawing/2014/main" id="{91B0F5AE-95EC-4679-ADFF-4A91CC7A15D6}"/>
-              </a:ext>
-            </a:extLst>
-          </p:cNvPr>
+          <p:cNvPr id="6" name="Footer Placeholder 5"/>
           <p:cNvSpPr>
             <a:spLocks noGrp="1"/>
           </p:cNvSpPr>
@@ -2408,13 +5494,7 @@
       </p:sp>
       <p:sp>
         <p:nvSpPr>
-          <p:cNvPr id="7" name="Slide Number Placeholder 6">
-            <a:extLst>
-              <a:ext uri="{FF2B5EF4-FFF2-40B4-BE49-F238E27FC236}">
-                <a16:creationId xmlns:a16="http://schemas.microsoft.com/office/drawing/2014/main" id="{1BB4DDD9-D108-4989-BEB3-EE1FD17E66A5}"/>
-              </a:ext>
-            </a:extLst>
-          </p:cNvPr>
+          <p:cNvPr id="7" name="Slide Number Placeholder 6"/>
           <p:cNvSpPr>
             <a:spLocks noGrp="1"/>
           </p:cNvSpPr>
@@ -2438,7 +5518,7 @@
     </p:spTree>
     <p:extLst>
       <p:ext uri="{BB962C8B-B14F-4D97-AF65-F5344CB8AC3E}">
-        <p14:creationId xmlns:p14="http://schemas.microsoft.com/office/powerpoint/2010/main" val="37964197"/>
+        <p14:creationId xmlns:p14="http://schemas.microsoft.com/office/powerpoint/2010/main" val="1817107812"/>
       </p:ext>
     </p:extLst>
   </p:cSld>
@@ -2467,13 +5547,7 @@
       </p:grpSpPr>
       <p:sp>
         <p:nvSpPr>
-          <p:cNvPr id="2" name="Title 1">
-            <a:extLst>
-              <a:ext uri="{FF2B5EF4-FFF2-40B4-BE49-F238E27FC236}">
-                <a16:creationId xmlns:a16="http://schemas.microsoft.com/office/drawing/2014/main" id="{28D69707-03EC-40B3-906D-69FB88F1D6CA}"/>
-              </a:ext>
-            </a:extLst>
-          </p:cNvPr>
+          <p:cNvPr id="2" name="Title 1"/>
           <p:cNvSpPr>
             <a:spLocks noGrp="1"/>
           </p:cNvSpPr>
@@ -2483,15 +5557,17 @@
         </p:nvSpPr>
         <p:spPr>
           <a:xfrm>
-            <a:off x="839788" y="457200"/>
-            <a:ext cx="3932237" cy="1600200"/>
+            <a:off x="677334" y="4800600"/>
+            <a:ext cx="8596667" cy="566738"/>
           </a:xfrm>
         </p:spPr>
         <p:txBody>
-          <a:bodyPr anchor="b"/>
+          <a:bodyPr anchor="b">
+            <a:normAutofit/>
+          </a:bodyPr>
           <a:lstStyle>
-            <a:lvl1pPr>
-              <a:defRPr sz="3200"/>
+            <a:lvl1pPr algn="l">
+              <a:defRPr sz="2400" b="0"/>
             </a:lvl1pPr>
           </a:lstStyle>
           <a:p>
@@ -2499,20 +5575,15 @@
               <a:rPr lang="en-US"/>
               <a:t>Click to edit Master title style</a:t>
             </a:r>
-          </a:p>
-        </p:txBody>
-      </p:sp>
-      <p:sp>
-        <p:nvSpPr>
-          <p:cNvPr id="3" name="Picture Placeholder 2">
-            <a:extLst>
-              <a:ext uri="{FF2B5EF4-FFF2-40B4-BE49-F238E27FC236}">
-                <a16:creationId xmlns:a16="http://schemas.microsoft.com/office/drawing/2014/main" id="{7953A162-AEAF-4A47-B6C0-BED52DCD480E}"/>
-              </a:ext>
-            </a:extLst>
-          </p:cNvPr>
-          <p:cNvSpPr>
-            <a:spLocks noGrp="1"/>
+            <a:endParaRPr lang="en-US" dirty="0"/>
+          </a:p>
+        </p:txBody>
+      </p:sp>
+      <p:sp>
+        <p:nvSpPr>
+          <p:cNvPr id="3" name="Picture Placeholder 2"/>
+          <p:cNvSpPr>
+            <a:spLocks noGrp="1" noChangeAspect="1"/>
           </p:cNvSpPr>
           <p:nvPr>
             <p:ph type="pic" idx="1"/>
@@ -2520,118 +5591,120 @@
         </p:nvSpPr>
         <p:spPr>
           <a:xfrm>
-            <a:off x="5183188" y="987425"/>
-            <a:ext cx="6172200" cy="4873625"/>
+            <a:off x="677334" y="609600"/>
+            <a:ext cx="8596668" cy="3845718"/>
           </a:xfrm>
         </p:spPr>
         <p:txBody>
-          <a:bodyPr/>
+          <a:bodyPr anchor="t">
+            <a:normAutofit/>
+          </a:bodyPr>
           <a:lstStyle>
-            <a:lvl1pPr marL="0" indent="0">
-              <a:buNone/>
-              <a:defRPr sz="3200"/>
-            </a:lvl1pPr>
-            <a:lvl2pPr marL="457200" indent="0">
-              <a:buNone/>
-              <a:defRPr sz="2800"/>
-            </a:lvl2pPr>
-            <a:lvl3pPr marL="914400" indent="0">
-              <a:buNone/>
-              <a:defRPr sz="2400"/>
-            </a:lvl3pPr>
-            <a:lvl4pPr marL="1371600" indent="0">
-              <a:buNone/>
-              <a:defRPr sz="2000"/>
-            </a:lvl4pPr>
-            <a:lvl5pPr marL="1828800" indent="0">
-              <a:buNone/>
-              <a:defRPr sz="2000"/>
-            </a:lvl5pPr>
-            <a:lvl6pPr marL="2286000" indent="0">
-              <a:buNone/>
-              <a:defRPr sz="2000"/>
-            </a:lvl6pPr>
-            <a:lvl7pPr marL="2743200" indent="0">
-              <a:buNone/>
-              <a:defRPr sz="2000"/>
-            </a:lvl7pPr>
-            <a:lvl8pPr marL="3200400" indent="0">
-              <a:buNone/>
-              <a:defRPr sz="2000"/>
-            </a:lvl8pPr>
-            <a:lvl9pPr marL="3657600" indent="0">
-              <a:buNone/>
-              <a:defRPr sz="2000"/>
-            </a:lvl9pPr>
-          </a:lstStyle>
-          <a:p>
-            <a:endParaRPr lang="en-US"/>
-          </a:p>
-        </p:txBody>
-      </p:sp>
-      <p:sp>
-        <p:nvSpPr>
-          <p:cNvPr id="4" name="Text Placeholder 3">
-            <a:extLst>
-              <a:ext uri="{FF2B5EF4-FFF2-40B4-BE49-F238E27FC236}">
-                <a16:creationId xmlns:a16="http://schemas.microsoft.com/office/drawing/2014/main" id="{F7F43F16-B0C8-4CE0-B0C3-DCD4BD70EF12}"/>
-              </a:ext>
-            </a:extLst>
-          </p:cNvPr>
-          <p:cNvSpPr>
-            <a:spLocks noGrp="1"/>
-          </p:cNvSpPr>
-          <p:nvPr>
-            <p:ph type="body" sz="half" idx="2"/>
-          </p:nvPr>
-        </p:nvSpPr>
-        <p:spPr>
-          <a:xfrm>
-            <a:off x="839788" y="2057400"/>
-            <a:ext cx="3932237" cy="3811588"/>
-          </a:xfrm>
-        </p:spPr>
-        <p:txBody>
-          <a:bodyPr/>
-          <a:lstStyle>
-            <a:lvl1pPr marL="0" indent="0">
+            <a:lvl1pPr marL="0" indent="0" algn="ctr">
               <a:buNone/>
               <a:defRPr sz="1600"/>
             </a:lvl1pPr>
             <a:lvl2pPr marL="457200" indent="0">
               <a:buNone/>
-              <a:defRPr sz="1400"/>
+              <a:defRPr sz="1600"/>
             </a:lvl2pPr>
             <a:lvl3pPr marL="914400" indent="0">
               <a:buNone/>
-              <a:defRPr sz="1200"/>
+              <a:defRPr sz="1600"/>
             </a:lvl3pPr>
             <a:lvl4pPr marL="1371600" indent="0">
               <a:buNone/>
-              <a:defRPr sz="1000"/>
+              <a:defRPr sz="1600"/>
             </a:lvl4pPr>
             <a:lvl5pPr marL="1828800" indent="0">
               <a:buNone/>
-              <a:defRPr sz="1000"/>
+              <a:defRPr sz="1600"/>
             </a:lvl5pPr>
             <a:lvl6pPr marL="2286000" indent="0">
               <a:buNone/>
-              <a:defRPr sz="1000"/>
+              <a:defRPr sz="1600"/>
             </a:lvl6pPr>
             <a:lvl7pPr marL="2743200" indent="0">
               <a:buNone/>
-              <a:defRPr sz="1000"/>
+              <a:defRPr sz="1600"/>
             </a:lvl7pPr>
             <a:lvl8pPr marL="3200400" indent="0">
               <a:buNone/>
-              <a:defRPr sz="1000"/>
+              <a:defRPr sz="1600"/>
             </a:lvl8pPr>
             <a:lvl9pPr marL="3657600" indent="0">
               <a:buNone/>
-              <a:defRPr sz="1000"/>
+              <a:defRPr sz="1600"/>
             </a:lvl9pPr>
           </a:lstStyle>
           <a:p>
+            <a:r>
+              <a:rPr lang="en-US"/>
+              <a:t>Click icon to add picture</a:t>
+            </a:r>
+            <a:endParaRPr lang="en-US" dirty="0"/>
+          </a:p>
+        </p:txBody>
+      </p:sp>
+      <p:sp>
+        <p:nvSpPr>
+          <p:cNvPr id="4" name="Text Placeholder 3"/>
+          <p:cNvSpPr>
+            <a:spLocks noGrp="1"/>
+          </p:cNvSpPr>
+          <p:nvPr>
+            <p:ph type="body" sz="half" idx="2"/>
+          </p:nvPr>
+        </p:nvSpPr>
+        <p:spPr>
+          <a:xfrm>
+            <a:off x="677334" y="5367338"/>
+            <a:ext cx="8596667" cy="674024"/>
+          </a:xfrm>
+        </p:spPr>
+        <p:txBody>
+          <a:bodyPr>
+            <a:normAutofit/>
+          </a:bodyPr>
+          <a:lstStyle>
+            <a:lvl1pPr marL="0" indent="0">
+              <a:buNone/>
+              <a:defRPr sz="1200"/>
+            </a:lvl1pPr>
+            <a:lvl2pPr marL="457200" indent="0">
+              <a:buNone/>
+              <a:defRPr sz="1200"/>
+            </a:lvl2pPr>
+            <a:lvl3pPr marL="914400" indent="0">
+              <a:buNone/>
+              <a:defRPr sz="1000"/>
+            </a:lvl3pPr>
+            <a:lvl4pPr marL="1371600" indent="0">
+              <a:buNone/>
+              <a:defRPr sz="900"/>
+            </a:lvl4pPr>
+            <a:lvl5pPr marL="1828800" indent="0">
+              <a:buNone/>
+              <a:defRPr sz="900"/>
+            </a:lvl5pPr>
+            <a:lvl6pPr marL="2286000" indent="0">
+              <a:buNone/>
+              <a:defRPr sz="900"/>
+            </a:lvl6pPr>
+            <a:lvl7pPr marL="2743200" indent="0">
+              <a:buNone/>
+              <a:defRPr sz="900"/>
+            </a:lvl7pPr>
+            <a:lvl8pPr marL="3200400" indent="0">
+              <a:buNone/>
+              <a:defRPr sz="900"/>
+            </a:lvl8pPr>
+            <a:lvl9pPr marL="3657600" indent="0">
+              <a:buNone/>
+              <a:defRPr sz="900"/>
+            </a:lvl9pPr>
+          </a:lstStyle>
+          <a:p>
             <a:pPr lvl="0"/>
             <a:r>
               <a:rPr lang="en-US"/>
@@ -2642,13 +5715,7 @@
       </p:sp>
       <p:sp>
         <p:nvSpPr>
-          <p:cNvPr id="5" name="Date Placeholder 4">
-            <a:extLst>
-              <a:ext uri="{FF2B5EF4-FFF2-40B4-BE49-F238E27FC236}">
-                <a16:creationId xmlns:a16="http://schemas.microsoft.com/office/drawing/2014/main" id="{2952A6E0-3F36-4192-93EB-AD36002451A2}"/>
-              </a:ext>
-            </a:extLst>
-          </p:cNvPr>
+          <p:cNvPr id="5" name="Date Placeholder 4"/>
           <p:cNvSpPr>
             <a:spLocks noGrp="1"/>
           </p:cNvSpPr>
@@ -2663,7 +5730,7 @@
           <a:p>
             <a:fld id="{3B054455-14A8-45A6-99AA-9A7708B07C1A}" type="datetimeFigureOut">
               <a:rPr lang="en-US" smtClean="0"/>
-              <a:t>4/25/2022</a:t>
+              <a:t>5/1/2022</a:t>
             </a:fld>
             <a:endParaRPr lang="en-US"/>
           </a:p>
@@ -2671,13 +5738,7 @@
       </p:sp>
       <p:sp>
         <p:nvSpPr>
-          <p:cNvPr id="6" name="Footer Placeholder 5">
-            <a:extLst>
-              <a:ext uri="{FF2B5EF4-FFF2-40B4-BE49-F238E27FC236}">
-                <a16:creationId xmlns:a16="http://schemas.microsoft.com/office/drawing/2014/main" id="{036F1F66-7A1F-4617-ABC9-28A2B1177FB6}"/>
-              </a:ext>
-            </a:extLst>
-          </p:cNvPr>
+          <p:cNvPr id="6" name="Footer Placeholder 5"/>
           <p:cNvSpPr>
             <a:spLocks noGrp="1"/>
           </p:cNvSpPr>
@@ -2696,13 +5757,7 @@
       </p:sp>
       <p:sp>
         <p:nvSpPr>
-          <p:cNvPr id="7" name="Slide Number Placeholder 6">
-            <a:extLst>
-              <a:ext uri="{FF2B5EF4-FFF2-40B4-BE49-F238E27FC236}">
-                <a16:creationId xmlns:a16="http://schemas.microsoft.com/office/drawing/2014/main" id="{E555939F-7605-4D38-8222-11733800414D}"/>
-              </a:ext>
-            </a:extLst>
-          </p:cNvPr>
+          <p:cNvPr id="7" name="Slide Number Placeholder 6"/>
           <p:cNvSpPr>
             <a:spLocks noGrp="1"/>
           </p:cNvSpPr>
@@ -2726,7 +5781,7 @@
     </p:spTree>
     <p:extLst>
       <p:ext uri="{BB962C8B-B14F-4D97-AF65-F5344CB8AC3E}">
-        <p14:creationId xmlns:p14="http://schemas.microsoft.com/office/powerpoint/2010/main" val="3170622565"/>
+        <p14:creationId xmlns:p14="http://schemas.microsoft.com/office/powerpoint/2010/main" val="3406980036"/>
       </p:ext>
     </p:extLst>
   </p:cSld>
@@ -2758,15 +5813,539 @@
           <a:chExt cx="0" cy="0"/>
         </a:xfrm>
       </p:grpSpPr>
-      <p:sp>
-        <p:nvSpPr>
-          <p:cNvPr id="2" name="Title Placeholder 1">
-            <a:extLst>
-              <a:ext uri="{FF2B5EF4-FFF2-40B4-BE49-F238E27FC236}">
-                <a16:creationId xmlns:a16="http://schemas.microsoft.com/office/drawing/2014/main" id="{F6C835D3-589E-4845-88E5-C6768581A501}"/>
-              </a:ext>
-            </a:extLst>
-          </p:cNvPr>
+      <p:grpSp>
+        <p:nvGrpSpPr>
+          <p:cNvPr id="7" name="Group 6"/>
+          <p:cNvGrpSpPr/>
+          <p:nvPr/>
+        </p:nvGrpSpPr>
+        <p:grpSpPr>
+          <a:xfrm>
+            <a:off x="0" y="-8467"/>
+            <a:ext cx="12192000" cy="6866467"/>
+            <a:chOff x="0" y="-8467"/>
+            <a:chExt cx="12192000" cy="6866467"/>
+          </a:xfrm>
+        </p:grpSpPr>
+        <p:cxnSp>
+          <p:nvCxnSpPr>
+            <p:cNvPr id="20" name="Straight Connector 19"/>
+            <p:cNvCxnSpPr/>
+            <p:nvPr/>
+          </p:nvCxnSpPr>
+          <p:spPr>
+            <a:xfrm>
+              <a:off x="9371012" y="0"/>
+              <a:ext cx="1219200" cy="6858000"/>
+            </a:xfrm>
+            <a:prstGeom prst="line">
+              <a:avLst/>
+            </a:prstGeom>
+            <a:ln w="9525">
+              <a:solidFill>
+                <a:schemeClr val="bg1">
+                  <a:lumMod val="75000"/>
+                </a:schemeClr>
+              </a:solidFill>
+            </a:ln>
+          </p:spPr>
+          <p:style>
+            <a:lnRef idx="2">
+              <a:schemeClr val="accent1"/>
+            </a:lnRef>
+            <a:fillRef idx="0">
+              <a:schemeClr val="accent1"/>
+            </a:fillRef>
+            <a:effectRef idx="1">
+              <a:schemeClr val="accent1"/>
+            </a:effectRef>
+            <a:fontRef idx="minor">
+              <a:schemeClr val="tx1"/>
+            </a:fontRef>
+          </p:style>
+        </p:cxnSp>
+        <p:cxnSp>
+          <p:nvCxnSpPr>
+            <p:cNvPr id="21" name="Straight Connector 20"/>
+            <p:cNvCxnSpPr/>
+            <p:nvPr/>
+          </p:nvCxnSpPr>
+          <p:spPr>
+            <a:xfrm flipH="1">
+              <a:off x="7425267" y="3681413"/>
+              <a:ext cx="4763558" cy="3176587"/>
+            </a:xfrm>
+            <a:prstGeom prst="line">
+              <a:avLst/>
+            </a:prstGeom>
+            <a:ln w="9525">
+              <a:solidFill>
+                <a:schemeClr val="bg1">
+                  <a:lumMod val="85000"/>
+                </a:schemeClr>
+              </a:solidFill>
+            </a:ln>
+          </p:spPr>
+          <p:style>
+            <a:lnRef idx="2">
+              <a:schemeClr val="accent1"/>
+            </a:lnRef>
+            <a:fillRef idx="0">
+              <a:schemeClr val="accent1"/>
+            </a:fillRef>
+            <a:effectRef idx="1">
+              <a:schemeClr val="accent1"/>
+            </a:effectRef>
+            <a:fontRef idx="minor">
+              <a:schemeClr val="tx1"/>
+            </a:fontRef>
+          </p:style>
+        </p:cxnSp>
+        <p:sp>
+          <p:nvSpPr>
+            <p:cNvPr id="22" name="Rectangle 23"/>
+            <p:cNvSpPr/>
+            <p:nvPr/>
+          </p:nvSpPr>
+          <p:spPr>
+            <a:xfrm>
+              <a:off x="9181476" y="-8467"/>
+              <a:ext cx="3007349" cy="6866467"/>
+            </a:xfrm>
+            <a:custGeom>
+              <a:avLst/>
+              <a:gdLst/>
+              <a:ahLst/>
+              <a:cxnLst/>
+              <a:rect l="l" t="t" r="r" b="b"/>
+              <a:pathLst>
+                <a:path w="3007349" h="6866467">
+                  <a:moveTo>
+                    <a:pt x="2045532" y="0"/>
+                  </a:moveTo>
+                  <a:lnTo>
+                    <a:pt x="3007349" y="0"/>
+                  </a:lnTo>
+                  <a:lnTo>
+                    <a:pt x="3007349" y="6866467"/>
+                  </a:lnTo>
+                  <a:lnTo>
+                    <a:pt x="0" y="6866467"/>
+                  </a:lnTo>
+                  <a:lnTo>
+                    <a:pt x="2045532" y="0"/>
+                  </a:lnTo>
+                  <a:close/>
+                </a:path>
+              </a:pathLst>
+            </a:custGeom>
+            <a:solidFill>
+              <a:schemeClr val="accent1">
+                <a:alpha val="30000"/>
+              </a:schemeClr>
+            </a:solidFill>
+            <a:ln>
+              <a:noFill/>
+            </a:ln>
+            <a:effectLst/>
+          </p:spPr>
+          <p:style>
+            <a:lnRef idx="1">
+              <a:schemeClr val="accent1"/>
+            </a:lnRef>
+            <a:fillRef idx="3">
+              <a:schemeClr val="accent1"/>
+            </a:fillRef>
+            <a:effectRef idx="2">
+              <a:schemeClr val="accent1"/>
+            </a:effectRef>
+            <a:fontRef idx="minor">
+              <a:schemeClr val="lt1"/>
+            </a:fontRef>
+          </p:style>
+        </p:sp>
+        <p:sp>
+          <p:nvSpPr>
+            <p:cNvPr id="23" name="Rectangle 25"/>
+            <p:cNvSpPr/>
+            <p:nvPr/>
+          </p:nvSpPr>
+          <p:spPr>
+            <a:xfrm>
+              <a:off x="9603442" y="-8467"/>
+              <a:ext cx="2588558" cy="6866467"/>
+            </a:xfrm>
+            <a:custGeom>
+              <a:avLst/>
+              <a:gdLst/>
+              <a:ahLst/>
+              <a:cxnLst/>
+              <a:rect l="l" t="t" r="r" b="b"/>
+              <a:pathLst>
+                <a:path w="2573311" h="6866467">
+                  <a:moveTo>
+                    <a:pt x="0" y="0"/>
+                  </a:moveTo>
+                  <a:lnTo>
+                    <a:pt x="2573311" y="0"/>
+                  </a:lnTo>
+                  <a:lnTo>
+                    <a:pt x="2573311" y="6866467"/>
+                  </a:lnTo>
+                  <a:lnTo>
+                    <a:pt x="1202336" y="6866467"/>
+                  </a:lnTo>
+                  <a:lnTo>
+                    <a:pt x="0" y="0"/>
+                  </a:lnTo>
+                  <a:close/>
+                </a:path>
+              </a:pathLst>
+            </a:custGeom>
+            <a:solidFill>
+              <a:schemeClr val="accent1">
+                <a:alpha val="20000"/>
+              </a:schemeClr>
+            </a:solidFill>
+            <a:ln>
+              <a:noFill/>
+            </a:ln>
+            <a:effectLst/>
+          </p:spPr>
+          <p:style>
+            <a:lnRef idx="1">
+              <a:schemeClr val="accent1"/>
+            </a:lnRef>
+            <a:fillRef idx="3">
+              <a:schemeClr val="accent1"/>
+            </a:fillRef>
+            <a:effectRef idx="2">
+              <a:schemeClr val="accent1"/>
+            </a:effectRef>
+            <a:fontRef idx="minor">
+              <a:schemeClr val="lt1"/>
+            </a:fontRef>
+          </p:style>
+        </p:sp>
+        <p:sp>
+          <p:nvSpPr>
+            <p:cNvPr id="24" name="Isosceles Triangle 23"/>
+            <p:cNvSpPr/>
+            <p:nvPr/>
+          </p:nvSpPr>
+          <p:spPr>
+            <a:xfrm>
+              <a:off x="8932333" y="3048000"/>
+              <a:ext cx="3259667" cy="3810000"/>
+            </a:xfrm>
+            <a:prstGeom prst="triangle">
+              <a:avLst>
+                <a:gd name="adj" fmla="val 100000"/>
+              </a:avLst>
+            </a:prstGeom>
+            <a:solidFill>
+              <a:schemeClr val="accent2">
+                <a:alpha val="72000"/>
+              </a:schemeClr>
+            </a:solidFill>
+            <a:ln>
+              <a:noFill/>
+            </a:ln>
+            <a:effectLst/>
+          </p:spPr>
+          <p:style>
+            <a:lnRef idx="1">
+              <a:schemeClr val="accent1"/>
+            </a:lnRef>
+            <a:fillRef idx="3">
+              <a:schemeClr val="accent1"/>
+            </a:fillRef>
+            <a:effectRef idx="2">
+              <a:schemeClr val="accent1"/>
+            </a:effectRef>
+            <a:fontRef idx="minor">
+              <a:schemeClr val="lt1"/>
+            </a:fontRef>
+          </p:style>
+        </p:sp>
+        <p:sp>
+          <p:nvSpPr>
+            <p:cNvPr id="25" name="Rectangle 27"/>
+            <p:cNvSpPr/>
+            <p:nvPr/>
+          </p:nvSpPr>
+          <p:spPr>
+            <a:xfrm>
+              <a:off x="9334500" y="-8467"/>
+              <a:ext cx="2854326" cy="6866467"/>
+            </a:xfrm>
+            <a:custGeom>
+              <a:avLst/>
+              <a:gdLst/>
+              <a:ahLst/>
+              <a:cxnLst/>
+              <a:rect l="l" t="t" r="r" b="b"/>
+              <a:pathLst>
+                <a:path w="2858013" h="6866467">
+                  <a:moveTo>
+                    <a:pt x="0" y="0"/>
+                  </a:moveTo>
+                  <a:lnTo>
+                    <a:pt x="2858013" y="0"/>
+                  </a:lnTo>
+                  <a:lnTo>
+                    <a:pt x="2858013" y="6866467"/>
+                  </a:lnTo>
+                  <a:lnTo>
+                    <a:pt x="2473942" y="6866467"/>
+                  </a:lnTo>
+                  <a:lnTo>
+                    <a:pt x="0" y="0"/>
+                  </a:lnTo>
+                  <a:close/>
+                </a:path>
+              </a:pathLst>
+            </a:custGeom>
+            <a:solidFill>
+              <a:schemeClr val="accent2">
+                <a:lumMod val="75000"/>
+                <a:alpha val="70000"/>
+              </a:schemeClr>
+            </a:solidFill>
+            <a:ln>
+              <a:noFill/>
+            </a:ln>
+            <a:effectLst/>
+          </p:spPr>
+          <p:style>
+            <a:lnRef idx="1">
+              <a:schemeClr val="accent1"/>
+            </a:lnRef>
+            <a:fillRef idx="3">
+              <a:schemeClr val="accent1"/>
+            </a:fillRef>
+            <a:effectRef idx="2">
+              <a:schemeClr val="accent1"/>
+            </a:effectRef>
+            <a:fontRef idx="minor">
+              <a:schemeClr val="lt1"/>
+            </a:fontRef>
+          </p:style>
+        </p:sp>
+        <p:sp>
+          <p:nvSpPr>
+            <p:cNvPr id="26" name="Rectangle 28"/>
+            <p:cNvSpPr/>
+            <p:nvPr/>
+          </p:nvSpPr>
+          <p:spPr>
+            <a:xfrm>
+              <a:off x="10898730" y="-8467"/>
+              <a:ext cx="1290094" cy="6866467"/>
+            </a:xfrm>
+            <a:custGeom>
+              <a:avLst/>
+              <a:gdLst/>
+              <a:ahLst/>
+              <a:cxnLst/>
+              <a:rect l="l" t="t" r="r" b="b"/>
+              <a:pathLst>
+                <a:path w="1290094" h="6858000">
+                  <a:moveTo>
+                    <a:pt x="1019735" y="0"/>
+                  </a:moveTo>
+                  <a:lnTo>
+                    <a:pt x="1290094" y="0"/>
+                  </a:lnTo>
+                  <a:lnTo>
+                    <a:pt x="1290094" y="6858000"/>
+                  </a:lnTo>
+                  <a:lnTo>
+                    <a:pt x="0" y="6858000"/>
+                  </a:lnTo>
+                  <a:lnTo>
+                    <a:pt x="1019735" y="0"/>
+                  </a:lnTo>
+                  <a:close/>
+                </a:path>
+              </a:pathLst>
+            </a:custGeom>
+            <a:solidFill>
+              <a:schemeClr val="accent1">
+                <a:lumMod val="60000"/>
+                <a:lumOff val="40000"/>
+                <a:alpha val="70000"/>
+              </a:schemeClr>
+            </a:solidFill>
+            <a:ln>
+              <a:noFill/>
+            </a:ln>
+            <a:effectLst/>
+          </p:spPr>
+          <p:style>
+            <a:lnRef idx="1">
+              <a:schemeClr val="accent1"/>
+            </a:lnRef>
+            <a:fillRef idx="3">
+              <a:schemeClr val="accent1"/>
+            </a:fillRef>
+            <a:effectRef idx="2">
+              <a:schemeClr val="accent1"/>
+            </a:effectRef>
+            <a:fontRef idx="minor">
+              <a:schemeClr val="lt1"/>
+            </a:fontRef>
+          </p:style>
+        </p:sp>
+        <p:sp>
+          <p:nvSpPr>
+            <p:cNvPr id="27" name="Rectangle 29"/>
+            <p:cNvSpPr/>
+            <p:nvPr/>
+          </p:nvSpPr>
+          <p:spPr>
+            <a:xfrm>
+              <a:off x="10938999" y="-8467"/>
+              <a:ext cx="1249825" cy="6866467"/>
+            </a:xfrm>
+            <a:custGeom>
+              <a:avLst/>
+              <a:gdLst/>
+              <a:ahLst/>
+              <a:cxnLst/>
+              <a:rect l="l" t="t" r="r" b="b"/>
+              <a:pathLst>
+                <a:path w="1249825" h="6858000">
+                  <a:moveTo>
+                    <a:pt x="0" y="0"/>
+                  </a:moveTo>
+                  <a:lnTo>
+                    <a:pt x="1249825" y="0"/>
+                  </a:lnTo>
+                  <a:lnTo>
+                    <a:pt x="1249825" y="6858000"/>
+                  </a:lnTo>
+                  <a:lnTo>
+                    <a:pt x="1109382" y="6858000"/>
+                  </a:lnTo>
+                  <a:lnTo>
+                    <a:pt x="0" y="0"/>
+                  </a:lnTo>
+                  <a:close/>
+                </a:path>
+              </a:pathLst>
+            </a:custGeom>
+            <a:solidFill>
+              <a:schemeClr val="accent1">
+                <a:alpha val="65000"/>
+              </a:schemeClr>
+            </a:solidFill>
+            <a:ln>
+              <a:noFill/>
+            </a:ln>
+            <a:effectLst/>
+          </p:spPr>
+          <p:style>
+            <a:lnRef idx="1">
+              <a:schemeClr val="accent1"/>
+            </a:lnRef>
+            <a:fillRef idx="3">
+              <a:schemeClr val="accent1"/>
+            </a:fillRef>
+            <a:effectRef idx="2">
+              <a:schemeClr val="accent1"/>
+            </a:effectRef>
+            <a:fontRef idx="minor">
+              <a:schemeClr val="lt1"/>
+            </a:fontRef>
+          </p:style>
+        </p:sp>
+        <p:sp>
+          <p:nvSpPr>
+            <p:cNvPr id="28" name="Isosceles Triangle 27"/>
+            <p:cNvSpPr/>
+            <p:nvPr/>
+          </p:nvSpPr>
+          <p:spPr>
+            <a:xfrm>
+              <a:off x="10371666" y="3589867"/>
+              <a:ext cx="1817159" cy="3268133"/>
+            </a:xfrm>
+            <a:prstGeom prst="triangle">
+              <a:avLst>
+                <a:gd name="adj" fmla="val 100000"/>
+              </a:avLst>
+            </a:prstGeom>
+            <a:solidFill>
+              <a:schemeClr val="accent1">
+                <a:alpha val="80000"/>
+              </a:schemeClr>
+            </a:solidFill>
+            <a:ln>
+              <a:noFill/>
+            </a:ln>
+            <a:effectLst/>
+          </p:spPr>
+          <p:style>
+            <a:lnRef idx="1">
+              <a:schemeClr val="accent1"/>
+            </a:lnRef>
+            <a:fillRef idx="3">
+              <a:schemeClr val="accent1"/>
+            </a:fillRef>
+            <a:effectRef idx="2">
+              <a:schemeClr val="accent1"/>
+            </a:effectRef>
+            <a:fontRef idx="minor">
+              <a:schemeClr val="lt1"/>
+            </a:fontRef>
+          </p:style>
+        </p:sp>
+        <p:sp>
+          <p:nvSpPr>
+            <p:cNvPr id="29" name="Isosceles Triangle 28"/>
+            <p:cNvSpPr/>
+            <p:nvPr/>
+          </p:nvSpPr>
+          <p:spPr>
+            <a:xfrm>
+              <a:off x="0" y="4013200"/>
+              <a:ext cx="448733" cy="2844800"/>
+            </a:xfrm>
+            <a:prstGeom prst="triangle">
+              <a:avLst>
+                <a:gd name="adj" fmla="val 0"/>
+              </a:avLst>
+            </a:prstGeom>
+            <a:solidFill>
+              <a:schemeClr val="accent1">
+                <a:alpha val="85000"/>
+              </a:schemeClr>
+            </a:solidFill>
+            <a:ln>
+              <a:noFill/>
+            </a:ln>
+            <a:effectLst/>
+          </p:spPr>
+          <p:style>
+            <a:lnRef idx="1">
+              <a:schemeClr val="accent1"/>
+            </a:lnRef>
+            <a:fillRef idx="3">
+              <a:schemeClr val="accent1"/>
+            </a:fillRef>
+            <a:effectRef idx="2">
+              <a:schemeClr val="accent1"/>
+            </a:effectRef>
+            <a:fontRef idx="minor">
+              <a:schemeClr val="lt1"/>
+            </a:fontRef>
+          </p:style>
+        </p:sp>
+      </p:grpSp>
+      <p:sp>
+        <p:nvSpPr>
+          <p:cNvPr id="2" name="Title Placeholder 1"/>
           <p:cNvSpPr>
             <a:spLocks noGrp="1"/>
           </p:cNvSpPr>
@@ -2776,15 +6355,15 @@
         </p:nvSpPr>
         <p:spPr>
           <a:xfrm>
-            <a:off x="838200" y="365125"/>
-            <a:ext cx="10515600" cy="1325563"/>
+            <a:off x="677334" y="609600"/>
+            <a:ext cx="8596668" cy="1320800"/>
           </a:xfrm>
           <a:prstGeom prst="rect">
             <a:avLst/>
           </a:prstGeom>
         </p:spPr>
         <p:txBody>
-          <a:bodyPr vert="horz" lIns="91440" tIns="45720" rIns="91440" bIns="45720" rtlCol="0" anchor="ctr">
+          <a:bodyPr vert="horz" lIns="91440" tIns="45720" rIns="91440" bIns="45720" rtlCol="0" anchor="t">
             <a:normAutofit/>
           </a:bodyPr>
           <a:lstStyle/>
@@ -2793,18 +6372,13 @@
               <a:rPr lang="en-US"/>
               <a:t>Click to edit Master title style</a:t>
             </a:r>
-          </a:p>
-        </p:txBody>
-      </p:sp>
-      <p:sp>
-        <p:nvSpPr>
-          <p:cNvPr id="3" name="Text Placeholder 2">
-            <a:extLst>
-              <a:ext uri="{FF2B5EF4-FFF2-40B4-BE49-F238E27FC236}">
-                <a16:creationId xmlns:a16="http://schemas.microsoft.com/office/drawing/2014/main" id="{6EB1BE76-A0A8-4D78-8DA2-B2AA7E1CFD29}"/>
-              </a:ext>
-            </a:extLst>
-          </p:cNvPr>
+            <a:endParaRPr lang="en-US" dirty="0"/>
+          </a:p>
+        </p:txBody>
+      </p:sp>
+      <p:sp>
+        <p:nvSpPr>
+          <p:cNvPr id="3" name="Text Placeholder 2"/>
           <p:cNvSpPr>
             <a:spLocks noGrp="1"/>
           </p:cNvSpPr>
@@ -2814,8 +6388,8 @@
         </p:nvSpPr>
         <p:spPr>
           <a:xfrm>
-            <a:off x="838200" y="1825625"/>
-            <a:ext cx="10515600" cy="4351338"/>
+            <a:off x="677334" y="2160589"/>
+            <a:ext cx="8596668" cy="3880773"/>
           </a:xfrm>
           <a:prstGeom prst="rect">
             <a:avLst/>
@@ -2860,18 +6434,13 @@
               <a:rPr lang="en-US"/>
               <a:t>Fifth level</a:t>
             </a:r>
-          </a:p>
-        </p:txBody>
-      </p:sp>
-      <p:sp>
-        <p:nvSpPr>
-          <p:cNvPr id="4" name="Date Placeholder 3">
-            <a:extLst>
-              <a:ext uri="{FF2B5EF4-FFF2-40B4-BE49-F238E27FC236}">
-                <a16:creationId xmlns:a16="http://schemas.microsoft.com/office/drawing/2014/main" id="{DFA35EF0-ACC5-4A2C-8424-BCA9AD71BB51}"/>
-              </a:ext>
-            </a:extLst>
-          </p:cNvPr>
+            <a:endParaRPr lang="en-US" dirty="0"/>
+          </a:p>
+        </p:txBody>
+      </p:sp>
+      <p:sp>
+        <p:nvSpPr>
+          <p:cNvPr id="4" name="Date Placeholder 3"/>
           <p:cNvSpPr>
             <a:spLocks noGrp="1"/>
           </p:cNvSpPr>
@@ -2881,8 +6450,8 @@
         </p:nvSpPr>
         <p:spPr>
           <a:xfrm>
-            <a:off x="838200" y="6356350"/>
-            <a:ext cx="2743200" cy="365125"/>
+            <a:off x="7205133" y="6041362"/>
+            <a:ext cx="911939" cy="365125"/>
           </a:xfrm>
           <a:prstGeom prst="rect">
             <a:avLst/>
@@ -2891,8 +6460,8 @@
         <p:txBody>
           <a:bodyPr vert="horz" lIns="91440" tIns="45720" rIns="91440" bIns="45720" rtlCol="0" anchor="ctr"/>
           <a:lstStyle>
-            <a:lvl1pPr algn="l">
-              <a:defRPr sz="1200">
+            <a:lvl1pPr algn="r">
+              <a:defRPr sz="900">
                 <a:solidFill>
                   <a:schemeClr val="tx1">
                     <a:tint val="75000"/>
@@ -2904,7 +6473,7 @@
           <a:p>
             <a:fld id="{3B054455-14A8-45A6-99AA-9A7708B07C1A}" type="datetimeFigureOut">
               <a:rPr lang="en-US" smtClean="0"/>
-              <a:t>4/25/2022</a:t>
+              <a:t>5/1/2022</a:t>
             </a:fld>
             <a:endParaRPr lang="en-US"/>
           </a:p>
@@ -2912,13 +6481,7 @@
       </p:sp>
       <p:sp>
         <p:nvSpPr>
-          <p:cNvPr id="5" name="Footer Placeholder 4">
-            <a:extLst>
-              <a:ext uri="{FF2B5EF4-FFF2-40B4-BE49-F238E27FC236}">
-                <a16:creationId xmlns:a16="http://schemas.microsoft.com/office/drawing/2014/main" id="{38E8ECE2-68CD-478E-9A8F-3589E9D1B8CC}"/>
-              </a:ext>
-            </a:extLst>
-          </p:cNvPr>
+          <p:cNvPr id="5" name="Footer Placeholder 4"/>
           <p:cNvSpPr>
             <a:spLocks noGrp="1"/>
           </p:cNvSpPr>
@@ -2928,8 +6491,8 @@
         </p:nvSpPr>
         <p:spPr>
           <a:xfrm>
-            <a:off x="4038600" y="6356350"/>
-            <a:ext cx="4114800" cy="365125"/>
+            <a:off x="677334" y="6041362"/>
+            <a:ext cx="6297612" cy="365125"/>
           </a:xfrm>
           <a:prstGeom prst="rect">
             <a:avLst/>
@@ -2938,8 +6501,8 @@
         <p:txBody>
           <a:bodyPr vert="horz" lIns="91440" tIns="45720" rIns="91440" bIns="45720" rtlCol="0" anchor="ctr"/>
           <a:lstStyle>
-            <a:lvl1pPr algn="ctr">
-              <a:defRPr sz="1200">
+            <a:lvl1pPr algn="l">
+              <a:defRPr sz="900">
                 <a:solidFill>
                   <a:schemeClr val="tx1">
                     <a:tint val="75000"/>
@@ -2955,13 +6518,7 @@
       </p:sp>
       <p:sp>
         <p:nvSpPr>
-          <p:cNvPr id="6" name="Slide Number Placeholder 5">
-            <a:extLst>
-              <a:ext uri="{FF2B5EF4-FFF2-40B4-BE49-F238E27FC236}">
-                <a16:creationId xmlns:a16="http://schemas.microsoft.com/office/drawing/2014/main" id="{DD568199-3A70-4704-B69B-F0BE20364407}"/>
-              </a:ext>
-            </a:extLst>
-          </p:cNvPr>
+          <p:cNvPr id="6" name="Slide Number Placeholder 5"/>
           <p:cNvSpPr>
             <a:spLocks noGrp="1"/>
           </p:cNvSpPr>
@@ -2971,8 +6528,8 @@
         </p:nvSpPr>
         <p:spPr>
           <a:xfrm>
-            <a:off x="8610600" y="6356350"/>
-            <a:ext cx="2743200" cy="365125"/>
+            <a:off x="8590663" y="6041362"/>
+            <a:ext cx="683339" cy="365125"/>
           </a:xfrm>
           <a:prstGeom prst="rect">
             <a:avLst/>
@@ -2982,11 +6539,9 @@
           <a:bodyPr vert="horz" lIns="91440" tIns="45720" rIns="91440" bIns="45720" rtlCol="0" anchor="ctr"/>
           <a:lstStyle>
             <a:lvl1pPr algn="r">
-              <a:defRPr sz="1200">
+              <a:defRPr sz="900">
                 <a:solidFill>
-                  <a:schemeClr val="tx1">
-                    <a:tint val="75000"/>
-                  </a:schemeClr>
+                  <a:schemeClr val="accent1"/>
                 </a:solidFill>
               </a:defRPr>
             </a:lvl1pPr>
@@ -3003,201 +6558,322 @@
     </p:spTree>
     <p:extLst>
       <p:ext uri="{BB962C8B-B14F-4D97-AF65-F5344CB8AC3E}">
-        <p14:creationId xmlns:p14="http://schemas.microsoft.com/office/powerpoint/2010/main" val="3913799975"/>
+        <p14:creationId xmlns:p14="http://schemas.microsoft.com/office/powerpoint/2010/main" val="1510814395"/>
       </p:ext>
     </p:extLst>
   </p:cSld>
   <p:clrMap bg1="lt1" tx1="dk1" bg2="lt2" tx2="dk2" accent1="accent1" accent2="accent2" accent3="accent3" accent4="accent4" accent5="accent5" accent6="accent6" hlink="hlink" folHlink="folHlink"/>
   <p:sldLayoutIdLst>
-    <p:sldLayoutId id="2147483649" r:id="rId1"/>
-    <p:sldLayoutId id="2147483650" r:id="rId2"/>
-    <p:sldLayoutId id="2147483651" r:id="rId3"/>
-    <p:sldLayoutId id="2147483652" r:id="rId4"/>
-    <p:sldLayoutId id="2147483653" r:id="rId5"/>
-    <p:sldLayoutId id="2147483654" r:id="rId6"/>
-    <p:sldLayoutId id="2147483655" r:id="rId7"/>
-    <p:sldLayoutId id="2147483656" r:id="rId8"/>
-    <p:sldLayoutId id="2147483657" r:id="rId9"/>
-    <p:sldLayoutId id="2147483658" r:id="rId10"/>
-    <p:sldLayoutId id="2147483659" r:id="rId11"/>
+    <p:sldLayoutId id="2147483745" r:id="rId1"/>
+    <p:sldLayoutId id="2147483746" r:id="rId2"/>
+    <p:sldLayoutId id="2147483747" r:id="rId3"/>
+    <p:sldLayoutId id="2147483748" r:id="rId4"/>
+    <p:sldLayoutId id="2147483749" r:id="rId5"/>
+    <p:sldLayoutId id="2147483750" r:id="rId6"/>
+    <p:sldLayoutId id="2147483751" r:id="rId7"/>
+    <p:sldLayoutId id="2147483752" r:id="rId8"/>
+    <p:sldLayoutId id="2147483753" r:id="rId9"/>
+    <p:sldLayoutId id="2147483754" r:id="rId10"/>
+    <p:sldLayoutId id="2147483755" r:id="rId11"/>
+    <p:sldLayoutId id="2147483756" r:id="rId12"/>
+    <p:sldLayoutId id="2147483757" r:id="rId13"/>
+    <p:sldLayoutId id="2147483758" r:id="rId14"/>
+    <p:sldLayoutId id="2147483759" r:id="rId15"/>
+    <p:sldLayoutId id="2147483760" r:id="rId16"/>
   </p:sldLayoutIdLst>
   <p:txStyles>
     <p:titleStyle>
-      <a:lvl1pPr algn="l" defTabSz="914400" rtl="0" eaLnBrk="1" latinLnBrk="0" hangingPunct="1">
-        <a:lnSpc>
-          <a:spcPct val="90000"/>
-        </a:lnSpc>
+      <a:lvl1pPr algn="l" defTabSz="457200" rtl="0" eaLnBrk="1" latinLnBrk="0" hangingPunct="1">
         <a:spcBef>
           <a:spcPct val="0"/>
         </a:spcBef>
         <a:buNone/>
-        <a:defRPr sz="4400" kern="1200">
+        <a:defRPr sz="3600" kern="1200">
           <a:solidFill>
-            <a:schemeClr val="tx1"/>
+            <a:schemeClr val="accent1"/>
           </a:solidFill>
           <a:latin typeface="+mj-lt"/>
           <a:ea typeface="+mj-ea"/>
           <a:cs typeface="+mj-cs"/>
         </a:defRPr>
       </a:lvl1pPr>
+      <a:lvl2pPr eaLnBrk="1" hangingPunct="1">
+        <a:defRPr>
+          <a:solidFill>
+            <a:schemeClr val="tx2"/>
+          </a:solidFill>
+        </a:defRPr>
+      </a:lvl2pPr>
+      <a:lvl3pPr eaLnBrk="1" hangingPunct="1">
+        <a:defRPr>
+          <a:solidFill>
+            <a:schemeClr val="tx2"/>
+          </a:solidFill>
+        </a:defRPr>
+      </a:lvl3pPr>
+      <a:lvl4pPr eaLnBrk="1" hangingPunct="1">
+        <a:defRPr>
+          <a:solidFill>
+            <a:schemeClr val="tx2"/>
+          </a:solidFill>
+        </a:defRPr>
+      </a:lvl4pPr>
+      <a:lvl5pPr eaLnBrk="1" hangingPunct="1">
+        <a:defRPr>
+          <a:solidFill>
+            <a:schemeClr val="tx2"/>
+          </a:solidFill>
+        </a:defRPr>
+      </a:lvl5pPr>
+      <a:lvl6pPr eaLnBrk="1" hangingPunct="1">
+        <a:defRPr>
+          <a:solidFill>
+            <a:schemeClr val="tx2"/>
+          </a:solidFill>
+        </a:defRPr>
+      </a:lvl6pPr>
+      <a:lvl7pPr eaLnBrk="1" hangingPunct="1">
+        <a:defRPr>
+          <a:solidFill>
+            <a:schemeClr val="tx2"/>
+          </a:solidFill>
+        </a:defRPr>
+      </a:lvl7pPr>
+      <a:lvl8pPr eaLnBrk="1" hangingPunct="1">
+        <a:defRPr>
+          <a:solidFill>
+            <a:schemeClr val="tx2"/>
+          </a:solidFill>
+        </a:defRPr>
+      </a:lvl8pPr>
+      <a:lvl9pPr eaLnBrk="1" hangingPunct="1">
+        <a:defRPr>
+          <a:solidFill>
+            <a:schemeClr val="tx2"/>
+          </a:solidFill>
+        </a:defRPr>
+      </a:lvl9pPr>
     </p:titleStyle>
     <p:bodyStyle>
-      <a:lvl1pPr marL="228600" indent="-228600" algn="l" defTabSz="914400" rtl="0" eaLnBrk="1" latinLnBrk="0" hangingPunct="1">
-        <a:lnSpc>
-          <a:spcPct val="90000"/>
-        </a:lnSpc>
+      <a:lvl1pPr marL="342900" indent="-342900" algn="l" defTabSz="457200" rtl="0" eaLnBrk="1" latinLnBrk="0" hangingPunct="1">
         <a:spcBef>
           <a:spcPts val="1000"/>
         </a:spcBef>
-        <a:buFont typeface="Arial" panose="020B0604020202020204" pitchFamily="34" charset="0"/>
-        <a:buChar char="•"/>
-        <a:defRPr sz="2800" kern="1200">
+        <a:spcAft>
+          <a:spcPts val="0"/>
+        </a:spcAft>
+        <a:buClr>
+          <a:schemeClr val="accent1"/>
+        </a:buClr>
+        <a:buSzPct val="80000"/>
+        <a:buFont typeface="Wingdings 3" charset="2"/>
+        <a:buChar char=""/>
+        <a:defRPr sz="1800" kern="1200">
           <a:solidFill>
-            <a:schemeClr val="tx1"/>
+            <a:schemeClr val="tx1">
+              <a:lumMod val="75000"/>
+              <a:lumOff val="25000"/>
+            </a:schemeClr>
           </a:solidFill>
           <a:latin typeface="+mn-lt"/>
           <a:ea typeface="+mn-ea"/>
           <a:cs typeface="+mn-cs"/>
         </a:defRPr>
       </a:lvl1pPr>
-      <a:lvl2pPr marL="685800" indent="-228600" algn="l" defTabSz="914400" rtl="0" eaLnBrk="1" latinLnBrk="0" hangingPunct="1">
-        <a:lnSpc>
-          <a:spcPct val="90000"/>
-        </a:lnSpc>
+      <a:lvl2pPr marL="742950" indent="-285750" algn="l" defTabSz="457200" rtl="0" eaLnBrk="1" latinLnBrk="0" hangingPunct="1">
         <a:spcBef>
-          <a:spcPts val="500"/>
+          <a:spcPts val="1000"/>
         </a:spcBef>
-        <a:buFont typeface="Arial" panose="020B0604020202020204" pitchFamily="34" charset="0"/>
-        <a:buChar char="•"/>
-        <a:defRPr sz="2400" kern="1200">
+        <a:spcAft>
+          <a:spcPts val="0"/>
+        </a:spcAft>
+        <a:buClr>
+          <a:schemeClr val="accent1"/>
+        </a:buClr>
+        <a:buSzPct val="80000"/>
+        <a:buFont typeface="Wingdings 3" charset="2"/>
+        <a:buChar char=""/>
+        <a:defRPr sz="1600" kern="1200">
           <a:solidFill>
-            <a:schemeClr val="tx1"/>
+            <a:schemeClr val="tx1">
+              <a:lumMod val="75000"/>
+              <a:lumOff val="25000"/>
+            </a:schemeClr>
           </a:solidFill>
           <a:latin typeface="+mn-lt"/>
           <a:ea typeface="+mn-ea"/>
           <a:cs typeface="+mn-cs"/>
         </a:defRPr>
       </a:lvl2pPr>
-      <a:lvl3pPr marL="1143000" indent="-228600" algn="l" defTabSz="914400" rtl="0" eaLnBrk="1" latinLnBrk="0" hangingPunct="1">
-        <a:lnSpc>
-          <a:spcPct val="90000"/>
-        </a:lnSpc>
+      <a:lvl3pPr marL="1143000" indent="-228600" algn="l" defTabSz="457200" rtl="0" eaLnBrk="1" latinLnBrk="0" hangingPunct="1">
         <a:spcBef>
-          <a:spcPts val="500"/>
+          <a:spcPts val="1000"/>
         </a:spcBef>
-        <a:buFont typeface="Arial" panose="020B0604020202020204" pitchFamily="34" charset="0"/>
-        <a:buChar char="•"/>
-        <a:defRPr sz="2000" kern="1200">
+        <a:spcAft>
+          <a:spcPts val="0"/>
+        </a:spcAft>
+        <a:buClr>
+          <a:schemeClr val="accent1"/>
+        </a:buClr>
+        <a:buSzPct val="80000"/>
+        <a:buFont typeface="Wingdings 3" charset="2"/>
+        <a:buChar char=""/>
+        <a:defRPr sz="1400" kern="1200">
           <a:solidFill>
-            <a:schemeClr val="tx1"/>
+            <a:schemeClr val="tx1">
+              <a:lumMod val="75000"/>
+              <a:lumOff val="25000"/>
+            </a:schemeClr>
           </a:solidFill>
           <a:latin typeface="+mn-lt"/>
           <a:ea typeface="+mn-ea"/>
           <a:cs typeface="+mn-cs"/>
         </a:defRPr>
       </a:lvl3pPr>
-      <a:lvl4pPr marL="1600200" indent="-228600" algn="l" defTabSz="914400" rtl="0" eaLnBrk="1" latinLnBrk="0" hangingPunct="1">
-        <a:lnSpc>
-          <a:spcPct val="90000"/>
-        </a:lnSpc>
+      <a:lvl4pPr marL="1600200" indent="-228600" algn="l" defTabSz="457200" rtl="0" eaLnBrk="1" latinLnBrk="0" hangingPunct="1">
         <a:spcBef>
-          <a:spcPts val="500"/>
+          <a:spcPts val="1000"/>
         </a:spcBef>
-        <a:buFont typeface="Arial" panose="020B0604020202020204" pitchFamily="34" charset="0"/>
-        <a:buChar char="•"/>
-        <a:defRPr sz="1800" kern="1200">
+        <a:spcAft>
+          <a:spcPts val="0"/>
+        </a:spcAft>
+        <a:buClr>
+          <a:schemeClr val="accent1"/>
+        </a:buClr>
+        <a:buSzPct val="80000"/>
+        <a:buFont typeface="Wingdings 3" charset="2"/>
+        <a:buChar char=""/>
+        <a:defRPr sz="1200" kern="1200">
           <a:solidFill>
-            <a:schemeClr val="tx1"/>
+            <a:schemeClr val="tx1">
+              <a:lumMod val="75000"/>
+              <a:lumOff val="25000"/>
+            </a:schemeClr>
           </a:solidFill>
           <a:latin typeface="+mn-lt"/>
           <a:ea typeface="+mn-ea"/>
           <a:cs typeface="+mn-cs"/>
         </a:defRPr>
       </a:lvl4pPr>
-      <a:lvl5pPr marL="2057400" indent="-228600" algn="l" defTabSz="914400" rtl="0" eaLnBrk="1" latinLnBrk="0" hangingPunct="1">
-        <a:lnSpc>
-          <a:spcPct val="90000"/>
-        </a:lnSpc>
+      <a:lvl5pPr marL="2057400" indent="-228600" algn="l" defTabSz="457200" rtl="0" eaLnBrk="1" latinLnBrk="0" hangingPunct="1">
         <a:spcBef>
-          <a:spcPts val="500"/>
+          <a:spcPts val="1000"/>
         </a:spcBef>
-        <a:buFont typeface="Arial" panose="020B0604020202020204" pitchFamily="34" charset="0"/>
-        <a:buChar char="•"/>
-        <a:defRPr sz="1800" kern="1200">
+        <a:spcAft>
+          <a:spcPts val="0"/>
+        </a:spcAft>
+        <a:buClr>
+          <a:schemeClr val="accent1"/>
+        </a:buClr>
+        <a:buSzPct val="80000"/>
+        <a:buFont typeface="Wingdings 3" charset="2"/>
+        <a:buChar char=""/>
+        <a:defRPr sz="1200" kern="1200">
           <a:solidFill>
-            <a:schemeClr val="tx1"/>
+            <a:schemeClr val="tx1">
+              <a:lumMod val="75000"/>
+              <a:lumOff val="25000"/>
+            </a:schemeClr>
           </a:solidFill>
           <a:latin typeface="+mn-lt"/>
           <a:ea typeface="+mn-ea"/>
           <a:cs typeface="+mn-cs"/>
         </a:defRPr>
       </a:lvl5pPr>
-      <a:lvl6pPr marL="2514600" indent="-228600" algn="l" defTabSz="914400" rtl="0" eaLnBrk="1" latinLnBrk="0" hangingPunct="1">
-        <a:lnSpc>
-          <a:spcPct val="90000"/>
-        </a:lnSpc>
+      <a:lvl6pPr marL="2514600" indent="-228600" algn="l" defTabSz="457200" rtl="0" eaLnBrk="1" latinLnBrk="0" hangingPunct="1">
         <a:spcBef>
-          <a:spcPts val="500"/>
+          <a:spcPts val="1000"/>
         </a:spcBef>
-        <a:buFont typeface="Arial" panose="020B0604020202020204" pitchFamily="34" charset="0"/>
-        <a:buChar char="•"/>
-        <a:defRPr sz="1800" kern="1200">
+        <a:spcAft>
+          <a:spcPts val="0"/>
+        </a:spcAft>
+        <a:buClr>
+          <a:schemeClr val="accent1"/>
+        </a:buClr>
+        <a:buSzPct val="80000"/>
+        <a:buFont typeface="Wingdings 3" charset="2"/>
+        <a:buChar char=""/>
+        <a:defRPr sz="1200" kern="1200">
           <a:solidFill>
-            <a:schemeClr val="tx1"/>
+            <a:schemeClr val="tx1">
+              <a:lumMod val="75000"/>
+              <a:lumOff val="25000"/>
+            </a:schemeClr>
           </a:solidFill>
           <a:latin typeface="+mn-lt"/>
           <a:ea typeface="+mn-ea"/>
           <a:cs typeface="+mn-cs"/>
         </a:defRPr>
       </a:lvl6pPr>
-      <a:lvl7pPr marL="2971800" indent="-228600" algn="l" defTabSz="914400" rtl="0" eaLnBrk="1" latinLnBrk="0" hangingPunct="1">
-        <a:lnSpc>
-          <a:spcPct val="90000"/>
-        </a:lnSpc>
+      <a:lvl7pPr marL="2971800" indent="-228600" algn="l" defTabSz="457200" rtl="0" eaLnBrk="1" latinLnBrk="0" hangingPunct="1">
         <a:spcBef>
-          <a:spcPts val="500"/>
+          <a:spcPts val="1000"/>
         </a:spcBef>
-        <a:buFont typeface="Arial" panose="020B0604020202020204" pitchFamily="34" charset="0"/>
-        <a:buChar char="•"/>
-        <a:defRPr sz="1800" kern="1200">
+        <a:spcAft>
+          <a:spcPts val="0"/>
+        </a:spcAft>
+        <a:buClr>
+          <a:schemeClr val="accent1"/>
+        </a:buClr>
+        <a:buSzPct val="80000"/>
+        <a:buFont typeface="Wingdings 3" charset="2"/>
+        <a:buChar char=""/>
+        <a:defRPr sz="1200" kern="1200">
           <a:solidFill>
-            <a:schemeClr val="tx1"/>
+            <a:schemeClr val="tx1">
+              <a:lumMod val="75000"/>
+              <a:lumOff val="25000"/>
+            </a:schemeClr>
           </a:solidFill>
           <a:latin typeface="+mn-lt"/>
           <a:ea typeface="+mn-ea"/>
           <a:cs typeface="+mn-cs"/>
         </a:defRPr>
       </a:lvl7pPr>
-      <a:lvl8pPr marL="3429000" indent="-228600" algn="l" defTabSz="914400" rtl="0" eaLnBrk="1" latinLnBrk="0" hangingPunct="1">
-        <a:lnSpc>
-          <a:spcPct val="90000"/>
-        </a:lnSpc>
+      <a:lvl8pPr marL="3429000" indent="-228600" algn="l" defTabSz="457200" rtl="0" eaLnBrk="1" latinLnBrk="0" hangingPunct="1">
         <a:spcBef>
-          <a:spcPts val="500"/>
+          <a:spcPts val="1000"/>
         </a:spcBef>
-        <a:buFont typeface="Arial" panose="020B0604020202020204" pitchFamily="34" charset="0"/>
-        <a:buChar char="•"/>
-        <a:defRPr sz="1800" kern="1200">
+        <a:spcAft>
+          <a:spcPts val="0"/>
+        </a:spcAft>
+        <a:buClr>
+          <a:schemeClr val="accent1"/>
+        </a:buClr>
+        <a:buSzPct val="80000"/>
+        <a:buFont typeface="Wingdings 3" charset="2"/>
+        <a:buChar char=""/>
+        <a:defRPr sz="1200" kern="1200">
           <a:solidFill>
-            <a:schemeClr val="tx1"/>
+            <a:schemeClr val="tx1">
+              <a:lumMod val="75000"/>
+              <a:lumOff val="25000"/>
+            </a:schemeClr>
           </a:solidFill>
           <a:latin typeface="+mn-lt"/>
           <a:ea typeface="+mn-ea"/>
           <a:cs typeface="+mn-cs"/>
         </a:defRPr>
       </a:lvl8pPr>
-      <a:lvl9pPr marL="3886200" indent="-228600" algn="l" defTabSz="914400" rtl="0" eaLnBrk="1" latinLnBrk="0" hangingPunct="1">
-        <a:lnSpc>
-          <a:spcPct val="90000"/>
-        </a:lnSpc>
+      <a:lvl9pPr marL="3886200" indent="-228600" algn="l" defTabSz="457200" rtl="0" eaLnBrk="1" latinLnBrk="0" hangingPunct="1">
         <a:spcBef>
-          <a:spcPts val="500"/>
+          <a:spcPts val="1000"/>
         </a:spcBef>
-        <a:buFont typeface="Arial" panose="020B0604020202020204" pitchFamily="34" charset="0"/>
-        <a:buChar char="•"/>
-        <a:defRPr sz="1800" kern="1200">
+        <a:spcAft>
+          <a:spcPts val="0"/>
+        </a:spcAft>
+        <a:buClr>
+          <a:schemeClr val="accent1"/>
+        </a:buClr>
+        <a:buSzPct val="80000"/>
+        <a:buFont typeface="Wingdings 3" charset="2"/>
+        <a:buChar char=""/>
+        <a:defRPr sz="1200" kern="1200">
           <a:solidFill>
-            <a:schemeClr val="tx1"/>
+            <a:schemeClr val="tx1">
+              <a:lumMod val="75000"/>
+              <a:lumOff val="25000"/>
+            </a:schemeClr>
           </a:solidFill>
           <a:latin typeface="+mn-lt"/>
           <a:ea typeface="+mn-ea"/>
@@ -3209,7 +6885,7 @@
       <a:defPPr>
         <a:defRPr lang="en-US"/>
       </a:defPPr>
-      <a:lvl1pPr marL="0" algn="l" defTabSz="914400" rtl="0" eaLnBrk="1" latinLnBrk="0" hangingPunct="1">
+      <a:lvl1pPr marL="0" algn="l" defTabSz="457200" rtl="0" eaLnBrk="1" latinLnBrk="0" hangingPunct="1">
         <a:defRPr sz="1800" kern="1200">
           <a:solidFill>
             <a:schemeClr val="tx1"/>
@@ -3219,7 +6895,7 @@
           <a:cs typeface="+mn-cs"/>
         </a:defRPr>
       </a:lvl1pPr>
-      <a:lvl2pPr marL="457200" algn="l" defTabSz="914400" rtl="0" eaLnBrk="1" latinLnBrk="0" hangingPunct="1">
+      <a:lvl2pPr marL="457200" algn="l" defTabSz="457200" rtl="0" eaLnBrk="1" latinLnBrk="0" hangingPunct="1">
         <a:defRPr sz="1800" kern="1200">
           <a:solidFill>
             <a:schemeClr val="tx1"/>
@@ -3229,7 +6905,7 @@
           <a:cs typeface="+mn-cs"/>
         </a:defRPr>
       </a:lvl2pPr>
-      <a:lvl3pPr marL="914400" algn="l" defTabSz="914400" rtl="0" eaLnBrk="1" latinLnBrk="0" hangingPunct="1">
+      <a:lvl3pPr marL="914400" algn="l" defTabSz="457200" rtl="0" eaLnBrk="1" latinLnBrk="0" hangingPunct="1">
         <a:defRPr sz="1800" kern="1200">
           <a:solidFill>
             <a:schemeClr val="tx1"/>
@@ -3239,7 +6915,7 @@
           <a:cs typeface="+mn-cs"/>
         </a:defRPr>
       </a:lvl3pPr>
-      <a:lvl4pPr marL="1371600" algn="l" defTabSz="914400" rtl="0" eaLnBrk="1" latinLnBrk="0" hangingPunct="1">
+      <a:lvl4pPr marL="1371600" algn="l" defTabSz="457200" rtl="0" eaLnBrk="1" latinLnBrk="0" hangingPunct="1">
         <a:defRPr sz="1800" kern="1200">
           <a:solidFill>
             <a:schemeClr val="tx1"/>
@@ -3249,7 +6925,7 @@
           <a:cs typeface="+mn-cs"/>
         </a:defRPr>
       </a:lvl4pPr>
-      <a:lvl5pPr marL="1828800" algn="l" defTabSz="914400" rtl="0" eaLnBrk="1" latinLnBrk="0" hangingPunct="1">
+      <a:lvl5pPr marL="1828800" algn="l" defTabSz="457200" rtl="0" eaLnBrk="1" latinLnBrk="0" hangingPunct="1">
         <a:defRPr sz="1800" kern="1200">
           <a:solidFill>
             <a:schemeClr val="tx1"/>
@@ -3259,7 +6935,7 @@
           <a:cs typeface="+mn-cs"/>
         </a:defRPr>
       </a:lvl5pPr>
-      <a:lvl6pPr marL="2286000" algn="l" defTabSz="914400" rtl="0" eaLnBrk="1" latinLnBrk="0" hangingPunct="1">
+      <a:lvl6pPr marL="2286000" algn="l" defTabSz="457200" rtl="0" eaLnBrk="1" latinLnBrk="0" hangingPunct="1">
         <a:defRPr sz="1800" kern="1200">
           <a:solidFill>
             <a:schemeClr val="tx1"/>
@@ -3269,7 +6945,7 @@
           <a:cs typeface="+mn-cs"/>
         </a:defRPr>
       </a:lvl6pPr>
-      <a:lvl7pPr marL="2743200" algn="l" defTabSz="914400" rtl="0" eaLnBrk="1" latinLnBrk="0" hangingPunct="1">
+      <a:lvl7pPr marL="2743200" algn="l" defTabSz="457200" rtl="0" eaLnBrk="1" latinLnBrk="0" hangingPunct="1">
         <a:defRPr sz="1800" kern="1200">
           <a:solidFill>
             <a:schemeClr val="tx1"/>
@@ -3279,7 +6955,7 @@
           <a:cs typeface="+mn-cs"/>
         </a:defRPr>
       </a:lvl7pPr>
-      <a:lvl8pPr marL="3200400" algn="l" defTabSz="914400" rtl="0" eaLnBrk="1" latinLnBrk="0" hangingPunct="1">
+      <a:lvl8pPr marL="3200400" algn="l" defTabSz="457200" rtl="0" eaLnBrk="1" latinLnBrk="0" hangingPunct="1">
         <a:defRPr sz="1800" kern="1200">
           <a:solidFill>
             <a:schemeClr val="tx1"/>
@@ -3289,7 +6965,7 @@
           <a:cs typeface="+mn-cs"/>
         </a:defRPr>
       </a:lvl8pPr>
-      <a:lvl9pPr marL="3657600" algn="l" defTabSz="914400" rtl="0" eaLnBrk="1" latinLnBrk="0" hangingPunct="1">
+      <a:lvl9pPr marL="3657600" algn="l" defTabSz="457200" rtl="0" eaLnBrk="1" latinLnBrk="0" hangingPunct="1">
         <a:defRPr sz="1800" kern="1200">
           <a:solidFill>
             <a:schemeClr val="tx1"/>
@@ -3343,8 +7019,8 @@
           <a:lstStyle/>
           <a:p>
             <a:r>
-              <a:rPr lang="en-US"/>
-              <a:t>Problem Presentation</a:t>
+              <a:rPr lang="en-US" dirty="0"/>
+              <a:t>Minimum Graph Coloring Problem</a:t>
             </a:r>
           </a:p>
         </p:txBody>
@@ -3370,7 +7046,10 @@
           <a:bodyPr/>
           <a:lstStyle/>
           <a:p>
-            <a:endParaRPr lang="en-US"/>
+            <a:r>
+              <a:rPr lang="en-US" dirty="0"/>
+              <a:t>CS 412 Spring 2022</a:t>
+            </a:r>
           </a:p>
         </p:txBody>
       </p:sp>
@@ -3387,10 +7066,1392 @@
 </p:sld>
 </file>
 
+<file path=ppt/slides/slide2.xml><?xml version="1.0" encoding="utf-8"?>
+<p:sld xmlns:a="http://schemas.openxmlformats.org/drawingml/2006/main" xmlns:r="http://schemas.openxmlformats.org/officeDocument/2006/relationships" xmlns:p="http://schemas.openxmlformats.org/presentationml/2006/main">
+  <p:cSld>
+    <p:spTree>
+      <p:nvGrpSpPr>
+        <p:cNvPr id="1" name=""/>
+        <p:cNvGrpSpPr/>
+        <p:nvPr/>
+      </p:nvGrpSpPr>
+      <p:grpSpPr>
+        <a:xfrm>
+          <a:off x="0" y="0"/>
+          <a:ext cx="0" cy="0"/>
+          <a:chOff x="0" y="0"/>
+          <a:chExt cx="0" cy="0"/>
+        </a:xfrm>
+      </p:grpSpPr>
+      <p:sp>
+        <p:nvSpPr>
+          <p:cNvPr id="2" name="Title 1">
+            <a:extLst>
+              <a:ext uri="{FF2B5EF4-FFF2-40B4-BE49-F238E27FC236}">
+                <a16:creationId xmlns:a16="http://schemas.microsoft.com/office/drawing/2014/main" id="{79E3A5D1-F40A-436F-BC88-63D1939434B3}"/>
+              </a:ext>
+            </a:extLst>
+          </p:cNvPr>
+          <p:cNvSpPr>
+            <a:spLocks noGrp="1"/>
+          </p:cNvSpPr>
+          <p:nvPr>
+            <p:ph type="title"/>
+          </p:nvPr>
+        </p:nvSpPr>
+        <p:spPr/>
+        <p:txBody>
+          <a:bodyPr/>
+          <a:lstStyle/>
+          <a:p>
+            <a:r>
+              <a:rPr lang="en-US" dirty="0"/>
+              <a:t>Problem Outline</a:t>
+            </a:r>
+          </a:p>
+        </p:txBody>
+      </p:sp>
+      <p:sp>
+        <p:nvSpPr>
+          <p:cNvPr id="3" name="Content Placeholder 2">
+            <a:extLst>
+              <a:ext uri="{FF2B5EF4-FFF2-40B4-BE49-F238E27FC236}">
+                <a16:creationId xmlns:a16="http://schemas.microsoft.com/office/drawing/2014/main" id="{75B6C10E-24E4-48CE-8B98-2FEC57CD2A45}"/>
+              </a:ext>
+            </a:extLst>
+          </p:cNvPr>
+          <p:cNvSpPr>
+            <a:spLocks noGrp="1"/>
+          </p:cNvSpPr>
+          <p:nvPr>
+            <p:ph idx="1"/>
+          </p:nvPr>
+        </p:nvSpPr>
+        <p:spPr>
+          <a:xfrm>
+            <a:off x="677334" y="1546860"/>
+            <a:ext cx="9686925" cy="4038600"/>
+          </a:xfrm>
+        </p:spPr>
+        <p:txBody>
+          <a:bodyPr/>
+          <a:lstStyle/>
+          <a:p>
+            <a:pPr>
+              <a:lnSpc>
+                <a:spcPct val="150000"/>
+              </a:lnSpc>
+            </a:pPr>
+            <a:r>
+              <a:rPr lang="en-US" dirty="0"/>
+              <a:t>Problem Description:</a:t>
+            </a:r>
+          </a:p>
+          <a:p>
+            <a:pPr lvl="1">
+              <a:lnSpc>
+                <a:spcPct val="150000"/>
+              </a:lnSpc>
+            </a:pPr>
+            <a:r>
+              <a:rPr lang="en-US" dirty="0"/>
+              <a:t>Given a graph G with 10 vertices and 15, can I color the graph using 3 unique colors?</a:t>
+            </a:r>
+          </a:p>
+          <a:p>
+            <a:pPr>
+              <a:lnSpc>
+                <a:spcPct val="150000"/>
+              </a:lnSpc>
+            </a:pPr>
+            <a:r>
+              <a:rPr lang="en-US" dirty="0"/>
+              <a:t>Optimization Problem:</a:t>
+            </a:r>
+          </a:p>
+          <a:p>
+            <a:pPr lvl="1">
+              <a:lnSpc>
+                <a:spcPct val="150000"/>
+              </a:lnSpc>
+            </a:pPr>
+            <a:r>
+              <a:rPr lang="en-US" dirty="0"/>
+              <a:t>Given a graph G with n number of vertices and k colors, what is the smallest value of k such that each vertex is connected to a differently-colored vertex?</a:t>
+            </a:r>
+          </a:p>
+          <a:p>
+            <a:pPr>
+              <a:lnSpc>
+                <a:spcPct val="150000"/>
+              </a:lnSpc>
+            </a:pPr>
+            <a:endParaRPr lang="en-US" dirty="0"/>
+          </a:p>
+        </p:txBody>
+      </p:sp>
+      <p:pic>
+        <p:nvPicPr>
+          <p:cNvPr id="1026" name="Picture 2">
+            <a:extLst>
+              <a:ext uri="{FF2B5EF4-FFF2-40B4-BE49-F238E27FC236}">
+                <a16:creationId xmlns:a16="http://schemas.microsoft.com/office/drawing/2014/main" id="{D41EB171-D0C3-47FF-92D3-0FFA6F9F84B5}"/>
+              </a:ext>
+            </a:extLst>
+          </p:cNvPr>
+          <p:cNvPicPr>
+            <a:picLocks noChangeAspect="1" noChangeArrowheads="1"/>
+          </p:cNvPicPr>
+          <p:nvPr/>
+        </p:nvPicPr>
+        <p:blipFill>
+          <a:blip r:embed="rId2">
+            <a:extLst>
+              <a:ext uri="{28A0092B-C50C-407E-A947-70E740481C1C}">
+                <a14:useLocalDpi xmlns:a14="http://schemas.microsoft.com/office/drawing/2010/main" val="0"/>
+              </a:ext>
+            </a:extLst>
+          </a:blip>
+          <a:srcRect/>
+          <a:stretch>
+            <a:fillRect/>
+          </a:stretch>
+        </p:blipFill>
+        <p:spPr bwMode="auto">
+          <a:xfrm>
+            <a:off x="6725144" y="4137660"/>
+            <a:ext cx="2630029" cy="2522437"/>
+          </a:xfrm>
+          <a:prstGeom prst="rect">
+            <a:avLst/>
+          </a:prstGeom>
+          <a:noFill/>
+          <a:extLst>
+            <a:ext uri="{909E8E84-426E-40DD-AFC4-6F175D3DCCD1}">
+              <a14:hiddenFill xmlns:a14="http://schemas.microsoft.com/office/drawing/2010/main">
+                <a:solidFill>
+                  <a:srgbClr val="FFFFFF"/>
+                </a:solidFill>
+              </a14:hiddenFill>
+            </a:ext>
+          </a:extLst>
+        </p:spPr>
+      </p:pic>
+    </p:spTree>
+    <p:extLst>
+      <p:ext uri="{BB962C8B-B14F-4D97-AF65-F5344CB8AC3E}">
+        <p14:creationId xmlns:p14="http://schemas.microsoft.com/office/powerpoint/2010/main" val="2146631930"/>
+      </p:ext>
+    </p:extLst>
+  </p:cSld>
+  <p:clrMapOvr>
+    <a:masterClrMapping/>
+  </p:clrMapOvr>
+</p:sld>
+</file>
+
+<file path=ppt/slides/slide3.xml><?xml version="1.0" encoding="utf-8"?>
+<p:sld xmlns:a="http://schemas.openxmlformats.org/drawingml/2006/main" xmlns:r="http://schemas.openxmlformats.org/officeDocument/2006/relationships" xmlns:p="http://schemas.openxmlformats.org/presentationml/2006/main">
+  <p:cSld>
+    <p:spTree>
+      <p:nvGrpSpPr>
+        <p:cNvPr id="1" name=""/>
+        <p:cNvGrpSpPr/>
+        <p:nvPr/>
+      </p:nvGrpSpPr>
+      <p:grpSpPr>
+        <a:xfrm>
+          <a:off x="0" y="0"/>
+          <a:ext cx="0" cy="0"/>
+          <a:chOff x="0" y="0"/>
+          <a:chExt cx="0" cy="0"/>
+        </a:xfrm>
+      </p:grpSpPr>
+      <p:sp>
+        <p:nvSpPr>
+          <p:cNvPr id="2" name="Title 1">
+            <a:extLst>
+              <a:ext uri="{FF2B5EF4-FFF2-40B4-BE49-F238E27FC236}">
+                <a16:creationId xmlns:a16="http://schemas.microsoft.com/office/drawing/2014/main" id="{38B5C091-C92B-416B-B894-CCB40C63980A}"/>
+              </a:ext>
+            </a:extLst>
+          </p:cNvPr>
+          <p:cNvSpPr>
+            <a:spLocks noGrp="1"/>
+          </p:cNvSpPr>
+          <p:nvPr>
+            <p:ph type="title"/>
+          </p:nvPr>
+        </p:nvSpPr>
+        <p:spPr/>
+        <p:txBody>
+          <a:bodyPr/>
+          <a:lstStyle/>
+          <a:p>
+            <a:r>
+              <a:rPr lang="en-US" dirty="0"/>
+              <a:t>Inputs and Outputs</a:t>
+            </a:r>
+          </a:p>
+        </p:txBody>
+      </p:sp>
+      <p:sp>
+        <p:nvSpPr>
+          <p:cNvPr id="3" name="Content Placeholder 2">
+            <a:extLst>
+              <a:ext uri="{FF2B5EF4-FFF2-40B4-BE49-F238E27FC236}">
+                <a16:creationId xmlns:a16="http://schemas.microsoft.com/office/drawing/2014/main" id="{BDD74EB6-2278-4140-BB47-F5E65324CD71}"/>
+              </a:ext>
+            </a:extLst>
+          </p:cNvPr>
+          <p:cNvSpPr>
+            <a:spLocks noGrp="1"/>
+          </p:cNvSpPr>
+          <p:nvPr>
+            <p:ph idx="1"/>
+          </p:nvPr>
+        </p:nvSpPr>
+        <p:spPr>
+          <a:xfrm>
+            <a:off x="1658409" y="2085974"/>
+            <a:ext cx="8596668" cy="3306760"/>
+          </a:xfrm>
+        </p:spPr>
+        <p:txBody>
+          <a:bodyPr>
+            <a:normAutofit/>
+          </a:bodyPr>
+          <a:lstStyle/>
+          <a:p>
+            <a:pPr marL="0" indent="0">
+              <a:buNone/>
+            </a:pPr>
+            <a:r>
+              <a:rPr lang="en-US" sz="2400" dirty="0"/>
+              <a:t>4 </a:t>
+            </a:r>
+          </a:p>
+          <a:p>
+            <a:pPr marL="0" indent="0">
+              <a:buNone/>
+            </a:pPr>
+            <a:endParaRPr lang="en-US" sz="100" dirty="0"/>
+          </a:p>
+          <a:p>
+            <a:pPr marL="0" indent="0">
+              <a:buNone/>
+            </a:pPr>
+            <a:r>
+              <a:rPr lang="en-US" sz="2400" dirty="0"/>
+              <a:t>0 1 2 3</a:t>
+            </a:r>
+          </a:p>
+          <a:p>
+            <a:pPr marL="0" indent="0">
+              <a:buNone/>
+            </a:pPr>
+            <a:endParaRPr lang="en-US" sz="100" dirty="0"/>
+          </a:p>
+          <a:p>
+            <a:pPr marL="0" indent="0">
+              <a:buNone/>
+            </a:pPr>
+            <a:r>
+              <a:rPr lang="en-US" sz="2400" dirty="0"/>
+              <a:t>1 3</a:t>
+            </a:r>
+          </a:p>
+          <a:p>
+            <a:pPr marL="0" indent="0">
+              <a:buNone/>
+            </a:pPr>
+            <a:endParaRPr lang="en-US" sz="100" dirty="0"/>
+          </a:p>
+          <a:p>
+            <a:pPr marL="0" indent="0">
+              <a:buNone/>
+            </a:pPr>
+            <a:r>
+              <a:rPr lang="en-US" sz="2400" dirty="0"/>
+              <a:t>2 3</a:t>
+            </a:r>
+          </a:p>
+          <a:p>
+            <a:pPr marL="0" indent="0">
+              <a:buNone/>
+            </a:pPr>
+            <a:endParaRPr lang="en-US" sz="100" dirty="0"/>
+          </a:p>
+          <a:p>
+            <a:pPr marL="0" indent="0">
+              <a:buNone/>
+            </a:pPr>
+            <a:r>
+              <a:rPr lang="en-US" sz="2400" dirty="0"/>
+              <a:t>3 0</a:t>
+            </a:r>
+          </a:p>
+        </p:txBody>
+      </p:sp>
+      <p:pic>
+        <p:nvPicPr>
+          <p:cNvPr id="5" name="Picture 4" descr="A picture containing watch&#10;&#10;Description automatically generated">
+            <a:extLst>
+              <a:ext uri="{FF2B5EF4-FFF2-40B4-BE49-F238E27FC236}">
+                <a16:creationId xmlns:a16="http://schemas.microsoft.com/office/drawing/2014/main" id="{C54B1821-07E5-BCDB-5348-A262F19FF922}"/>
+              </a:ext>
+            </a:extLst>
+          </p:cNvPr>
+          <p:cNvPicPr>
+            <a:picLocks noChangeAspect="1"/>
+          </p:cNvPicPr>
+          <p:nvPr/>
+        </p:nvPicPr>
+        <p:blipFill rotWithShape="1">
+          <a:blip r:embed="rId2">
+            <a:extLst>
+              <a:ext uri="{28A0092B-C50C-407E-A947-70E740481C1C}">
+                <a14:useLocalDpi xmlns:a14="http://schemas.microsoft.com/office/drawing/2010/main" val="0"/>
+              </a:ext>
+            </a:extLst>
+          </a:blip>
+          <a:srcRect l="9393" t="10007" r="9637" b="26641"/>
+          <a:stretch/>
+        </p:blipFill>
+        <p:spPr>
+          <a:xfrm>
+            <a:off x="5076825" y="1904999"/>
+            <a:ext cx="4457700" cy="3487735"/>
+          </a:xfrm>
+          <a:prstGeom prst="rect">
+            <a:avLst/>
+          </a:prstGeom>
+        </p:spPr>
+      </p:pic>
+    </p:spTree>
+    <p:extLst>
+      <p:ext uri="{BB962C8B-B14F-4D97-AF65-F5344CB8AC3E}">
+        <p14:creationId xmlns:p14="http://schemas.microsoft.com/office/powerpoint/2010/main" val="2828236692"/>
+      </p:ext>
+    </p:extLst>
+  </p:cSld>
+  <p:clrMapOvr>
+    <a:masterClrMapping/>
+  </p:clrMapOvr>
+</p:sld>
+</file>
+
+<file path=ppt/slides/slide4.xml><?xml version="1.0" encoding="utf-8"?>
+<p:sld xmlns:a="http://schemas.openxmlformats.org/drawingml/2006/main" xmlns:r="http://schemas.openxmlformats.org/officeDocument/2006/relationships" xmlns:p="http://schemas.openxmlformats.org/presentationml/2006/main">
+  <p:cSld>
+    <p:spTree>
+      <p:nvGrpSpPr>
+        <p:cNvPr id="1" name=""/>
+        <p:cNvGrpSpPr/>
+        <p:nvPr/>
+      </p:nvGrpSpPr>
+      <p:grpSpPr>
+        <a:xfrm>
+          <a:off x="0" y="0"/>
+          <a:ext cx="0" cy="0"/>
+          <a:chOff x="0" y="0"/>
+          <a:chExt cx="0" cy="0"/>
+        </a:xfrm>
+      </p:grpSpPr>
+      <p:sp>
+        <p:nvSpPr>
+          <p:cNvPr id="2" name="Title 1">
+            <a:extLst>
+              <a:ext uri="{FF2B5EF4-FFF2-40B4-BE49-F238E27FC236}">
+                <a16:creationId xmlns:a16="http://schemas.microsoft.com/office/drawing/2014/main" id="{38B5C091-C92B-416B-B894-CCB40C63980A}"/>
+              </a:ext>
+            </a:extLst>
+          </p:cNvPr>
+          <p:cNvSpPr>
+            <a:spLocks noGrp="1"/>
+          </p:cNvSpPr>
+          <p:nvPr>
+            <p:ph type="title"/>
+          </p:nvPr>
+        </p:nvSpPr>
+        <p:spPr/>
+        <p:txBody>
+          <a:bodyPr/>
+          <a:lstStyle/>
+          <a:p>
+            <a:r>
+              <a:rPr lang="en-US" dirty="0"/>
+              <a:t>Inputs and Outputs</a:t>
+            </a:r>
+          </a:p>
+        </p:txBody>
+      </p:sp>
+      <p:sp>
+        <p:nvSpPr>
+          <p:cNvPr id="3" name="Content Placeholder 2">
+            <a:extLst>
+              <a:ext uri="{FF2B5EF4-FFF2-40B4-BE49-F238E27FC236}">
+                <a16:creationId xmlns:a16="http://schemas.microsoft.com/office/drawing/2014/main" id="{BDD74EB6-2278-4140-BB47-F5E65324CD71}"/>
+              </a:ext>
+            </a:extLst>
+          </p:cNvPr>
+          <p:cNvSpPr>
+            <a:spLocks noGrp="1"/>
+          </p:cNvSpPr>
+          <p:nvPr>
+            <p:ph idx="1"/>
+          </p:nvPr>
+        </p:nvSpPr>
+        <p:spPr>
+          <a:xfrm>
+            <a:off x="772584" y="1930400"/>
+            <a:ext cx="8596668" cy="3306760"/>
+          </a:xfrm>
+        </p:spPr>
+        <p:txBody>
+          <a:bodyPr>
+            <a:normAutofit/>
+          </a:bodyPr>
+          <a:lstStyle/>
+          <a:p>
+            <a:pPr marL="0" indent="0">
+              <a:buNone/>
+            </a:pPr>
+            <a:r>
+              <a:rPr lang="en-US" sz="2400" dirty="0"/>
+              <a:t>Vertex 0 ---&gt; Color 0</a:t>
+            </a:r>
+          </a:p>
+          <a:p>
+            <a:pPr marL="0" indent="0">
+              <a:buNone/>
+            </a:pPr>
+            <a:endParaRPr lang="en-US" sz="100" dirty="0"/>
+          </a:p>
+          <a:p>
+            <a:pPr marL="0" indent="0">
+              <a:buNone/>
+            </a:pPr>
+            <a:r>
+              <a:rPr lang="en-US" sz="2400" dirty="0"/>
+              <a:t>Vertex 1 ---&gt; Color 1</a:t>
+            </a:r>
+          </a:p>
+          <a:p>
+            <a:pPr marL="0" indent="0">
+              <a:buNone/>
+            </a:pPr>
+            <a:endParaRPr lang="en-US" sz="100" dirty="0"/>
+          </a:p>
+          <a:p>
+            <a:pPr marL="0" indent="0">
+              <a:buNone/>
+            </a:pPr>
+            <a:r>
+              <a:rPr lang="en-US" sz="2400" dirty="0"/>
+              <a:t>Vertex 2 ---&gt; Color 1</a:t>
+            </a:r>
+          </a:p>
+          <a:p>
+            <a:pPr marL="0" indent="0">
+              <a:buNone/>
+            </a:pPr>
+            <a:endParaRPr lang="en-US" sz="100" dirty="0"/>
+          </a:p>
+          <a:p>
+            <a:pPr marL="0" indent="0">
+              <a:buNone/>
+            </a:pPr>
+            <a:r>
+              <a:rPr lang="en-US" sz="2400" dirty="0"/>
+              <a:t>Vertex 3 ---&gt; Color 2</a:t>
+            </a:r>
+          </a:p>
+          <a:p>
+            <a:pPr marL="0" indent="0">
+              <a:buNone/>
+            </a:pPr>
+            <a:endParaRPr lang="en-US" sz="100" dirty="0"/>
+          </a:p>
+          <a:p>
+            <a:pPr marL="0" indent="0">
+              <a:buNone/>
+            </a:pPr>
+            <a:r>
+              <a:rPr lang="en-US" sz="2400" dirty="0"/>
+              <a:t>Minimum number of colors: 3</a:t>
+            </a:r>
+          </a:p>
+        </p:txBody>
+      </p:sp>
+      <p:pic>
+        <p:nvPicPr>
+          <p:cNvPr id="9" name="Picture 8" descr="A picture containing shape&#10;&#10;Description automatically generated">
+            <a:extLst>
+              <a:ext uri="{FF2B5EF4-FFF2-40B4-BE49-F238E27FC236}">
+                <a16:creationId xmlns:a16="http://schemas.microsoft.com/office/drawing/2014/main" id="{620EF9F7-AFAF-BBDF-FD5B-68050E752099}"/>
+              </a:ext>
+            </a:extLst>
+          </p:cNvPr>
+          <p:cNvPicPr>
+            <a:picLocks noChangeAspect="1"/>
+          </p:cNvPicPr>
+          <p:nvPr/>
+        </p:nvPicPr>
+        <p:blipFill rotWithShape="1">
+          <a:blip r:embed="rId2">
+            <a:extLst>
+              <a:ext uri="{28A0092B-C50C-407E-A947-70E740481C1C}">
+                <a14:useLocalDpi xmlns:a14="http://schemas.microsoft.com/office/drawing/2010/main" val="0"/>
+              </a:ext>
+            </a:extLst>
+          </a:blip>
+          <a:srcRect l="6667" t="18416" r="8148" b="20782"/>
+          <a:stretch/>
+        </p:blipFill>
+        <p:spPr>
+          <a:xfrm>
+            <a:off x="5229932" y="1726387"/>
+            <a:ext cx="3771007" cy="2691626"/>
+          </a:xfrm>
+          <a:prstGeom prst="rect">
+            <a:avLst/>
+          </a:prstGeom>
+        </p:spPr>
+      </p:pic>
+      <p:pic>
+        <p:nvPicPr>
+          <p:cNvPr id="11" name="Picture 10" descr="A picture containing text, orange, vector graphics&#10;&#10;Description automatically generated">
+            <a:extLst>
+              <a:ext uri="{FF2B5EF4-FFF2-40B4-BE49-F238E27FC236}">
+                <a16:creationId xmlns:a16="http://schemas.microsoft.com/office/drawing/2014/main" id="{3CB5DF77-B718-B601-0274-B7308F9A4F53}"/>
+              </a:ext>
+            </a:extLst>
+          </p:cNvPr>
+          <p:cNvPicPr>
+            <a:picLocks noChangeAspect="1"/>
+          </p:cNvPicPr>
+          <p:nvPr/>
+        </p:nvPicPr>
+        <p:blipFill rotWithShape="1">
+          <a:blip r:embed="rId3">
+            <a:extLst>
+              <a:ext uri="{28A0092B-C50C-407E-A947-70E740481C1C}">
+                <a14:useLocalDpi xmlns:a14="http://schemas.microsoft.com/office/drawing/2010/main" val="0"/>
+              </a:ext>
+            </a:extLst>
+          </a:blip>
+          <a:srcRect l="77191" t="27160" r="8920" b="52289"/>
+          <a:stretch/>
+        </p:blipFill>
+        <p:spPr>
+          <a:xfrm>
+            <a:off x="8354839" y="2084221"/>
+            <a:ext cx="599850" cy="887580"/>
+          </a:xfrm>
+          <a:prstGeom prst="rect">
+            <a:avLst/>
+          </a:prstGeom>
+        </p:spPr>
+      </p:pic>
+      <p:pic>
+        <p:nvPicPr>
+          <p:cNvPr id="13" name="Picture 12" descr="A picture containing text, orange, vector graphics&#10;&#10;Description automatically generated">
+            <a:extLst>
+              <a:ext uri="{FF2B5EF4-FFF2-40B4-BE49-F238E27FC236}">
+                <a16:creationId xmlns:a16="http://schemas.microsoft.com/office/drawing/2014/main" id="{ADDF002A-A302-DC35-203A-58B7E5196A20}"/>
+              </a:ext>
+            </a:extLst>
+          </p:cNvPr>
+          <p:cNvPicPr>
+            <a:picLocks noChangeAspect="1"/>
+          </p:cNvPicPr>
+          <p:nvPr/>
+        </p:nvPicPr>
+        <p:blipFill rotWithShape="1">
+          <a:blip r:embed="rId3">
+            <a:extLst>
+              <a:ext uri="{28A0092B-C50C-407E-A947-70E740481C1C}">
+                <a14:useLocalDpi xmlns:a14="http://schemas.microsoft.com/office/drawing/2010/main" val="0"/>
+              </a:ext>
+            </a:extLst>
+          </a:blip>
+          <a:srcRect l="10002" t="55817" r="77262" b="29938"/>
+          <a:stretch/>
+        </p:blipFill>
+        <p:spPr>
+          <a:xfrm>
+            <a:off x="5363282" y="3381375"/>
+            <a:ext cx="589843" cy="659765"/>
+          </a:xfrm>
+          <a:prstGeom prst="rect">
+            <a:avLst/>
+          </a:prstGeom>
+        </p:spPr>
+      </p:pic>
+      <p:pic>
+        <p:nvPicPr>
+          <p:cNvPr id="7" name="Picture 6" descr="Diagram&#10;&#10;Description automatically generated">
+            <a:extLst>
+              <a:ext uri="{FF2B5EF4-FFF2-40B4-BE49-F238E27FC236}">
+                <a16:creationId xmlns:a16="http://schemas.microsoft.com/office/drawing/2014/main" id="{A6467E3A-F1A2-12D5-61F4-CE1931FC0A7F}"/>
+              </a:ext>
+            </a:extLst>
+          </p:cNvPr>
+          <p:cNvPicPr>
+            <a:picLocks noChangeAspect="1"/>
+          </p:cNvPicPr>
+          <p:nvPr/>
+        </p:nvPicPr>
+        <p:blipFill rotWithShape="1">
+          <a:blip r:embed="rId4">
+            <a:extLst>
+              <a:ext uri="{28A0092B-C50C-407E-A947-70E740481C1C}">
+                <a14:useLocalDpi xmlns:a14="http://schemas.microsoft.com/office/drawing/2010/main" val="0"/>
+              </a:ext>
+            </a:extLst>
+          </a:blip>
+          <a:srcRect l="36374" t="21379" r="50450" b="64369"/>
+          <a:stretch/>
+        </p:blipFill>
+        <p:spPr>
+          <a:xfrm>
+            <a:off x="6534635" y="1835586"/>
+            <a:ext cx="599850" cy="648851"/>
+          </a:xfrm>
+          <a:prstGeom prst="rect">
+            <a:avLst/>
+          </a:prstGeom>
+        </p:spPr>
+      </p:pic>
+    </p:spTree>
+    <p:extLst>
+      <p:ext uri="{BB962C8B-B14F-4D97-AF65-F5344CB8AC3E}">
+        <p14:creationId xmlns:p14="http://schemas.microsoft.com/office/powerpoint/2010/main" val="2105208575"/>
+      </p:ext>
+    </p:extLst>
+  </p:cSld>
+  <p:clrMapOvr>
+    <a:masterClrMapping/>
+  </p:clrMapOvr>
+</p:sld>
+</file>
+
+<file path=ppt/slides/slide5.xml><?xml version="1.0" encoding="utf-8"?>
+<p:sld xmlns:a="http://schemas.openxmlformats.org/drawingml/2006/main" xmlns:r="http://schemas.openxmlformats.org/officeDocument/2006/relationships" xmlns:p="http://schemas.openxmlformats.org/presentationml/2006/main">
+  <p:cSld>
+    <p:spTree>
+      <p:nvGrpSpPr>
+        <p:cNvPr id="1" name=""/>
+        <p:cNvGrpSpPr/>
+        <p:nvPr/>
+      </p:nvGrpSpPr>
+      <p:grpSpPr>
+        <a:xfrm>
+          <a:off x="0" y="0"/>
+          <a:ext cx="0" cy="0"/>
+          <a:chOff x="0" y="0"/>
+          <a:chExt cx="0" cy="0"/>
+        </a:xfrm>
+      </p:grpSpPr>
+      <p:sp>
+        <p:nvSpPr>
+          <p:cNvPr id="2" name="Title 1">
+            <a:extLst>
+              <a:ext uri="{FF2B5EF4-FFF2-40B4-BE49-F238E27FC236}">
+                <a16:creationId xmlns:a16="http://schemas.microsoft.com/office/drawing/2014/main" id="{9629CC96-CE66-42C3-909F-207C3B644D4D}"/>
+              </a:ext>
+            </a:extLst>
+          </p:cNvPr>
+          <p:cNvSpPr>
+            <a:spLocks noGrp="1"/>
+          </p:cNvSpPr>
+          <p:nvPr>
+            <p:ph type="title"/>
+          </p:nvPr>
+        </p:nvSpPr>
+        <p:spPr/>
+        <p:txBody>
+          <a:bodyPr/>
+          <a:lstStyle/>
+          <a:p>
+            <a:r>
+              <a:rPr lang="en-US" dirty="0"/>
+              <a:t>Reduction to 3-Sat</a:t>
+            </a:r>
+          </a:p>
+        </p:txBody>
+      </p:sp>
+      <p:sp>
+        <p:nvSpPr>
+          <p:cNvPr id="3" name="Content Placeholder 2">
+            <a:extLst>
+              <a:ext uri="{FF2B5EF4-FFF2-40B4-BE49-F238E27FC236}">
+                <a16:creationId xmlns:a16="http://schemas.microsoft.com/office/drawing/2014/main" id="{41CE89AC-BDC6-4F69-9B58-141AD6DFB1F5}"/>
+              </a:ext>
+            </a:extLst>
+          </p:cNvPr>
+          <p:cNvSpPr>
+            <a:spLocks noGrp="1"/>
+          </p:cNvSpPr>
+          <p:nvPr>
+            <p:ph idx="1"/>
+          </p:nvPr>
+        </p:nvSpPr>
+        <p:spPr/>
+        <p:txBody>
+          <a:bodyPr>
+            <a:normAutofit/>
+          </a:bodyPr>
+          <a:lstStyle/>
+          <a:p>
+            <a:r>
+              <a:rPr lang="en-US" sz="2400" dirty="0"/>
+              <a:t>Reduction Problem: 3-Coloring</a:t>
+            </a:r>
+          </a:p>
+        </p:txBody>
+      </p:sp>
+      <p:pic>
+        <p:nvPicPr>
+          <p:cNvPr id="5" name="Picture 4" descr="A picture containing clock, watch&#10;&#10;Description automatically generated">
+            <a:extLst>
+              <a:ext uri="{FF2B5EF4-FFF2-40B4-BE49-F238E27FC236}">
+                <a16:creationId xmlns:a16="http://schemas.microsoft.com/office/drawing/2014/main" id="{C44B7497-EBE6-D8D7-330E-8868F64CD405}"/>
+              </a:ext>
+            </a:extLst>
+          </p:cNvPr>
+          <p:cNvPicPr>
+            <a:picLocks noChangeAspect="1"/>
+          </p:cNvPicPr>
+          <p:nvPr/>
+        </p:nvPicPr>
+        <p:blipFill rotWithShape="1">
+          <a:blip r:embed="rId2">
+            <a:extLst>
+              <a:ext uri="{28A0092B-C50C-407E-A947-70E740481C1C}">
+                <a14:useLocalDpi xmlns:a14="http://schemas.microsoft.com/office/drawing/2010/main" val="0"/>
+              </a:ext>
+            </a:extLst>
+          </a:blip>
+          <a:srcRect l="20628" t="13870" r="12051"/>
+          <a:stretch/>
+        </p:blipFill>
+        <p:spPr>
+          <a:xfrm>
+            <a:off x="5486400" y="1701800"/>
+            <a:ext cx="4191000" cy="1622424"/>
+          </a:xfrm>
+          <a:prstGeom prst="rect">
+            <a:avLst/>
+          </a:prstGeom>
+        </p:spPr>
+      </p:pic>
+      <p:pic>
+        <p:nvPicPr>
+          <p:cNvPr id="7" name="Picture 6" descr="Chart, schematic&#10;&#10;Description automatically generated">
+            <a:extLst>
+              <a:ext uri="{FF2B5EF4-FFF2-40B4-BE49-F238E27FC236}">
+                <a16:creationId xmlns:a16="http://schemas.microsoft.com/office/drawing/2014/main" id="{AEE52A9A-8AF4-A479-7CFE-247A9E61B88B}"/>
+              </a:ext>
+            </a:extLst>
+          </p:cNvPr>
+          <p:cNvPicPr>
+            <a:picLocks noChangeAspect="1"/>
+          </p:cNvPicPr>
+          <p:nvPr/>
+        </p:nvPicPr>
+        <p:blipFill>
+          <a:blip r:embed="rId3">
+            <a:extLst>
+              <a:ext uri="{28A0092B-C50C-407E-A947-70E740481C1C}">
+                <a14:useLocalDpi xmlns:a14="http://schemas.microsoft.com/office/drawing/2010/main" val="0"/>
+              </a:ext>
+            </a:extLst>
+          </a:blip>
+          <a:stretch>
+            <a:fillRect/>
+          </a:stretch>
+        </p:blipFill>
+        <p:spPr>
+          <a:xfrm>
+            <a:off x="1563623" y="3429000"/>
+            <a:ext cx="6824089" cy="3019425"/>
+          </a:xfrm>
+          <a:prstGeom prst="rect">
+            <a:avLst/>
+          </a:prstGeom>
+        </p:spPr>
+      </p:pic>
+    </p:spTree>
+    <p:extLst>
+      <p:ext uri="{BB962C8B-B14F-4D97-AF65-F5344CB8AC3E}">
+        <p14:creationId xmlns:p14="http://schemas.microsoft.com/office/powerpoint/2010/main" val="2320875104"/>
+      </p:ext>
+    </p:extLst>
+  </p:cSld>
+  <p:clrMapOvr>
+    <a:masterClrMapping/>
+  </p:clrMapOvr>
+</p:sld>
+</file>
+
+<file path=ppt/slides/slide6.xml><?xml version="1.0" encoding="utf-8"?>
+<p:sld xmlns:a="http://schemas.openxmlformats.org/drawingml/2006/main" xmlns:r="http://schemas.openxmlformats.org/officeDocument/2006/relationships" xmlns:p="http://schemas.openxmlformats.org/presentationml/2006/main">
+  <p:cSld>
+    <p:spTree>
+      <p:nvGrpSpPr>
+        <p:cNvPr id="1" name=""/>
+        <p:cNvGrpSpPr/>
+        <p:nvPr/>
+      </p:nvGrpSpPr>
+      <p:grpSpPr>
+        <a:xfrm>
+          <a:off x="0" y="0"/>
+          <a:ext cx="0" cy="0"/>
+          <a:chOff x="0" y="0"/>
+          <a:chExt cx="0" cy="0"/>
+        </a:xfrm>
+      </p:grpSpPr>
+      <p:sp>
+        <p:nvSpPr>
+          <p:cNvPr id="2" name="Title 1">
+            <a:extLst>
+              <a:ext uri="{FF2B5EF4-FFF2-40B4-BE49-F238E27FC236}">
+                <a16:creationId xmlns:a16="http://schemas.microsoft.com/office/drawing/2014/main" id="{E33B272C-DB83-4632-8F3C-6B2221F6B1A9}"/>
+              </a:ext>
+            </a:extLst>
+          </p:cNvPr>
+          <p:cNvSpPr>
+            <a:spLocks noGrp="1"/>
+          </p:cNvSpPr>
+          <p:nvPr>
+            <p:ph type="title"/>
+          </p:nvPr>
+        </p:nvSpPr>
+        <p:spPr/>
+        <p:txBody>
+          <a:bodyPr/>
+          <a:lstStyle/>
+          <a:p>
+            <a:r>
+              <a:rPr lang="en-US" dirty="0"/>
+              <a:t>Pseudo-code solution</a:t>
+            </a:r>
+          </a:p>
+        </p:txBody>
+      </p:sp>
+      <p:sp>
+        <p:nvSpPr>
+          <p:cNvPr id="3" name="Content Placeholder 2">
+            <a:extLst>
+              <a:ext uri="{FF2B5EF4-FFF2-40B4-BE49-F238E27FC236}">
+                <a16:creationId xmlns:a16="http://schemas.microsoft.com/office/drawing/2014/main" id="{57CB802B-802D-4275-B2CA-39530CDB9DDC}"/>
+              </a:ext>
+            </a:extLst>
+          </p:cNvPr>
+          <p:cNvSpPr>
+            <a:spLocks noGrp="1"/>
+          </p:cNvSpPr>
+          <p:nvPr>
+            <p:ph idx="1"/>
+          </p:nvPr>
+        </p:nvSpPr>
+        <p:spPr>
+          <a:xfrm>
+            <a:off x="458259" y="2160589"/>
+            <a:ext cx="4332816" cy="3880773"/>
+          </a:xfrm>
+        </p:spPr>
+        <p:txBody>
+          <a:bodyPr/>
+          <a:lstStyle/>
+          <a:p>
+            <a:pPr marL="0" indent="0">
+              <a:buNone/>
+            </a:pPr>
+            <a:r>
+              <a:rPr lang="en-US" dirty="0" err="1"/>
+              <a:t>exact_min_coloring</a:t>
+            </a:r>
+            <a:r>
+              <a:rPr lang="en-US" dirty="0"/>
+              <a:t>(colors, G, V):</a:t>
+            </a:r>
+          </a:p>
+          <a:p>
+            <a:pPr marL="0" indent="0">
+              <a:buNone/>
+            </a:pPr>
+            <a:r>
+              <a:rPr lang="en-US" dirty="0"/>
+              <a:t>	generate possible clauses</a:t>
+            </a:r>
+          </a:p>
+          <a:p>
+            <a:pPr marL="0" indent="0">
+              <a:buNone/>
+            </a:pPr>
+            <a:r>
+              <a:rPr lang="en-US" dirty="0"/>
+              <a:t>	for x in clauses:</a:t>
+            </a:r>
+          </a:p>
+          <a:p>
+            <a:pPr marL="0" indent="0">
+              <a:buNone/>
+            </a:pPr>
+            <a:r>
+              <a:rPr lang="en-US" dirty="0"/>
+              <a:t>		save clause with k-color value</a:t>
+            </a:r>
+          </a:p>
+          <a:p>
+            <a:pPr marL="0" indent="0">
+              <a:buNone/>
+            </a:pPr>
+            <a:r>
+              <a:rPr lang="en-US" dirty="0"/>
+              <a:t>	np = </a:t>
+            </a:r>
+            <a:r>
+              <a:rPr lang="en-US" dirty="0" err="1"/>
+              <a:t>isNP</a:t>
+            </a:r>
+            <a:r>
+              <a:rPr lang="en-US" dirty="0"/>
+              <a:t>(G, colors)</a:t>
+            </a:r>
+          </a:p>
+          <a:p>
+            <a:pPr marL="0" indent="0">
+              <a:buNone/>
+            </a:pPr>
+            <a:r>
+              <a:rPr lang="en-US" dirty="0"/>
+              <a:t>	if np:</a:t>
+            </a:r>
+          </a:p>
+          <a:p>
+            <a:pPr marL="0" indent="0">
+              <a:buNone/>
+            </a:pPr>
+            <a:r>
+              <a:rPr lang="en-US" dirty="0"/>
+              <a:t>		return True, colors</a:t>
+            </a:r>
+          </a:p>
+          <a:p>
+            <a:pPr marL="0" indent="0">
+              <a:buNone/>
+            </a:pPr>
+            <a:r>
+              <a:rPr lang="en-US" dirty="0"/>
+              <a:t>	else:</a:t>
+            </a:r>
+          </a:p>
+          <a:p>
+            <a:pPr marL="0" indent="0">
+              <a:buNone/>
+            </a:pPr>
+            <a:r>
+              <a:rPr lang="en-US" dirty="0"/>
+              <a:t>		return False, {}</a:t>
+            </a:r>
+          </a:p>
+          <a:p>
+            <a:pPr marL="0" indent="0">
+              <a:buNone/>
+            </a:pPr>
+            <a:endParaRPr lang="en-US" dirty="0"/>
+          </a:p>
+        </p:txBody>
+      </p:sp>
+      <p:sp>
+        <p:nvSpPr>
+          <p:cNvPr id="4" name="TextBox 3">
+            <a:extLst>
+              <a:ext uri="{FF2B5EF4-FFF2-40B4-BE49-F238E27FC236}">
+                <a16:creationId xmlns:a16="http://schemas.microsoft.com/office/drawing/2014/main" id="{BD81F1B6-6CA9-B685-C665-C48E7CB6BA4A}"/>
+              </a:ext>
+            </a:extLst>
+          </p:cNvPr>
+          <p:cNvSpPr txBox="1"/>
+          <p:nvPr/>
+        </p:nvSpPr>
+        <p:spPr>
+          <a:xfrm>
+            <a:off x="4791075" y="2160589"/>
+            <a:ext cx="5353050" cy="3693319"/>
+          </a:xfrm>
+          <a:prstGeom prst="rect">
+            <a:avLst/>
+          </a:prstGeom>
+          <a:noFill/>
+        </p:spPr>
+        <p:txBody>
+          <a:bodyPr wrap="square" rtlCol="0">
+            <a:spAutoFit/>
+          </a:bodyPr>
+          <a:lstStyle/>
+          <a:p>
+            <a:r>
+              <a:rPr lang="en-US" dirty="0" err="1">
+                <a:solidFill>
+                  <a:schemeClr val="tx1">
+                    <a:lumMod val="75000"/>
+                    <a:lumOff val="25000"/>
+                  </a:schemeClr>
+                </a:solidFill>
+              </a:rPr>
+              <a:t>isNP</a:t>
+            </a:r>
+            <a:r>
+              <a:rPr lang="en-US" dirty="0">
+                <a:solidFill>
+                  <a:schemeClr val="tx1">
+                    <a:lumMod val="75000"/>
+                    <a:lumOff val="25000"/>
+                  </a:schemeClr>
+                </a:solidFill>
+              </a:rPr>
+              <a:t>(G, colors):</a:t>
+            </a:r>
+          </a:p>
+          <a:p>
+            <a:endParaRPr lang="en-US" dirty="0">
+              <a:solidFill>
+                <a:schemeClr val="tx1">
+                  <a:lumMod val="75000"/>
+                  <a:lumOff val="25000"/>
+                </a:schemeClr>
+              </a:solidFill>
+            </a:endParaRPr>
+          </a:p>
+          <a:p>
+            <a:r>
+              <a:rPr lang="en-US" dirty="0">
+                <a:solidFill>
+                  <a:schemeClr val="tx1">
+                    <a:lumMod val="75000"/>
+                    <a:lumOff val="25000"/>
+                  </a:schemeClr>
+                </a:solidFill>
+              </a:rPr>
+              <a:t>	for vertex in graph:</a:t>
+            </a:r>
+          </a:p>
+          <a:p>
+            <a:endParaRPr lang="en-US" dirty="0">
+              <a:solidFill>
+                <a:schemeClr val="tx1">
+                  <a:lumMod val="75000"/>
+                  <a:lumOff val="25000"/>
+                </a:schemeClr>
+              </a:solidFill>
+            </a:endParaRPr>
+          </a:p>
+          <a:p>
+            <a:r>
+              <a:rPr lang="en-US" dirty="0">
+                <a:solidFill>
+                  <a:schemeClr val="tx1">
+                    <a:lumMod val="75000"/>
+                    <a:lumOff val="25000"/>
+                  </a:schemeClr>
+                </a:solidFill>
+              </a:rPr>
+              <a:t>		for adjacent vertex in graph:</a:t>
+            </a:r>
+          </a:p>
+          <a:p>
+            <a:r>
+              <a:rPr lang="en-US" dirty="0">
+                <a:solidFill>
+                  <a:schemeClr val="tx1">
+                    <a:lumMod val="75000"/>
+                    <a:lumOff val="25000"/>
+                  </a:schemeClr>
+                </a:solidFill>
+              </a:rPr>
+              <a:t>			</a:t>
+            </a:r>
+          </a:p>
+          <a:p>
+            <a:r>
+              <a:rPr lang="en-US" dirty="0">
+                <a:solidFill>
+                  <a:schemeClr val="tx1">
+                    <a:lumMod val="75000"/>
+                    <a:lumOff val="25000"/>
+                  </a:schemeClr>
+                </a:solidFill>
+              </a:rPr>
+              <a:t>			if the color is the same:</a:t>
+            </a:r>
+          </a:p>
+          <a:p>
+            <a:r>
+              <a:rPr lang="en-US" dirty="0">
+                <a:solidFill>
+                  <a:schemeClr val="tx1">
+                    <a:lumMod val="75000"/>
+                    <a:lumOff val="25000"/>
+                  </a:schemeClr>
+                </a:solidFill>
+              </a:rPr>
+              <a:t>			</a:t>
+            </a:r>
+          </a:p>
+          <a:p>
+            <a:r>
+              <a:rPr lang="en-US" dirty="0">
+                <a:solidFill>
+                  <a:schemeClr val="tx1">
+                    <a:lumMod val="75000"/>
+                    <a:lumOff val="25000"/>
+                  </a:schemeClr>
+                </a:solidFill>
+              </a:rPr>
+              <a:t>				return False</a:t>
+            </a:r>
+          </a:p>
+          <a:p>
+            <a:endParaRPr lang="en-US" dirty="0">
+              <a:solidFill>
+                <a:schemeClr val="tx1">
+                  <a:lumMod val="75000"/>
+                  <a:lumOff val="25000"/>
+                </a:schemeClr>
+              </a:solidFill>
+            </a:endParaRPr>
+          </a:p>
+          <a:p>
+            <a:r>
+              <a:rPr lang="en-US" dirty="0">
+                <a:solidFill>
+                  <a:schemeClr val="tx1">
+                    <a:lumMod val="75000"/>
+                    <a:lumOff val="25000"/>
+                  </a:schemeClr>
+                </a:solidFill>
+              </a:rPr>
+              <a:t>	return True</a:t>
+            </a:r>
+          </a:p>
+          <a:p>
+            <a:endParaRPr lang="en-US" dirty="0">
+              <a:solidFill>
+                <a:schemeClr val="tx1">
+                  <a:lumMod val="75000"/>
+                  <a:lumOff val="25000"/>
+                </a:schemeClr>
+              </a:solidFill>
+            </a:endParaRPr>
+          </a:p>
+          <a:p>
+            <a:endParaRPr lang="en-US" dirty="0"/>
+          </a:p>
+        </p:txBody>
+      </p:sp>
+    </p:spTree>
+    <p:extLst>
+      <p:ext uri="{BB962C8B-B14F-4D97-AF65-F5344CB8AC3E}">
+        <p14:creationId xmlns:p14="http://schemas.microsoft.com/office/powerpoint/2010/main" val="2425408992"/>
+      </p:ext>
+    </p:extLst>
+  </p:cSld>
+  <p:clrMapOvr>
+    <a:masterClrMapping/>
+  </p:clrMapOvr>
+</p:sld>
+</file>
+
+<file path=ppt/slides/slide7.xml><?xml version="1.0" encoding="utf-8"?>
+<p:sld xmlns:a="http://schemas.openxmlformats.org/drawingml/2006/main" xmlns:r="http://schemas.openxmlformats.org/officeDocument/2006/relationships" xmlns:p="http://schemas.openxmlformats.org/presentationml/2006/main">
+  <p:cSld>
+    <p:spTree>
+      <p:nvGrpSpPr>
+        <p:cNvPr id="1" name=""/>
+        <p:cNvGrpSpPr/>
+        <p:nvPr/>
+      </p:nvGrpSpPr>
+      <p:grpSpPr>
+        <a:xfrm>
+          <a:off x="0" y="0"/>
+          <a:ext cx="0" cy="0"/>
+          <a:chOff x="0" y="0"/>
+          <a:chExt cx="0" cy="0"/>
+        </a:xfrm>
+      </p:grpSpPr>
+      <p:sp>
+        <p:nvSpPr>
+          <p:cNvPr id="2" name="Title 1">
+            <a:extLst>
+              <a:ext uri="{FF2B5EF4-FFF2-40B4-BE49-F238E27FC236}">
+                <a16:creationId xmlns:a16="http://schemas.microsoft.com/office/drawing/2014/main" id="{5A09E77C-BB8A-C7F9-C3FB-837E368C96E4}"/>
+              </a:ext>
+            </a:extLst>
+          </p:cNvPr>
+          <p:cNvSpPr>
+            <a:spLocks noGrp="1"/>
+          </p:cNvSpPr>
+          <p:nvPr>
+            <p:ph type="title"/>
+          </p:nvPr>
+        </p:nvSpPr>
+        <p:spPr/>
+        <p:txBody>
+          <a:bodyPr/>
+          <a:lstStyle/>
+          <a:p>
+            <a:r>
+              <a:rPr lang="en-US" dirty="0"/>
+              <a:t>Worst Case Performance</a:t>
+            </a:r>
+          </a:p>
+        </p:txBody>
+      </p:sp>
+      <p:pic>
+        <p:nvPicPr>
+          <p:cNvPr id="5" name="Content Placeholder 4" descr="A picture containing watch&#10;&#10;Description automatically generated">
+            <a:extLst>
+              <a:ext uri="{FF2B5EF4-FFF2-40B4-BE49-F238E27FC236}">
+                <a16:creationId xmlns:a16="http://schemas.microsoft.com/office/drawing/2014/main" id="{AF4C3648-2B8A-6214-7C70-6F577D51C8FD}"/>
+              </a:ext>
+            </a:extLst>
+          </p:cNvPr>
+          <p:cNvPicPr>
+            <a:picLocks noGrp="1" noChangeAspect="1"/>
+          </p:cNvPicPr>
+          <p:nvPr>
+            <p:ph idx="1"/>
+          </p:nvPr>
+        </p:nvPicPr>
+        <p:blipFill rotWithShape="1">
+          <a:blip r:embed="rId2">
+            <a:extLst>
+              <a:ext uri="{28A0092B-C50C-407E-A947-70E740481C1C}">
+                <a14:useLocalDpi xmlns:a14="http://schemas.microsoft.com/office/drawing/2010/main" val="0"/>
+              </a:ext>
+            </a:extLst>
+          </a:blip>
+          <a:srcRect l="16471" t="4866" r="9925" b="15410"/>
+          <a:stretch/>
+        </p:blipFill>
+        <p:spPr>
+          <a:xfrm>
+            <a:off x="2917998" y="1443990"/>
+            <a:ext cx="4829175" cy="5230702"/>
+          </a:xfrm>
+        </p:spPr>
+      </p:pic>
+    </p:spTree>
+    <p:extLst>
+      <p:ext uri="{BB962C8B-B14F-4D97-AF65-F5344CB8AC3E}">
+        <p14:creationId xmlns:p14="http://schemas.microsoft.com/office/powerpoint/2010/main" val="1705701085"/>
+      </p:ext>
+    </p:extLst>
+  </p:cSld>
+  <p:clrMapOvr>
+    <a:masterClrMapping/>
+  </p:clrMapOvr>
+</p:sld>
+</file>
+
+<file path=ppt/slides/slide8.xml><?xml version="1.0" encoding="utf-8"?>
+<p:sld xmlns:a="http://schemas.openxmlformats.org/drawingml/2006/main" xmlns:r="http://schemas.openxmlformats.org/officeDocument/2006/relationships" xmlns:p="http://schemas.openxmlformats.org/presentationml/2006/main">
+  <p:cSld>
+    <p:spTree>
+      <p:nvGrpSpPr>
+        <p:cNvPr id="1" name=""/>
+        <p:cNvGrpSpPr/>
+        <p:nvPr/>
+      </p:nvGrpSpPr>
+      <p:grpSpPr>
+        <a:xfrm>
+          <a:off x="0" y="0"/>
+          <a:ext cx="0" cy="0"/>
+          <a:chOff x="0" y="0"/>
+          <a:chExt cx="0" cy="0"/>
+        </a:xfrm>
+      </p:grpSpPr>
+      <p:sp>
+        <p:nvSpPr>
+          <p:cNvPr id="2" name="Title 1">
+            <a:extLst>
+              <a:ext uri="{FF2B5EF4-FFF2-40B4-BE49-F238E27FC236}">
+                <a16:creationId xmlns:a16="http://schemas.microsoft.com/office/drawing/2014/main" id="{8E844838-2AFE-4573-BAC5-F23DD8298311}"/>
+              </a:ext>
+            </a:extLst>
+          </p:cNvPr>
+          <p:cNvSpPr>
+            <a:spLocks noGrp="1"/>
+          </p:cNvSpPr>
+          <p:nvPr>
+            <p:ph type="title"/>
+          </p:nvPr>
+        </p:nvSpPr>
+        <p:spPr/>
+        <p:txBody>
+          <a:bodyPr/>
+          <a:lstStyle/>
+          <a:p>
+            <a:r>
+              <a:rPr lang="en-US" dirty="0"/>
+              <a:t>Function Analysis and Test Cases</a:t>
+            </a:r>
+          </a:p>
+        </p:txBody>
+      </p:sp>
+      <p:graphicFrame>
+        <p:nvGraphicFramePr>
+          <p:cNvPr id="4" name="Content Placeholder 3">
+            <a:extLst>
+              <a:ext uri="{FF2B5EF4-FFF2-40B4-BE49-F238E27FC236}">
+                <a16:creationId xmlns:a16="http://schemas.microsoft.com/office/drawing/2014/main" id="{0AA93959-9B02-B89D-BD20-7E5834210616}"/>
+              </a:ext>
+            </a:extLst>
+          </p:cNvPr>
+          <p:cNvGraphicFramePr>
+            <a:graphicFrameLocks noGrp="1"/>
+          </p:cNvGraphicFramePr>
+          <p:nvPr>
+            <p:ph idx="1"/>
+            <p:extLst>
+              <p:ext uri="{D42A27DB-BD31-4B8C-83A1-F6EECF244321}">
+                <p14:modId xmlns:p14="http://schemas.microsoft.com/office/powerpoint/2010/main" val="4179630732"/>
+              </p:ext>
+            </p:extLst>
+          </p:nvPr>
+        </p:nvGraphicFramePr>
+        <p:xfrm>
+          <a:off x="633942" y="1685925"/>
+          <a:ext cx="8683452" cy="4116387"/>
+        </p:xfrm>
+        <a:graphic>
+          <a:graphicData uri="http://schemas.openxmlformats.org/drawingml/2006/chart">
+            <c:chart xmlns:c="http://schemas.openxmlformats.org/drawingml/2006/chart" xmlns:r="http://schemas.openxmlformats.org/officeDocument/2006/relationships" r:id="rId2"/>
+          </a:graphicData>
+        </a:graphic>
+      </p:graphicFrame>
+    </p:spTree>
+    <p:extLst>
+      <p:ext uri="{BB962C8B-B14F-4D97-AF65-F5344CB8AC3E}">
+        <p14:creationId xmlns:p14="http://schemas.microsoft.com/office/powerpoint/2010/main" val="2745170475"/>
+      </p:ext>
+    </p:extLst>
+  </p:cSld>
+  <p:clrMapOvr>
+    <a:masterClrMapping/>
+  </p:clrMapOvr>
+</p:sld>
+</file>
+
 <file path=ppt/theme/theme1.xml><?xml version="1.0" encoding="utf-8"?>
-<a:theme xmlns:a="http://schemas.openxmlformats.org/drawingml/2006/main" name="Office Theme">
+<a:theme xmlns:a="http://schemas.openxmlformats.org/drawingml/2006/main" name="Facet">
   <a:themeElements>
-    <a:clrScheme name="Office">
+    <a:clrScheme name="Facet">
       <a:dk1>
         <a:sysClr val="windowText" lastClr="000000"/>
       </a:dk1>
@@ -3398,52 +8459,52 @@
         <a:sysClr val="window" lastClr="FFFFFF"/>
       </a:lt1>
       <a:dk2>
-        <a:srgbClr val="44546A"/>
+        <a:srgbClr val="2C3C43"/>
       </a:dk2>
       <a:lt2>
-        <a:srgbClr val="E7E6E6"/>
+        <a:srgbClr val="EBEBEB"/>
       </a:lt2>
       <a:accent1>
-        <a:srgbClr val="4472C4"/>
+        <a:srgbClr val="90C226"/>
       </a:accent1>
       <a:accent2>
-        <a:srgbClr val="ED7D31"/>
+        <a:srgbClr val="54A021"/>
       </a:accent2>
       <a:accent3>
-        <a:srgbClr val="A5A5A5"/>
+        <a:srgbClr val="E6B91E"/>
       </a:accent3>
       <a:accent4>
-        <a:srgbClr val="FFC000"/>
+        <a:srgbClr val="E76618"/>
       </a:accent4>
       <a:accent5>
-        <a:srgbClr val="5B9BD5"/>
+        <a:srgbClr val="C42F1A"/>
       </a:accent5>
       <a:accent6>
-        <a:srgbClr val="70AD47"/>
+        <a:srgbClr val="918655"/>
       </a:accent6>
       <a:hlink>
-        <a:srgbClr val="0563C1"/>
+        <a:srgbClr val="99CA3C"/>
       </a:hlink>
       <a:folHlink>
-        <a:srgbClr val="954F72"/>
+        <a:srgbClr val="B9D181"/>
       </a:folHlink>
     </a:clrScheme>
-    <a:fontScheme name="Office">
+    <a:fontScheme name="Facet">
       <a:majorFont>
-        <a:latin typeface="Calibri Light" panose="020F0302020204030204"/>
+        <a:latin typeface="Trebuchet MS" panose="020B0603020202020204"/>
         <a:ea typeface=""/>
         <a:cs typeface=""/>
-        <a:font script="Jpan" typeface="游ゴシック Light"/>
+        <a:font script="Jpan" typeface="メイリオ"/>
         <a:font script="Hang" typeface="맑은 고딕"/>
-        <a:font script="Hans" typeface="等线 Light"/>
-        <a:font script="Hant" typeface="新細明體"/>
-        <a:font script="Arab" typeface="Times New Roman"/>
-        <a:font script="Hebr" typeface="Times New Roman"/>
-        <a:font script="Thai" typeface="Angsana New"/>
+        <a:font script="Hans" typeface="方正姚体"/>
+        <a:font script="Hant" typeface="微軟正黑體"/>
+        <a:font script="Arab" typeface="Tahoma"/>
+        <a:font script="Hebr" typeface="Arial"/>
+        <a:font script="Thai" typeface="Cordia New"/>
         <a:font script="Ethi" typeface="Nyala"/>
         <a:font script="Beng" typeface="Vrinda"/>
         <a:font script="Gujr" typeface="Shruti"/>
-        <a:font script="Khmr" typeface="MoolBoran"/>
+        <a:font script="Khmr" typeface="DaunPenh"/>
         <a:font script="Knda" typeface="Tunga"/>
         <a:font script="Guru" typeface="Raavi"/>
         <a:font script="Cans" typeface="Euphemia"/>
@@ -3460,38 +8521,21 @@
         <a:font script="Laoo" typeface="DokChampa"/>
         <a:font script="Sinh" typeface="Iskoola Pota"/>
         <a:font script="Mong" typeface="Mongolian Baiti"/>
-        <a:font script="Viet" typeface="Times New Roman"/>
+        <a:font script="Viet" typeface="Tahoma"/>
         <a:font script="Uigh" typeface="Microsoft Uighur"/>
         <a:font script="Geor" typeface="Sylfaen"/>
-        <a:font script="Armn" typeface="Arial"/>
-        <a:font script="Bugi" typeface="Leelawadee UI"/>
-        <a:font script="Bopo" typeface="Microsoft JhengHei"/>
-        <a:font script="Java" typeface="Javanese Text"/>
-        <a:font script="Lisu" typeface="Segoe UI"/>
-        <a:font script="Mymr" typeface="Myanmar Text"/>
-        <a:font script="Nkoo" typeface="Ebrima"/>
-        <a:font script="Olck" typeface="Nirmala UI"/>
-        <a:font script="Osma" typeface="Ebrima"/>
-        <a:font script="Phag" typeface="Phagspa"/>
-        <a:font script="Syrn" typeface="Estrangelo Edessa"/>
-        <a:font script="Syrj" typeface="Estrangelo Edessa"/>
-        <a:font script="Syre" typeface="Estrangelo Edessa"/>
-        <a:font script="Sora" typeface="Nirmala UI"/>
-        <a:font script="Tale" typeface="Microsoft Tai Le"/>
-        <a:font script="Talu" typeface="Microsoft New Tai Lue"/>
-        <a:font script="Tfng" typeface="Ebrima"/>
       </a:majorFont>
       <a:minorFont>
-        <a:latin typeface="Calibri" panose="020F0502020204030204"/>
+        <a:latin typeface="Trebuchet MS" panose="020B0603020202020204"/>
         <a:ea typeface=""/>
         <a:cs typeface=""/>
-        <a:font script="Jpan" typeface="游ゴシック"/>
-        <a:font script="Hang" typeface="맑은 고딕"/>
-        <a:font script="Hans" typeface="等线"/>
-        <a:font script="Hant" typeface="新細明體"/>
-        <a:font script="Arab" typeface="Arial"/>
-        <a:font script="Hebr" typeface="Arial"/>
-        <a:font script="Thai" typeface="Cordia New"/>
+        <a:font script="Jpan" typeface="メイリオ"/>
+        <a:font script="Hang" typeface="HY그래픽M"/>
+        <a:font script="Hans" typeface="华文新魏"/>
+        <a:font script="Hant" typeface="微軟正黑體"/>
+        <a:font script="Arab" typeface="Tahoma"/>
+        <a:font script="Hebr" typeface="Gisha"/>
+        <a:font script="Thai" typeface="IrisUPC"/>
         <a:font script="Ethi" typeface="Nyala"/>
         <a:font script="Beng" typeface="Vrinda"/>
         <a:font script="Gujr" typeface="Shruti"/>
@@ -3515,26 +8559,9 @@
         <a:font script="Viet" typeface="Arial"/>
         <a:font script="Uigh" typeface="Microsoft Uighur"/>
         <a:font script="Geor" typeface="Sylfaen"/>
-        <a:font script="Armn" typeface="Arial"/>
-        <a:font script="Bugi" typeface="Leelawadee UI"/>
-        <a:font script="Bopo" typeface="Microsoft JhengHei"/>
-        <a:font script="Java" typeface="Javanese Text"/>
-        <a:font script="Lisu" typeface="Segoe UI"/>
-        <a:font script="Mymr" typeface="Myanmar Text"/>
-        <a:font script="Nkoo" typeface="Ebrima"/>
-        <a:font script="Olck" typeface="Nirmala UI"/>
-        <a:font script="Osma" typeface="Ebrima"/>
-        <a:font script="Phag" typeface="Phagspa"/>
-        <a:font script="Syrn" typeface="Estrangelo Edessa"/>
-        <a:font script="Syrj" typeface="Estrangelo Edessa"/>
-        <a:font script="Syre" typeface="Estrangelo Edessa"/>
-        <a:font script="Sora" typeface="Nirmala UI"/>
-        <a:font script="Tale" typeface="Microsoft Tai Le"/>
-        <a:font script="Talu" typeface="Microsoft New Tai Lue"/>
-        <a:font script="Tfng" typeface="Ebrima"/>
       </a:minorFont>
     </a:fontScheme>
-    <a:fmtScheme name="Office">
+    <a:fmtScheme name="Facet">
       <a:fillStyleLst>
         <a:solidFill>
           <a:schemeClr val="phClr"/>
@@ -3543,23 +8570,13 @@
           <a:gsLst>
             <a:gs pos="0">
               <a:schemeClr val="phClr">
+                <a:tint val="65000"/>
                 <a:lumMod val="110000"/>
-                <a:satMod val="105000"/>
-                <a:tint val="67000"/>
               </a:schemeClr>
             </a:gs>
-            <a:gs pos="50000">
+            <a:gs pos="88000">
               <a:schemeClr val="phClr">
-                <a:lumMod val="105000"/>
-                <a:satMod val="103000"/>
-                <a:tint val="73000"/>
-              </a:schemeClr>
-            </a:gs>
-            <a:gs pos="100000">
-              <a:schemeClr val="phClr">
-                <a:lumMod val="105000"/>
-                <a:satMod val="109000"/>
-                <a:tint val="81000"/>
+                <a:tint val="90000"/>
               </a:schemeClr>
             </a:gs>
           </a:gsLst>
@@ -3569,23 +8586,14 @@
           <a:gsLst>
             <a:gs pos="0">
               <a:schemeClr val="phClr">
-                <a:satMod val="103000"/>
-                <a:lumMod val="102000"/>
-                <a:tint val="94000"/>
+                <a:tint val="96000"/>
+                <a:lumMod val="100000"/>
               </a:schemeClr>
             </a:gs>
-            <a:gs pos="50000">
+            <a:gs pos="78000">
               <a:schemeClr val="phClr">
-                <a:satMod val="110000"/>
-                <a:lumMod val="100000"/>
-                <a:shade val="100000"/>
-              </a:schemeClr>
-            </a:gs>
-            <a:gs pos="100000">
-              <a:schemeClr val="phClr">
-                <a:lumMod val="99000"/>
-                <a:satMod val="120000"/>
-                <a:shade val="78000"/>
+                <a:shade val="94000"/>
+                <a:lumMod val="94000"/>
               </a:schemeClr>
             </a:gs>
           </a:gsLst>
@@ -3593,26 +8601,23 @@
         </a:gradFill>
       </a:fillStyleLst>
       <a:lnStyleLst>
-        <a:ln w="6350" cap="flat" cmpd="sng" algn="ctr">
+        <a:ln w="12700" cap="rnd" cmpd="sng" algn="ctr">
           <a:solidFill>
             <a:schemeClr val="phClr"/>
           </a:solidFill>
           <a:prstDash val="solid"/>
-          <a:miter lim="800000"/>
         </a:ln>
-        <a:ln w="12700" cap="flat" cmpd="sng" algn="ctr">
+        <a:ln w="19050" cap="rnd" cmpd="sng" algn="ctr">
           <a:solidFill>
             <a:schemeClr val="phClr"/>
           </a:solidFill>
           <a:prstDash val="solid"/>
-          <a:miter lim="800000"/>
         </a:ln>
-        <a:ln w="19050" cap="flat" cmpd="sng" algn="ctr">
+        <a:ln w="25400" cap="rnd" cmpd="sng" algn="ctr">
           <a:solidFill>
             <a:schemeClr val="phClr"/>
           </a:solidFill>
           <a:prstDash val="solid"/>
-          <a:miter lim="800000"/>
         </a:ln>
       </a:lnStyleLst>
       <a:effectStyleLst>
@@ -3620,54 +8625,72 @@
           <a:effectLst/>
         </a:effectStyle>
         <a:effectStyle>
-          <a:effectLst/>
+          <a:effectLst>
+            <a:outerShdw blurRad="38100" dist="25400" dir="5400000" rotWithShape="0">
+              <a:srgbClr val="000000">
+                <a:alpha val="35000"/>
+              </a:srgbClr>
+            </a:outerShdw>
+          </a:effectLst>
         </a:effectStyle>
         <a:effectStyle>
           <a:effectLst>
-            <a:outerShdw blurRad="57150" dist="19050" dir="5400000" algn="ctr" rotWithShape="0">
+            <a:outerShdw blurRad="50800" dist="38100" dir="5400000" rotWithShape="0">
               <a:srgbClr val="000000">
-                <a:alpha val="63000"/>
+                <a:alpha val="35000"/>
               </a:srgbClr>
             </a:outerShdw>
           </a:effectLst>
+          <a:scene3d>
+            <a:camera prst="orthographicFront">
+              <a:rot lat="0" lon="0" rev="0"/>
+            </a:camera>
+            <a:lightRig rig="threePt" dir="tl"/>
+          </a:scene3d>
+          <a:sp3d prstMaterial="plastic">
+            <a:bevelT w="0" h="0"/>
+          </a:sp3d>
         </a:effectStyle>
       </a:effectStyleLst>
       <a:bgFillStyleLst>
         <a:solidFill>
           <a:schemeClr val="phClr"/>
         </a:solidFill>
-        <a:solidFill>
-          <a:schemeClr val="phClr">
-            <a:tint val="95000"/>
-            <a:satMod val="170000"/>
-          </a:schemeClr>
-        </a:solidFill>
         <a:gradFill rotWithShape="1">
           <a:gsLst>
             <a:gs pos="0">
               <a:schemeClr val="phClr">
-                <a:tint val="93000"/>
-                <a:satMod val="150000"/>
-                <a:shade val="98000"/>
-                <a:lumMod val="102000"/>
+                <a:tint val="90000"/>
+                <a:lumMod val="104000"/>
               </a:schemeClr>
             </a:gs>
-            <a:gs pos="50000">
+            <a:gs pos="94000">
               <a:schemeClr val="phClr">
-                <a:tint val="98000"/>
-                <a:satMod val="130000"/>
-                <a:shade val="90000"/>
-                <a:lumMod val="103000"/>
+                <a:shade val="96000"/>
+                <a:lumMod val="82000"/>
+              </a:schemeClr>
+            </a:gs>
+          </a:gsLst>
+          <a:lin ang="5400000" scaled="0"/>
+        </a:gradFill>
+        <a:gradFill rotWithShape="1">
+          <a:gsLst>
+            <a:gs pos="0">
+              <a:schemeClr val="phClr">
+                <a:tint val="90000"/>
+                <a:lumMod val="110000"/>
               </a:schemeClr>
             </a:gs>
             <a:gs pos="100000">
               <a:schemeClr val="phClr">
-                <a:shade val="63000"/>
-                <a:satMod val="120000"/>
+                <a:shade val="94000"/>
+                <a:lumMod val="96000"/>
               </a:schemeClr>
             </a:gs>
           </a:gsLst>
-          <a:lin ang="5400000" scaled="0"/>
+          <a:path path="circle">
+            <a:fillToRect l="50000" t="50000" r="100000" b="100000"/>
+          </a:path>
         </a:gradFill>
       </a:bgFillStyleLst>
     </a:fmtScheme>
@@ -3676,7 +8699,7 @@
   <a:extraClrSchemeLst/>
   <a:extLst>
     <a:ext uri="{05A4C25C-085E-4340-85A3-A5531E510DB2}">
-      <thm15:themeFamily xmlns:thm15="http://schemas.microsoft.com/office/thememl/2012/main" name="Office Theme" id="{62F939B6-93AF-4DB8-9C6B-D6C7DFDC589F}" vid="{4A3C46E8-61CC-4603-A589-7422A47A8E4A}"/>
+      <thm15:themeFamily xmlns:thm15="http://schemas.microsoft.com/office/thememl/2012/main" name="Facet" id="{C0C680CD-088A-49FC-A102-D699147F32B2}" vid="{CFBC31BA-B70F-4F30-BCAA-4F3011E16C4D}"/>
     </a:ext>
   </a:extLst>
 </a:theme>

--- a/presentations/problem_presentation.pptx
+++ b/presentations/problem_presentation.pptx
@@ -2002,7 +2002,7 @@
           <a:p>
             <a:fld id="{3B054455-14A8-45A6-99AA-9A7708B07C1A}" type="datetimeFigureOut">
               <a:rPr lang="en-US" smtClean="0"/>
-              <a:t>5/1/2022</a:t>
+              <a:t>5/2/2022</a:t>
             </a:fld>
             <a:endParaRPr lang="en-US"/>
           </a:p>
@@ -2253,7 +2253,7 @@
           <a:p>
             <a:fld id="{3B054455-14A8-45A6-99AA-9A7708B07C1A}" type="datetimeFigureOut">
               <a:rPr lang="en-US" smtClean="0"/>
-              <a:t>5/1/2022</a:t>
+              <a:t>5/2/2022</a:t>
             </a:fld>
             <a:endParaRPr lang="en-US"/>
           </a:p>
@@ -2567,7 +2567,7 @@
           <a:p>
             <a:fld id="{3B054455-14A8-45A6-99AA-9A7708B07C1A}" type="datetimeFigureOut">
               <a:rPr lang="en-US" smtClean="0"/>
-              <a:t>5/1/2022</a:t>
+              <a:t>5/2/2022</a:t>
             </a:fld>
             <a:endParaRPr lang="en-US"/>
           </a:p>
@@ -2908,7 +2908,7 @@
           <a:p>
             <a:fld id="{3B054455-14A8-45A6-99AA-9A7708B07C1A}" type="datetimeFigureOut">
               <a:rPr lang="en-US" smtClean="0"/>
-              <a:t>5/1/2022</a:t>
+              <a:t>5/2/2022</a:t>
             </a:fld>
             <a:endParaRPr lang="en-US"/>
           </a:p>
@@ -3222,7 +3222,7 @@
           <a:p>
             <a:fld id="{3B054455-14A8-45A6-99AA-9A7708B07C1A}" type="datetimeFigureOut">
               <a:rPr lang="en-US" smtClean="0"/>
-              <a:t>5/1/2022</a:t>
+              <a:t>5/2/2022</a:t>
             </a:fld>
             <a:endParaRPr lang="en-US"/>
           </a:p>
@@ -3615,7 +3615,7 @@
           <a:p>
             <a:fld id="{3B054455-14A8-45A6-99AA-9A7708B07C1A}" type="datetimeFigureOut">
               <a:rPr lang="en-US" smtClean="0"/>
-              <a:t>5/1/2022</a:t>
+              <a:t>5/2/2022</a:t>
             </a:fld>
             <a:endParaRPr lang="en-US"/>
           </a:p>
@@ -3785,7 +3785,7 @@
           <a:p>
             <a:fld id="{3B054455-14A8-45A6-99AA-9A7708B07C1A}" type="datetimeFigureOut">
               <a:rPr lang="en-US" smtClean="0"/>
-              <a:t>5/1/2022</a:t>
+              <a:t>5/2/2022</a:t>
             </a:fld>
             <a:endParaRPr lang="en-US"/>
           </a:p>
@@ -3965,7 +3965,7 @@
           <a:p>
             <a:fld id="{3B054455-14A8-45A6-99AA-9A7708B07C1A}" type="datetimeFigureOut">
               <a:rPr lang="en-US" smtClean="0"/>
-              <a:t>5/1/2022</a:t>
+              <a:t>5/2/2022</a:t>
             </a:fld>
             <a:endParaRPr lang="en-US"/>
           </a:p>
@@ -4141,7 +4141,7 @@
           <a:p>
             <a:fld id="{3B054455-14A8-45A6-99AA-9A7708B07C1A}" type="datetimeFigureOut">
               <a:rPr lang="en-US" smtClean="0"/>
-              <a:t>5/1/2022</a:t>
+              <a:t>5/2/2022</a:t>
             </a:fld>
             <a:endParaRPr lang="en-US"/>
           </a:p>
@@ -4388,7 +4388,7 @@
           <a:p>
             <a:fld id="{3B054455-14A8-45A6-99AA-9A7708B07C1A}" type="datetimeFigureOut">
               <a:rPr lang="en-US" smtClean="0"/>
-              <a:t>5/1/2022</a:t>
+              <a:t>5/2/2022</a:t>
             </a:fld>
             <a:endParaRPr lang="en-US"/>
           </a:p>
@@ -4620,7 +4620,7 @@
           <a:p>
             <a:fld id="{3B054455-14A8-45A6-99AA-9A7708B07C1A}" type="datetimeFigureOut">
               <a:rPr lang="en-US" smtClean="0"/>
-              <a:t>5/1/2022</a:t>
+              <a:t>5/2/2022</a:t>
             </a:fld>
             <a:endParaRPr lang="en-US"/>
           </a:p>
@@ -4994,7 +4994,7 @@
           <a:p>
             <a:fld id="{3B054455-14A8-45A6-99AA-9A7708B07C1A}" type="datetimeFigureOut">
               <a:rPr lang="en-US" smtClean="0"/>
-              <a:t>5/1/2022</a:t>
+              <a:t>5/2/2022</a:t>
             </a:fld>
             <a:endParaRPr lang="en-US"/>
           </a:p>
@@ -5117,7 +5117,7 @@
           <a:p>
             <a:fld id="{3B054455-14A8-45A6-99AA-9A7708B07C1A}" type="datetimeFigureOut">
               <a:rPr lang="en-US" smtClean="0"/>
-              <a:t>5/1/2022</a:t>
+              <a:t>5/2/2022</a:t>
             </a:fld>
             <a:endParaRPr lang="en-US"/>
           </a:p>
@@ -5212,7 +5212,7 @@
           <a:p>
             <a:fld id="{3B054455-14A8-45A6-99AA-9A7708B07C1A}" type="datetimeFigureOut">
               <a:rPr lang="en-US" smtClean="0"/>
-              <a:t>5/1/2022</a:t>
+              <a:t>5/2/2022</a:t>
             </a:fld>
             <a:endParaRPr lang="en-US"/>
           </a:p>
@@ -5467,7 +5467,7 @@
           <a:p>
             <a:fld id="{3B054455-14A8-45A6-99AA-9A7708B07C1A}" type="datetimeFigureOut">
               <a:rPr lang="en-US" smtClean="0"/>
-              <a:t>5/1/2022</a:t>
+              <a:t>5/2/2022</a:t>
             </a:fld>
             <a:endParaRPr lang="en-US"/>
           </a:p>
@@ -5730,7 +5730,7 @@
           <a:p>
             <a:fld id="{3B054455-14A8-45A6-99AA-9A7708B07C1A}" type="datetimeFigureOut">
               <a:rPr lang="en-US" smtClean="0"/>
-              <a:t>5/1/2022</a:t>
+              <a:t>5/2/2022</a:t>
             </a:fld>
             <a:endParaRPr lang="en-US"/>
           </a:p>
@@ -6473,7 +6473,7 @@
           <a:p>
             <a:fld id="{3B054455-14A8-45A6-99AA-9A7708B07C1A}" type="datetimeFigureOut">
               <a:rPr lang="en-US" smtClean="0"/>
-              <a:t>5/1/2022</a:t>
+              <a:t>5/2/2022</a:t>
             </a:fld>
             <a:endParaRPr lang="en-US"/>
           </a:p>
@@ -7875,14 +7875,49 @@
         </p:blipFill>
         <p:spPr>
           <a:xfrm>
-            <a:off x="1563623" y="3429000"/>
-            <a:ext cx="6824089" cy="3019425"/>
+            <a:off x="1563624" y="3429000"/>
+            <a:ext cx="6608826" cy="2924179"/>
           </a:xfrm>
           <a:prstGeom prst="rect">
             <a:avLst/>
           </a:prstGeom>
         </p:spPr>
       </p:pic>
+      <p:sp>
+        <p:nvSpPr>
+          <p:cNvPr id="4" name="TextBox 3">
+            <a:extLst>
+              <a:ext uri="{FF2B5EF4-FFF2-40B4-BE49-F238E27FC236}">
+                <a16:creationId xmlns:a16="http://schemas.microsoft.com/office/drawing/2014/main" id="{01C44A29-5621-C4E6-5A50-1207839642C2}"/>
+              </a:ext>
+            </a:extLst>
+          </p:cNvPr>
+          <p:cNvSpPr txBox="1"/>
+          <p:nvPr/>
+        </p:nvSpPr>
+        <p:spPr>
+          <a:xfrm>
+            <a:off x="677334" y="6457955"/>
+            <a:ext cx="2943225" cy="230832"/>
+          </a:xfrm>
+          <a:prstGeom prst="rect">
+            <a:avLst/>
+          </a:prstGeom>
+          <a:noFill/>
+        </p:spPr>
+        <p:txBody>
+          <a:bodyPr wrap="square" rtlCol="0">
+            <a:spAutoFit/>
+          </a:bodyPr>
+          <a:lstStyle/>
+          <a:p>
+            <a:r>
+              <a:rPr lang="en-US" sz="900" dirty="0"/>
+              <a:t>Images retrieved from Erickson Algorithms Textbook</a:t>
+            </a:r>
+          </a:p>
+        </p:txBody>
+      </p:sp>
     </p:spTree>
     <p:extLst>
       <p:ext uri="{BB962C8B-B14F-4D97-AF65-F5344CB8AC3E}">

--- a/presentations/problem_presentation.pptx
+++ b/presentations/problem_presentation.pptx
@@ -7395,10 +7395,10 @@
       </p:sp>
       <p:pic>
         <p:nvPicPr>
-          <p:cNvPr id="5" name="Picture 4" descr="A picture containing watch&#10;&#10;Description automatically generated">
+          <p:cNvPr id="6" name="Picture 5" descr="Shape&#10;&#10;Description automatically generated">
             <a:extLst>
               <a:ext uri="{FF2B5EF4-FFF2-40B4-BE49-F238E27FC236}">
-                <a16:creationId xmlns:a16="http://schemas.microsoft.com/office/drawing/2014/main" id="{C54B1821-07E5-BCDB-5348-A262F19FF922}"/>
+                <a16:creationId xmlns:a16="http://schemas.microsoft.com/office/drawing/2014/main" id="{11860910-22A0-9EEE-2542-F3FDDCE3A01F}"/>
               </a:ext>
             </a:extLst>
           </p:cNvPr>
@@ -7415,13 +7415,13 @@
               </a:ext>
             </a:extLst>
           </a:blip>
-          <a:srcRect l="9393" t="10007" r="9637" b="26641"/>
+          <a:srcRect l="16427" t="8248" r="17659" b="7768"/>
           <a:stretch/>
         </p:blipFill>
         <p:spPr>
           <a:xfrm>
-            <a:off x="5076825" y="1904999"/>
-            <a:ext cx="4457700" cy="3487735"/>
+            <a:off x="5219699" y="1609725"/>
+            <a:ext cx="3248025" cy="4138448"/>
           </a:xfrm>
           <a:prstGeom prst="rect">
             <a:avLst/>
@@ -7578,18 +7578,22 @@
               <a:buNone/>
             </a:pPr>
             <a:r>
+              <a:rPr lang="en-US" sz="2400"/>
+              <a:t>Minimum </a:t>
+            </a:r>
+            <a:r>
               <a:rPr lang="en-US" sz="2400" dirty="0"/>
-              <a:t>Minimum number of colors: 3</a:t>
+              <a:t>number of colors: 3</a:t>
             </a:r>
           </a:p>
         </p:txBody>
       </p:sp>
       <p:pic>
         <p:nvPicPr>
-          <p:cNvPr id="9" name="Picture 8" descr="A picture containing shape&#10;&#10;Description automatically generated">
+          <p:cNvPr id="5" name="Picture 4" descr="A picture containing shape&#10;&#10;Description automatically generated">
             <a:extLst>
               <a:ext uri="{FF2B5EF4-FFF2-40B4-BE49-F238E27FC236}">
-                <a16:creationId xmlns:a16="http://schemas.microsoft.com/office/drawing/2014/main" id="{620EF9F7-AFAF-BBDF-FD5B-68050E752099}"/>
+                <a16:creationId xmlns:a16="http://schemas.microsoft.com/office/drawing/2014/main" id="{16DB9CBE-A173-2153-A017-412A3AC50391}"/>
               </a:ext>
             </a:extLst>
           </p:cNvPr>
@@ -7606,13 +7610,59 @@
               </a:ext>
             </a:extLst>
           </a:blip>
-          <a:srcRect l="6667" t="18416" r="8148" b="20782"/>
+          <a:srcRect l="20772" t="7819" r="22130" b="8493"/>
           <a:stretch/>
         </p:blipFill>
         <p:spPr>
           <a:xfrm>
-            <a:off x="5229932" y="1726387"/>
-            <a:ext cx="3771007" cy="2691626"/>
+            <a:off x="6048375" y="1773551"/>
+            <a:ext cx="2644117" cy="3875412"/>
+          </a:xfrm>
+          <a:prstGeom prst="rect">
+            <a:avLst/>
+          </a:prstGeom>
+        </p:spPr>
+      </p:pic>
+      <p:pic>
+        <p:nvPicPr>
+          <p:cNvPr id="7" name="Picture 6" descr="Diagram&#10;&#10;Description automatically generated">
+            <a:extLst>
+              <a:ext uri="{FF2B5EF4-FFF2-40B4-BE49-F238E27FC236}">
+                <a16:creationId xmlns:a16="http://schemas.microsoft.com/office/drawing/2014/main" id="{A6467E3A-F1A2-12D5-61F4-CE1931FC0A7F}"/>
+              </a:ext>
+            </a:extLst>
+          </p:cNvPr>
+          <p:cNvPicPr>
+            <a:picLocks noChangeAspect="1"/>
+          </p:cNvPicPr>
+          <p:nvPr/>
+        </p:nvPicPr>
+        <p:blipFill rotWithShape="1">
+          <a:blip r:embed="rId3">
+            <a:extLst>
+              <a:ext uri="{BEBA8EAE-BF5A-486C-A8C5-ECC9F3942E4B}">
+                <a14:imgProps xmlns:a14="http://schemas.microsoft.com/office/drawing/2010/main">
+                  <a14:imgLayer r:embed="rId4">
+                    <a14:imgEffect>
+                      <a14:backgroundRemoval t="22804" b="34206" l="37692" r="48232">
+                        <a14:foregroundMark x1="40432" y1="24383" x2="42593" y2="30556"/>
+                      </a14:backgroundRemoval>
+                    </a14:imgEffect>
+                  </a14:imgLayer>
+                </a14:imgProps>
+              </a:ext>
+              <a:ext uri="{28A0092B-C50C-407E-A947-70E740481C1C}">
+                <a14:useLocalDpi xmlns:a14="http://schemas.microsoft.com/office/drawing/2010/main" val="0"/>
+              </a:ext>
+            </a:extLst>
+          </a:blip>
+          <a:srcRect l="36374" t="21379" r="50450" b="64369"/>
+          <a:stretch/>
+        </p:blipFill>
+        <p:spPr>
+          <a:xfrm>
+            <a:off x="8007676" y="2874832"/>
+            <a:ext cx="612281" cy="662297"/>
           </a:xfrm>
           <a:prstGeom prst="rect">
             <a:avLst/>
@@ -7634,20 +7684,31 @@
           <p:nvPr/>
         </p:nvPicPr>
         <p:blipFill rotWithShape="1">
-          <a:blip r:embed="rId3">
+          <a:blip r:embed="rId5">
             <a:extLst>
+              <a:ext uri="{BEBA8EAE-BF5A-486C-A8C5-ECC9F3942E4B}">
+                <a14:imgProps xmlns:a14="http://schemas.microsoft.com/office/drawing/2010/main">
+                  <a14:imgLayer r:embed="rId6">
+                    <a14:imgEffect>
+                      <a14:backgroundRemoval t="31841" b="42781" l="78420" r="88829">
+                        <a14:foregroundMark x1="82099" y1="37346" x2="85185" y2="38580"/>
+                      </a14:backgroundRemoval>
+                    </a14:imgEffect>
+                  </a14:imgLayer>
+                </a14:imgProps>
+              </a:ext>
               <a:ext uri="{28A0092B-C50C-407E-A947-70E740481C1C}">
                 <a14:useLocalDpi xmlns:a14="http://schemas.microsoft.com/office/drawing/2010/main" val="0"/>
               </a:ext>
             </a:extLst>
           </a:blip>
-          <a:srcRect l="77191" t="27160" r="8920" b="52289"/>
+          <a:srcRect l="77119" t="30474" r="9870" b="55852"/>
           <a:stretch/>
         </p:blipFill>
         <p:spPr>
           <a:xfrm>
-            <a:off x="8354839" y="2084221"/>
-            <a:ext cx="599850" cy="887580"/>
+            <a:off x="7912594" y="4823935"/>
+            <a:ext cx="612281" cy="643415"/>
           </a:xfrm>
           <a:prstGeom prst="rect">
             <a:avLst/>
@@ -7656,10 +7717,10 @@
       </p:pic>
       <p:pic>
         <p:nvPicPr>
-          <p:cNvPr id="13" name="Picture 12" descr="A picture containing text, orange, vector graphics&#10;&#10;Description automatically generated">
+          <p:cNvPr id="8" name="Picture 7" descr="A picture containing text, orange&#10;&#10;Description automatically generated">
             <a:extLst>
               <a:ext uri="{FF2B5EF4-FFF2-40B4-BE49-F238E27FC236}">
-                <a16:creationId xmlns:a16="http://schemas.microsoft.com/office/drawing/2014/main" id="{ADDF002A-A302-DC35-203A-58B7E5196A20}"/>
+                <a16:creationId xmlns:a16="http://schemas.microsoft.com/office/drawing/2014/main" id="{4522D987-8136-9C54-B341-F868FE440D42}"/>
               </a:ext>
             </a:extLst>
           </p:cNvPr>
@@ -7669,55 +7730,31 @@
           <p:nvPr/>
         </p:nvPicPr>
         <p:blipFill rotWithShape="1">
-          <a:blip r:embed="rId3">
+          <a:blip r:embed="rId7">
             <a:extLst>
+              <a:ext uri="{BEBA8EAE-BF5A-486C-A8C5-ECC9F3942E4B}">
+                <a14:imgProps xmlns:a14="http://schemas.microsoft.com/office/drawing/2010/main">
+                  <a14:imgLayer r:embed="rId8">
+                    <a14:imgEffect>
+                      <a14:backgroundRemoval t="11574" b="25154" l="25695" r="38795">
+                        <a14:foregroundMark x1="31173" y1="17284" x2="33025" y2="20679"/>
+                      </a14:backgroundRemoval>
+                    </a14:imgEffect>
+                  </a14:imgLayer>
+                </a14:imgProps>
+              </a:ext>
               <a:ext uri="{28A0092B-C50C-407E-A947-70E740481C1C}">
                 <a14:useLocalDpi xmlns:a14="http://schemas.microsoft.com/office/drawing/2010/main" val="0"/>
               </a:ext>
             </a:extLst>
           </a:blip>
-          <a:srcRect l="10002" t="55817" r="77262" b="29938"/>
+          <a:srcRect l="24058" t="9876" r="59568" b="73149"/>
           <a:stretch/>
         </p:blipFill>
         <p:spPr>
           <a:xfrm>
-            <a:off x="5363282" y="3381375"/>
-            <a:ext cx="589843" cy="659765"/>
-          </a:xfrm>
-          <a:prstGeom prst="rect">
-            <a:avLst/>
-          </a:prstGeom>
-        </p:spPr>
-      </p:pic>
-      <p:pic>
-        <p:nvPicPr>
-          <p:cNvPr id="7" name="Picture 6" descr="Diagram&#10;&#10;Description automatically generated">
-            <a:extLst>
-              <a:ext uri="{FF2B5EF4-FFF2-40B4-BE49-F238E27FC236}">
-                <a16:creationId xmlns:a16="http://schemas.microsoft.com/office/drawing/2014/main" id="{A6467E3A-F1A2-12D5-61F4-CE1931FC0A7F}"/>
-              </a:ext>
-            </a:extLst>
-          </p:cNvPr>
-          <p:cNvPicPr>
-            <a:picLocks noChangeAspect="1"/>
-          </p:cNvPicPr>
-          <p:nvPr/>
-        </p:nvPicPr>
-        <p:blipFill rotWithShape="1">
-          <a:blip r:embed="rId4">
-            <a:extLst>
-              <a:ext uri="{28A0092B-C50C-407E-A947-70E740481C1C}">
-                <a14:useLocalDpi xmlns:a14="http://schemas.microsoft.com/office/drawing/2010/main" val="0"/>
-              </a:ext>
-            </a:extLst>
-          </a:blip>
-          <a:srcRect l="36374" t="21379" r="50450" b="64369"/>
-          <a:stretch/>
-        </p:blipFill>
-        <p:spPr>
-          <a:xfrm>
-            <a:off x="6534635" y="1835586"/>
-            <a:ext cx="599850" cy="648851"/>
+            <a:off x="6188887" y="1840227"/>
+            <a:ext cx="797475" cy="826774"/>
           </a:xfrm>
           <a:prstGeom prst="rect">
             <a:avLst/>
